--- a/Project 1 PPT.pptx
+++ b/Project 1 PPT.pptx
@@ -9072,7 +9072,7 @@
             </a:pPr>
             <a:r>
               <a:rPr lang="en" dirty="0"/>
-              <a:t>Next Steps</a:t>
+              <a:t>Challenges and Next Steps</a:t>
             </a:r>
             <a:endParaRPr dirty="0"/>
           </a:p>
@@ -9102,6 +9102,36 @@
             <a:noAutofit/>
           </a:bodyPr>
           <a:lstStyle/>
+          <a:p>
+            <a:pPr marL="0" lvl="0" indent="0" algn="l" rtl="0">
+              <a:spcBef>
+                <a:spcPts val="600"/>
+              </a:spcBef>
+              <a:spcAft>
+                <a:spcPts val="0"/>
+              </a:spcAft>
+              <a:buNone/>
+            </a:pPr>
+            <a:r>
+              <a:rPr lang="en-US" sz="1800"/>
+              <a:t>List difficulties:</a:t>
+            </a:r>
+            <a:endParaRPr lang="en-US" sz="1800" dirty="0"/>
+          </a:p>
+          <a:p>
+            <a:pPr marL="285750" indent="-285750"/>
+            <a:r>
+              <a:rPr lang="en-US" sz="1800" dirty="0"/>
+              <a:t>A</a:t>
+            </a:r>
+          </a:p>
+          <a:p>
+            <a:pPr marL="285750" indent="-285750"/>
+            <a:r>
+              <a:rPr lang="en-US" sz="1800" dirty="0"/>
+              <a:t>B</a:t>
+            </a:r>
+          </a:p>
           <a:p>
             <a:pPr marL="0" lvl="0" indent="0" algn="l" rtl="0">
               <a:spcBef>

--- a/Project 1 PPT.pptx
+++ b/Project 1 PPT.pptx
@@ -7400,7 +7400,23 @@
                   <a:srgbClr val="FFC000"/>
                 </a:solidFill>
               </a:rPr>
-              <a:t>Question 3: How does top artists rank across continents compare to their global rank?</a:t>
+              <a:t>Question 3: How does </a:t>
+            </a:r>
+            <a:r>
+              <a:rPr lang="en-US">
+                <a:solidFill>
+                  <a:srgbClr val="FFC000"/>
+                </a:solidFill>
+              </a:rPr>
+              <a:t>top artists’ </a:t>
+            </a:r>
+            <a:r>
+              <a:rPr lang="en-US" dirty="0">
+                <a:solidFill>
+                  <a:srgbClr val="FFC000"/>
+                </a:solidFill>
+              </a:rPr>
+              <a:t>rank across continents compare to their global rank?</a:t>
             </a:r>
             <a:br>
               <a:rPr lang="en-US" dirty="0">
@@ -12134,7 +12150,7 @@
             <a:pPr lvl="1"/>
             <a:r>
               <a:rPr lang="en-US" dirty="0"/>
-              <a:t>How does top artists rank across continents compare to their global rank?</a:t>
+              <a:t>How does top artists’ rank across continents compare to their global rank?</a:t>
             </a:r>
             <a:endParaRPr lang="en-US" dirty="0">
               <a:highlight>

--- a/Project 1 PPT.pptx
+++ b/Project 1 PPT.pptx
@@ -5,7 +5,7 @@
     <p:sldMasterId id="2147483660" r:id="rId1"/>
   </p:sldMasterIdLst>
   <p:notesMasterIdLst>
-    <p:notesMasterId r:id="rId18"/>
+    <p:notesMasterId r:id="rId19"/>
   </p:notesMasterIdLst>
   <p:sldIdLst>
     <p:sldId id="256" r:id="rId2"/>
@@ -20,20 +20,21 @@
     <p:sldId id="312" r:id="rId11"/>
     <p:sldId id="313" r:id="rId12"/>
     <p:sldId id="309" r:id="rId13"/>
-    <p:sldId id="304" r:id="rId14"/>
-    <p:sldId id="305" r:id="rId15"/>
-    <p:sldId id="308" r:id="rId16"/>
-    <p:sldId id="306" r:id="rId17"/>
+    <p:sldId id="315" r:id="rId14"/>
+    <p:sldId id="304" r:id="rId15"/>
+    <p:sldId id="305" r:id="rId16"/>
+    <p:sldId id="308" r:id="rId17"/>
+    <p:sldId id="306" r:id="rId18"/>
   </p:sldIdLst>
   <p:sldSz cx="9144000" cy="5143500" type="screen16x9"/>
   <p:notesSz cx="6858000" cy="9144000"/>
   <p:embeddedFontLst>
     <p:embeddedFont>
       <p:font typeface="Barlow" pitchFamily="2" charset="77"/>
-      <p:regular r:id="rId19"/>
-      <p:bold r:id="rId20"/>
-      <p:italic r:id="rId21"/>
-      <p:boldItalic r:id="rId22"/>
+      <p:regular r:id="rId20"/>
+      <p:bold r:id="rId21"/>
+      <p:italic r:id="rId22"/>
+      <p:boldItalic r:id="rId23"/>
     </p:embeddedFont>
   </p:embeddedFontLst>
   <p:defaultTextStyle>
@@ -863,6 +864,115 @@
   <p:cSld>
     <p:spTree>
       <p:nvGrpSpPr>
+        <p:cNvPr id="1" name="Shape 137"/>
+        <p:cNvGrpSpPr/>
+        <p:nvPr/>
+      </p:nvGrpSpPr>
+      <p:grpSpPr>
+        <a:xfrm>
+          <a:off x="0" y="0"/>
+          <a:ext cx="0" cy="0"/>
+          <a:chOff x="0" y="0"/>
+          <a:chExt cx="0" cy="0"/>
+        </a:xfrm>
+      </p:grpSpPr>
+      <p:sp>
+        <p:nvSpPr>
+          <p:cNvPr id="138" name="Google Shape;138;g35ed75ccf_015:notes"/>
+          <p:cNvSpPr>
+            <a:spLocks noGrp="1" noRot="1" noChangeAspect="1"/>
+          </p:cNvSpPr>
+          <p:nvPr>
+            <p:ph type="sldImg" idx="2"/>
+          </p:nvPr>
+        </p:nvSpPr>
+        <p:spPr>
+          <a:xfrm>
+            <a:off x="381000" y="685800"/>
+            <a:ext cx="6096000" cy="3429000"/>
+          </a:xfrm>
+          <a:custGeom>
+            <a:avLst/>
+            <a:gdLst/>
+            <a:ahLst/>
+            <a:cxnLst/>
+            <a:rect l="l" t="t" r="r" b="b"/>
+            <a:pathLst>
+              <a:path w="120000" h="120000" extrusionOk="0">
+                <a:moveTo>
+                  <a:pt x="0" y="0"/>
+                </a:moveTo>
+                <a:lnTo>
+                  <a:pt x="120000" y="0"/>
+                </a:lnTo>
+                <a:lnTo>
+                  <a:pt x="120000" y="120000"/>
+                </a:lnTo>
+                <a:lnTo>
+                  <a:pt x="0" y="120000"/>
+                </a:lnTo>
+                <a:close/>
+              </a:path>
+            </a:pathLst>
+          </a:custGeom>
+        </p:spPr>
+      </p:sp>
+      <p:sp>
+        <p:nvSpPr>
+          <p:cNvPr id="139" name="Google Shape;139;g35ed75ccf_015:notes"/>
+          <p:cNvSpPr txBox="1">
+            <a:spLocks noGrp="1"/>
+          </p:cNvSpPr>
+          <p:nvPr>
+            <p:ph type="body" idx="1"/>
+          </p:nvPr>
+        </p:nvSpPr>
+        <p:spPr>
+          <a:xfrm>
+            <a:off x="685800" y="4343400"/>
+            <a:ext cx="5486400" cy="4114800"/>
+          </a:xfrm>
+          <a:prstGeom prst="rect">
+            <a:avLst/>
+          </a:prstGeom>
+        </p:spPr>
+        <p:txBody>
+          <a:bodyPr spcFirstLastPara="1" wrap="square" lIns="91425" tIns="91425" rIns="91425" bIns="91425" anchor="t" anchorCtr="0">
+            <a:noAutofit/>
+          </a:bodyPr>
+          <a:lstStyle/>
+          <a:p>
+            <a:pPr marL="0" lvl="0" indent="0" algn="l" rtl="0">
+              <a:spcBef>
+                <a:spcPts val="0"/>
+              </a:spcBef>
+              <a:spcAft>
+                <a:spcPts val="0"/>
+              </a:spcAft>
+              <a:buNone/>
+            </a:pPr>
+            <a:endParaRPr/>
+          </a:p>
+        </p:txBody>
+      </p:sp>
+    </p:spTree>
+    <p:extLst>
+      <p:ext uri="{BB962C8B-B14F-4D97-AF65-F5344CB8AC3E}">
+        <p14:creationId xmlns:p14="http://schemas.microsoft.com/office/powerpoint/2010/main" val="1412147958"/>
+      </p:ext>
+    </p:extLst>
+  </p:cSld>
+  <p:clrMapOvr>
+    <a:masterClrMapping/>
+  </p:clrMapOvr>
+</p:notes>
+</file>
+
+<file path=ppt/notesSlides/notesSlide11.xml><?xml version="1.0" encoding="utf-8"?>
+<p:notes xmlns:a="http://schemas.openxmlformats.org/drawingml/2006/main" xmlns:r="http://schemas.openxmlformats.org/officeDocument/2006/relationships" xmlns:p="http://schemas.openxmlformats.org/presentationml/2006/main" showMasterSp="0" showMasterPhAnim="0">
+  <p:cSld>
+    <p:spTree>
+      <p:nvGrpSpPr>
         <p:cNvPr id="1" name="Shape 112"/>
         <p:cNvGrpSpPr/>
         <p:nvPr/>
@@ -958,115 +1068,6 @@
     <p:extLst>
       <p:ext uri="{BB962C8B-B14F-4D97-AF65-F5344CB8AC3E}">
         <p14:creationId xmlns:p14="http://schemas.microsoft.com/office/powerpoint/2010/main" val="3964116109"/>
-      </p:ext>
-    </p:extLst>
-  </p:cSld>
-  <p:clrMapOvr>
-    <a:masterClrMapping/>
-  </p:clrMapOvr>
-</p:notes>
-</file>
-
-<file path=ppt/notesSlides/notesSlide11.xml><?xml version="1.0" encoding="utf-8"?>
-<p:notes xmlns:a="http://schemas.openxmlformats.org/drawingml/2006/main" xmlns:r="http://schemas.openxmlformats.org/officeDocument/2006/relationships" xmlns:p="http://schemas.openxmlformats.org/presentationml/2006/main" showMasterSp="0" showMasterPhAnim="0">
-  <p:cSld>
-    <p:spTree>
-      <p:nvGrpSpPr>
-        <p:cNvPr id="1" name="Shape 375"/>
-        <p:cNvGrpSpPr/>
-        <p:nvPr/>
-      </p:nvGrpSpPr>
-      <p:grpSpPr>
-        <a:xfrm>
-          <a:off x="0" y="0"/>
-          <a:ext cx="0" cy="0"/>
-          <a:chOff x="0" y="0"/>
-          <a:chExt cx="0" cy="0"/>
-        </a:xfrm>
-      </p:grpSpPr>
-      <p:sp>
-        <p:nvSpPr>
-          <p:cNvPr id="376" name="Google Shape;376;g35ed75ccf_0141:notes"/>
-          <p:cNvSpPr>
-            <a:spLocks noGrp="1" noRot="1" noChangeAspect="1"/>
-          </p:cNvSpPr>
-          <p:nvPr>
-            <p:ph type="sldImg" idx="2"/>
-          </p:nvPr>
-        </p:nvSpPr>
-        <p:spPr>
-          <a:xfrm>
-            <a:off x="381000" y="685800"/>
-            <a:ext cx="6096000" cy="3429000"/>
-          </a:xfrm>
-          <a:custGeom>
-            <a:avLst/>
-            <a:gdLst/>
-            <a:ahLst/>
-            <a:cxnLst/>
-            <a:rect l="l" t="t" r="r" b="b"/>
-            <a:pathLst>
-              <a:path w="120000" h="120000" extrusionOk="0">
-                <a:moveTo>
-                  <a:pt x="0" y="0"/>
-                </a:moveTo>
-                <a:lnTo>
-                  <a:pt x="120000" y="0"/>
-                </a:lnTo>
-                <a:lnTo>
-                  <a:pt x="120000" y="120000"/>
-                </a:lnTo>
-                <a:lnTo>
-                  <a:pt x="0" y="120000"/>
-                </a:lnTo>
-                <a:close/>
-              </a:path>
-            </a:pathLst>
-          </a:custGeom>
-        </p:spPr>
-      </p:sp>
-      <p:sp>
-        <p:nvSpPr>
-          <p:cNvPr id="377" name="Google Shape;377;g35ed75ccf_0141:notes"/>
-          <p:cNvSpPr txBox="1">
-            <a:spLocks noGrp="1"/>
-          </p:cNvSpPr>
-          <p:nvPr>
-            <p:ph type="body" idx="1"/>
-          </p:nvPr>
-        </p:nvSpPr>
-        <p:spPr>
-          <a:xfrm>
-            <a:off x="685800" y="4343400"/>
-            <a:ext cx="5486400" cy="4114800"/>
-          </a:xfrm>
-          <a:prstGeom prst="rect">
-            <a:avLst/>
-          </a:prstGeom>
-        </p:spPr>
-        <p:txBody>
-          <a:bodyPr spcFirstLastPara="1" wrap="square" lIns="91425" tIns="91425" rIns="91425" bIns="91425" anchor="t" anchorCtr="0">
-            <a:noAutofit/>
-          </a:bodyPr>
-          <a:lstStyle/>
-          <a:p>
-            <a:pPr marL="0" lvl="0" indent="0" algn="l" rtl="0">
-              <a:spcBef>
-                <a:spcPts val="0"/>
-              </a:spcBef>
-              <a:spcAft>
-                <a:spcPts val="0"/>
-              </a:spcAft>
-              <a:buNone/>
-            </a:pPr>
-            <a:endParaRPr/>
-          </a:p>
-        </p:txBody>
-      </p:sp>
-    </p:spTree>
-    <p:extLst>
-      <p:ext uri="{BB962C8B-B14F-4D97-AF65-F5344CB8AC3E}">
-        <p14:creationId xmlns:p14="http://schemas.microsoft.com/office/powerpoint/2010/main" val="3079609659"/>
       </p:ext>
     </p:extLst>
   </p:cSld>
@@ -1175,6 +1176,115 @@
     </p:spTree>
     <p:extLst>
       <p:ext uri="{BB962C8B-B14F-4D97-AF65-F5344CB8AC3E}">
+        <p14:creationId xmlns:p14="http://schemas.microsoft.com/office/powerpoint/2010/main" val="3079609659"/>
+      </p:ext>
+    </p:extLst>
+  </p:cSld>
+  <p:clrMapOvr>
+    <a:masterClrMapping/>
+  </p:clrMapOvr>
+</p:notes>
+</file>
+
+<file path=ppt/notesSlides/notesSlide13.xml><?xml version="1.0" encoding="utf-8"?>
+<p:notes xmlns:a="http://schemas.openxmlformats.org/drawingml/2006/main" xmlns:r="http://schemas.openxmlformats.org/officeDocument/2006/relationships" xmlns:p="http://schemas.openxmlformats.org/presentationml/2006/main" showMasterSp="0" showMasterPhAnim="0">
+  <p:cSld>
+    <p:spTree>
+      <p:nvGrpSpPr>
+        <p:cNvPr id="1" name="Shape 375"/>
+        <p:cNvGrpSpPr/>
+        <p:nvPr/>
+      </p:nvGrpSpPr>
+      <p:grpSpPr>
+        <a:xfrm>
+          <a:off x="0" y="0"/>
+          <a:ext cx="0" cy="0"/>
+          <a:chOff x="0" y="0"/>
+          <a:chExt cx="0" cy="0"/>
+        </a:xfrm>
+      </p:grpSpPr>
+      <p:sp>
+        <p:nvSpPr>
+          <p:cNvPr id="376" name="Google Shape;376;g35ed75ccf_0141:notes"/>
+          <p:cNvSpPr>
+            <a:spLocks noGrp="1" noRot="1" noChangeAspect="1"/>
+          </p:cNvSpPr>
+          <p:nvPr>
+            <p:ph type="sldImg" idx="2"/>
+          </p:nvPr>
+        </p:nvSpPr>
+        <p:spPr>
+          <a:xfrm>
+            <a:off x="381000" y="685800"/>
+            <a:ext cx="6096000" cy="3429000"/>
+          </a:xfrm>
+          <a:custGeom>
+            <a:avLst/>
+            <a:gdLst/>
+            <a:ahLst/>
+            <a:cxnLst/>
+            <a:rect l="l" t="t" r="r" b="b"/>
+            <a:pathLst>
+              <a:path w="120000" h="120000" extrusionOk="0">
+                <a:moveTo>
+                  <a:pt x="0" y="0"/>
+                </a:moveTo>
+                <a:lnTo>
+                  <a:pt x="120000" y="0"/>
+                </a:lnTo>
+                <a:lnTo>
+                  <a:pt x="120000" y="120000"/>
+                </a:lnTo>
+                <a:lnTo>
+                  <a:pt x="0" y="120000"/>
+                </a:lnTo>
+                <a:close/>
+              </a:path>
+            </a:pathLst>
+          </a:custGeom>
+        </p:spPr>
+      </p:sp>
+      <p:sp>
+        <p:nvSpPr>
+          <p:cNvPr id="377" name="Google Shape;377;g35ed75ccf_0141:notes"/>
+          <p:cNvSpPr txBox="1">
+            <a:spLocks noGrp="1"/>
+          </p:cNvSpPr>
+          <p:nvPr>
+            <p:ph type="body" idx="1"/>
+          </p:nvPr>
+        </p:nvSpPr>
+        <p:spPr>
+          <a:xfrm>
+            <a:off x="685800" y="4343400"/>
+            <a:ext cx="5486400" cy="4114800"/>
+          </a:xfrm>
+          <a:prstGeom prst="rect">
+            <a:avLst/>
+          </a:prstGeom>
+        </p:spPr>
+        <p:txBody>
+          <a:bodyPr spcFirstLastPara="1" wrap="square" lIns="91425" tIns="91425" rIns="91425" bIns="91425" anchor="t" anchorCtr="0">
+            <a:noAutofit/>
+          </a:bodyPr>
+          <a:lstStyle/>
+          <a:p>
+            <a:pPr marL="0" lvl="0" indent="0" algn="l" rtl="0">
+              <a:spcBef>
+                <a:spcPts val="0"/>
+              </a:spcBef>
+              <a:spcAft>
+                <a:spcPts val="0"/>
+              </a:spcAft>
+              <a:buNone/>
+            </a:pPr>
+            <a:endParaRPr/>
+          </a:p>
+        </p:txBody>
+      </p:sp>
+    </p:spTree>
+    <p:extLst>
+      <p:ext uri="{BB962C8B-B14F-4D97-AF65-F5344CB8AC3E}">
         <p14:creationId xmlns:p14="http://schemas.microsoft.com/office/powerpoint/2010/main" val="3309159883"/>
       </p:ext>
     </p:extLst>
@@ -1185,7 +1295,7 @@
 </p:notes>
 </file>
 
-<file path=ppt/notesSlides/notesSlide13.xml><?xml version="1.0" encoding="utf-8"?>
+<file path=ppt/notesSlides/notesSlide14.xml><?xml version="1.0" encoding="utf-8"?>
 <p:notes xmlns:a="http://schemas.openxmlformats.org/drawingml/2006/main" xmlns:r="http://schemas.openxmlformats.org/officeDocument/2006/relationships" xmlns:p="http://schemas.openxmlformats.org/presentationml/2006/main" showMasterSp="0" showMasterPhAnim="0">
   <p:cSld>
     <p:spTree>
@@ -6192,36 +6302,6 @@
           </a:p>
         </p:txBody>
       </p:sp>
-      <p:pic>
-        <p:nvPicPr>
-          <p:cNvPr id="3" name="Picture 2">
-            <a:extLst>
-              <a:ext uri="{FF2B5EF4-FFF2-40B4-BE49-F238E27FC236}">
-                <a16:creationId xmlns:a16="http://schemas.microsoft.com/office/drawing/2014/main" id="{C2D0C30B-B4C7-7545-BC0B-65D758FA32FF}"/>
-              </a:ext>
-            </a:extLst>
-          </p:cNvPr>
-          <p:cNvPicPr>
-            <a:picLocks noChangeAspect="1"/>
-          </p:cNvPicPr>
-          <p:nvPr/>
-        </p:nvPicPr>
-        <p:blipFill>
-          <a:blip r:embed="rId3"/>
-          <a:stretch>
-            <a:fillRect/>
-          </a:stretch>
-        </p:blipFill>
-        <p:spPr>
-          <a:xfrm>
-            <a:off x="1749579" y="1584281"/>
-            <a:ext cx="3400067" cy="2507712"/>
-          </a:xfrm>
-          <a:prstGeom prst="rect">
-            <a:avLst/>
-          </a:prstGeom>
-        </p:spPr>
-      </p:pic>
       <p:sp>
         <p:nvSpPr>
           <p:cNvPr id="7" name="Google Shape;142;p20">
@@ -6512,36 +6592,6 @@
           </a:p>
         </p:txBody>
       </p:sp>
-      <p:pic>
-        <p:nvPicPr>
-          <p:cNvPr id="5" name="Picture 4">
-            <a:extLst>
-              <a:ext uri="{FF2B5EF4-FFF2-40B4-BE49-F238E27FC236}">
-                <a16:creationId xmlns:a16="http://schemas.microsoft.com/office/drawing/2014/main" id="{A04BF1DD-F18F-4C48-9966-5F4C88A004C5}"/>
-              </a:ext>
-            </a:extLst>
-          </p:cNvPr>
-          <p:cNvPicPr>
-            <a:picLocks noChangeAspect="1"/>
-          </p:cNvPicPr>
-          <p:nvPr/>
-        </p:nvPicPr>
-        <p:blipFill>
-          <a:blip r:embed="rId4"/>
-          <a:stretch>
-            <a:fillRect/>
-          </a:stretch>
-        </p:blipFill>
-        <p:spPr>
-          <a:xfrm>
-            <a:off x="5294277" y="1664840"/>
-            <a:ext cx="3346951" cy="2529979"/>
-          </a:xfrm>
-          <a:prstGeom prst="rect">
-            <a:avLst/>
-          </a:prstGeom>
-        </p:spPr>
-      </p:pic>
       <p:sp>
         <p:nvSpPr>
           <p:cNvPr id="10" name="Google Shape;142;p20">
@@ -6832,6 +6882,66 @@
           </a:p>
         </p:txBody>
       </p:sp>
+      <p:pic>
+        <p:nvPicPr>
+          <p:cNvPr id="4" name="Picture 3">
+            <a:extLst>
+              <a:ext uri="{FF2B5EF4-FFF2-40B4-BE49-F238E27FC236}">
+                <a16:creationId xmlns:a16="http://schemas.microsoft.com/office/drawing/2014/main" id="{2A23BD81-2B95-E94E-9C0D-2876AFA91F8A}"/>
+              </a:ext>
+            </a:extLst>
+          </p:cNvPr>
+          <p:cNvPicPr>
+            <a:picLocks noChangeAspect="1"/>
+          </p:cNvPicPr>
+          <p:nvPr/>
+        </p:nvPicPr>
+        <p:blipFill>
+          <a:blip r:embed="rId3"/>
+          <a:stretch>
+            <a:fillRect/>
+          </a:stretch>
+        </p:blipFill>
+        <p:spPr>
+          <a:xfrm>
+            <a:off x="1642343" y="1574715"/>
+            <a:ext cx="3761568" cy="2507712"/>
+          </a:xfrm>
+          <a:prstGeom prst="rect">
+            <a:avLst/>
+          </a:prstGeom>
+        </p:spPr>
+      </p:pic>
+      <p:pic>
+        <p:nvPicPr>
+          <p:cNvPr id="8" name="Picture 7">
+            <a:extLst>
+              <a:ext uri="{FF2B5EF4-FFF2-40B4-BE49-F238E27FC236}">
+                <a16:creationId xmlns:a16="http://schemas.microsoft.com/office/drawing/2014/main" id="{132A5AB7-74C9-7A4F-8086-D59DA097C1AB}"/>
+              </a:ext>
+            </a:extLst>
+          </p:cNvPr>
+          <p:cNvPicPr>
+            <a:picLocks noChangeAspect="1"/>
+          </p:cNvPicPr>
+          <p:nvPr/>
+        </p:nvPicPr>
+        <p:blipFill>
+          <a:blip r:embed="rId4"/>
+          <a:stretch>
+            <a:fillRect/>
+          </a:stretch>
+        </p:blipFill>
+        <p:spPr>
+          <a:xfrm>
+            <a:off x="5035151" y="1415653"/>
+            <a:ext cx="4238753" cy="2825835"/>
+          </a:xfrm>
+          <a:prstGeom prst="rect">
+            <a:avLst/>
+          </a:prstGeom>
+        </p:spPr>
+      </p:pic>
     </p:spTree>
     <p:extLst>
       <p:ext uri="{BB962C8B-B14F-4D97-AF65-F5344CB8AC3E}">
@@ -7311,10 +7421,10 @@
       </p:sp>
       <p:pic>
         <p:nvPicPr>
-          <p:cNvPr id="8" name="Picture 7">
+          <p:cNvPr id="5" name="Picture 4">
             <a:extLst>
               <a:ext uri="{FF2B5EF4-FFF2-40B4-BE49-F238E27FC236}">
-                <a16:creationId xmlns:a16="http://schemas.microsoft.com/office/drawing/2014/main" id="{48F4470A-2A7B-B746-914C-86ACDB647863}"/>
+                <a16:creationId xmlns:a16="http://schemas.microsoft.com/office/drawing/2014/main" id="{8F8041B9-2035-214B-9B50-C89BFEBA89B2}"/>
               </a:ext>
             </a:extLst>
           </p:cNvPr>
@@ -7331,8 +7441,8 @@
         </p:blipFill>
         <p:spPr>
           <a:xfrm>
-            <a:off x="2869124" y="1450849"/>
-            <a:ext cx="3590620" cy="2634497"/>
+            <a:off x="2900172" y="1444005"/>
+            <a:ext cx="4059428" cy="2706285"/>
           </a:xfrm>
           <a:prstGeom prst="rect">
             <a:avLst/>
@@ -7475,36 +7585,6 @@
           </a:p>
         </p:txBody>
       </p:sp>
-      <p:pic>
-        <p:nvPicPr>
-          <p:cNvPr id="3" name="Picture 2">
-            <a:extLst>
-              <a:ext uri="{FF2B5EF4-FFF2-40B4-BE49-F238E27FC236}">
-                <a16:creationId xmlns:a16="http://schemas.microsoft.com/office/drawing/2014/main" id="{5A173E10-E6E0-EB45-8D7C-AB0546CE3AA3}"/>
-              </a:ext>
-            </a:extLst>
-          </p:cNvPr>
-          <p:cNvPicPr>
-            <a:picLocks noChangeAspect="1"/>
-          </p:cNvPicPr>
-          <p:nvPr/>
-        </p:nvPicPr>
-        <p:blipFill>
-          <a:blip r:embed="rId3"/>
-          <a:stretch>
-            <a:fillRect/>
-          </a:stretch>
-        </p:blipFill>
-        <p:spPr>
-          <a:xfrm>
-            <a:off x="3353010" y="1505332"/>
-            <a:ext cx="3580439" cy="3179285"/>
-          </a:xfrm>
-          <a:prstGeom prst="rect">
-            <a:avLst/>
-          </a:prstGeom>
-        </p:spPr>
-      </p:pic>
       <p:sp>
         <p:nvSpPr>
           <p:cNvPr id="7" name="Google Shape;142;p20">
@@ -7790,7 +7870,7 @@
             </a:pPr>
             <a:r>
               <a:rPr lang="en-US" sz="1200" dirty="0"/>
-              <a:t>Looked at individual top artists’ ranks in each continent in which they are ranked compared to how they are ranked globally.</a:t>
+              <a:t>Looked at the top 10 artists ‘ ranks in each continent in which they are ranked compared to how they are ranked globally.</a:t>
             </a:r>
           </a:p>
         </p:txBody>
@@ -7811,7 +7891,7 @@
         </p:nvSpPr>
         <p:spPr>
           <a:xfrm>
-            <a:off x="1863079" y="4358700"/>
+            <a:off x="1863079" y="4067651"/>
             <a:ext cx="6262238" cy="784800"/>
           </a:xfrm>
           <a:prstGeom prst="rect">
@@ -8088,11 +8168,79 @@
             </a:r>
             <a:r>
               <a:rPr lang="en-US" sz="1200" dirty="0"/>
-              <a:t> is ranked higher globally (10) than in any continent. Would be worth looking into global ranking methodology.</a:t>
+              <a:t> and </a:t>
+            </a:r>
+            <a:r>
+              <a:rPr lang="en-US" sz="1200" dirty="0" err="1"/>
+              <a:t>Dua</a:t>
+            </a:r>
+            <a:r>
+              <a:rPr lang="en-US" sz="1200" dirty="0"/>
+              <a:t> Lipa are ranked higher globally (between 10 and 15) than in any continent. Would be worth looking into individual country rankings.</a:t>
             </a:r>
           </a:p>
         </p:txBody>
       </p:sp>
+      <p:pic>
+        <p:nvPicPr>
+          <p:cNvPr id="4" name="Picture 3">
+            <a:extLst>
+              <a:ext uri="{FF2B5EF4-FFF2-40B4-BE49-F238E27FC236}">
+                <a16:creationId xmlns:a16="http://schemas.microsoft.com/office/drawing/2014/main" id="{FE9928AD-C6DF-A146-ACBD-E7720F4FA1D0}"/>
+              </a:ext>
+            </a:extLst>
+          </p:cNvPr>
+          <p:cNvPicPr>
+            <a:picLocks noChangeAspect="1"/>
+          </p:cNvPicPr>
+          <p:nvPr/>
+        </p:nvPicPr>
+        <p:blipFill>
+          <a:blip r:embed="rId3"/>
+          <a:stretch>
+            <a:fillRect/>
+          </a:stretch>
+        </p:blipFill>
+        <p:spPr>
+          <a:xfrm>
+            <a:off x="1757495" y="1680219"/>
+            <a:ext cx="3392151" cy="2261434"/>
+          </a:xfrm>
+          <a:prstGeom prst="rect">
+            <a:avLst/>
+          </a:prstGeom>
+        </p:spPr>
+      </p:pic>
+      <p:pic>
+        <p:nvPicPr>
+          <p:cNvPr id="6" name="Picture 5">
+            <a:extLst>
+              <a:ext uri="{FF2B5EF4-FFF2-40B4-BE49-F238E27FC236}">
+                <a16:creationId xmlns:a16="http://schemas.microsoft.com/office/drawing/2014/main" id="{E2ABC107-5CD9-FF4E-B9C9-6C5E866EBC24}"/>
+              </a:ext>
+            </a:extLst>
+          </p:cNvPr>
+          <p:cNvPicPr>
+            <a:picLocks noChangeAspect="1"/>
+          </p:cNvPicPr>
+          <p:nvPr/>
+        </p:nvPicPr>
+        <p:blipFill>
+          <a:blip r:embed="rId4"/>
+          <a:stretch>
+            <a:fillRect/>
+          </a:stretch>
+        </p:blipFill>
+        <p:spPr>
+          <a:xfrm>
+            <a:off x="4994198" y="1615939"/>
+            <a:ext cx="3488571" cy="2325714"/>
+          </a:xfrm>
+          <a:prstGeom prst="rect">
+            <a:avLst/>
+          </a:prstGeom>
+        </p:spPr>
+      </p:pic>
     </p:spTree>
     <p:extLst>
       <p:ext uri="{BB962C8B-B14F-4D97-AF65-F5344CB8AC3E}">
@@ -8107,6 +8255,752 @@
 </file>
 
 <file path=ppt/slides/slide13.xml><?xml version="1.0" encoding="utf-8"?>
+<p:sld xmlns:a="http://schemas.openxmlformats.org/drawingml/2006/main" xmlns:r="http://schemas.openxmlformats.org/officeDocument/2006/relationships" xmlns:p="http://schemas.openxmlformats.org/presentationml/2006/main">
+  <p:cSld>
+    <p:spTree>
+      <p:nvGrpSpPr>
+        <p:cNvPr id="1" name="Shape 140"/>
+        <p:cNvGrpSpPr/>
+        <p:nvPr/>
+      </p:nvGrpSpPr>
+      <p:grpSpPr>
+        <a:xfrm>
+          <a:off x="0" y="0"/>
+          <a:ext cx="0" cy="0"/>
+          <a:chOff x="0" y="0"/>
+          <a:chExt cx="0" cy="0"/>
+        </a:xfrm>
+      </p:grpSpPr>
+      <p:sp>
+        <p:nvSpPr>
+          <p:cNvPr id="141" name="Google Shape;141;p20"/>
+          <p:cNvSpPr txBox="1">
+            <a:spLocks noGrp="1"/>
+          </p:cNvSpPr>
+          <p:nvPr>
+            <p:ph type="ctrTitle" idx="4294967295"/>
+          </p:nvPr>
+        </p:nvSpPr>
+        <p:spPr>
+          <a:xfrm>
+            <a:off x="1751976" y="291049"/>
+            <a:ext cx="6669647" cy="1159800"/>
+          </a:xfrm>
+          <a:prstGeom prst="rect">
+            <a:avLst/>
+          </a:prstGeom>
+        </p:spPr>
+        <p:txBody>
+          <a:bodyPr spcFirstLastPara="1" wrap="square" lIns="91425" tIns="91425" rIns="91425" bIns="91425" anchor="ctr" anchorCtr="0">
+            <a:noAutofit/>
+          </a:bodyPr>
+          <a:lstStyle/>
+          <a:p>
+            <a:r>
+              <a:rPr lang="en-US" dirty="0">
+                <a:solidFill>
+                  <a:srgbClr val="FFC000"/>
+                </a:solidFill>
+              </a:rPr>
+              <a:t>Question 3: How does </a:t>
+            </a:r>
+            <a:r>
+              <a:rPr lang="en-US">
+                <a:solidFill>
+                  <a:srgbClr val="FFC000"/>
+                </a:solidFill>
+              </a:rPr>
+              <a:t>top artists’ </a:t>
+            </a:r>
+            <a:r>
+              <a:rPr lang="en-US" dirty="0">
+                <a:solidFill>
+                  <a:srgbClr val="FFC000"/>
+                </a:solidFill>
+              </a:rPr>
+              <a:t>rank across continents compare to their global rank?</a:t>
+            </a:r>
+            <a:br>
+              <a:rPr lang="en-US" dirty="0">
+                <a:solidFill>
+                  <a:srgbClr val="FFC000"/>
+                </a:solidFill>
+              </a:rPr>
+            </a:br>
+            <a:endParaRPr dirty="0">
+              <a:solidFill>
+                <a:srgbClr val="FFC000"/>
+              </a:solidFill>
+            </a:endParaRPr>
+          </a:p>
+        </p:txBody>
+      </p:sp>
+      <p:sp>
+        <p:nvSpPr>
+          <p:cNvPr id="156" name="Google Shape;156;p20"/>
+          <p:cNvSpPr txBox="1">
+            <a:spLocks noGrp="1"/>
+          </p:cNvSpPr>
+          <p:nvPr>
+            <p:ph type="sldNum" idx="12"/>
+          </p:nvPr>
+        </p:nvSpPr>
+        <p:spPr>
+          <a:xfrm>
+            <a:off x="8750400" y="4356225"/>
+            <a:ext cx="393600" cy="393600"/>
+          </a:xfrm>
+          <a:prstGeom prst="rect">
+            <a:avLst/>
+          </a:prstGeom>
+        </p:spPr>
+        <p:txBody>
+          <a:bodyPr spcFirstLastPara="1" wrap="square" lIns="91425" tIns="91425" rIns="91425" bIns="91425" anchor="ctr" anchorCtr="0">
+            <a:noAutofit/>
+          </a:bodyPr>
+          <a:lstStyle/>
+          <a:p>
+            <a:pPr marL="0" lvl="0" indent="0" algn="ctr" rtl="0">
+              <a:spcBef>
+                <a:spcPts val="0"/>
+              </a:spcBef>
+              <a:spcAft>
+                <a:spcPts val="0"/>
+              </a:spcAft>
+              <a:buNone/>
+            </a:pPr>
+            <a:fld id="{00000000-1234-1234-1234-123412341234}" type="slidenum">
+              <a:rPr lang="en"/>
+              <a:t>13</a:t>
+            </a:fld>
+            <a:endParaRPr/>
+          </a:p>
+        </p:txBody>
+      </p:sp>
+      <p:sp>
+        <p:nvSpPr>
+          <p:cNvPr id="7" name="Google Shape;142;p20">
+            <a:extLst>
+              <a:ext uri="{FF2B5EF4-FFF2-40B4-BE49-F238E27FC236}">
+                <a16:creationId xmlns:a16="http://schemas.microsoft.com/office/drawing/2014/main" id="{684823B4-115E-6A4C-8048-2C757DD816BF}"/>
+              </a:ext>
+            </a:extLst>
+          </p:cNvPr>
+          <p:cNvSpPr txBox="1">
+            <a:spLocks/>
+          </p:cNvSpPr>
+          <p:nvPr/>
+        </p:nvSpPr>
+        <p:spPr>
+          <a:xfrm>
+            <a:off x="1751977" y="993210"/>
+            <a:ext cx="6795338" cy="784800"/>
+          </a:xfrm>
+          <a:prstGeom prst="rect">
+            <a:avLst/>
+          </a:prstGeom>
+          <a:noFill/>
+          <a:ln>
+            <a:noFill/>
+          </a:ln>
+        </p:spPr>
+        <p:txBody>
+          <a:bodyPr spcFirstLastPara="1" wrap="square" lIns="91425" tIns="91425" rIns="91425" bIns="91425" anchor="t" anchorCtr="0">
+            <a:noAutofit/>
+          </a:bodyPr>
+          <a:lstStyle>
+            <a:defPPr marR="0" lvl="0" algn="l" rtl="0">
+              <a:lnSpc>
+                <a:spcPct val="100000"/>
+              </a:lnSpc>
+              <a:spcBef>
+                <a:spcPts val="0"/>
+              </a:spcBef>
+              <a:spcAft>
+                <a:spcPts val="0"/>
+              </a:spcAft>
+            </a:defPPr>
+            <a:lvl1pPr marL="457200" marR="0" lvl="0" indent="-393700" algn="l" rtl="0">
+              <a:lnSpc>
+                <a:spcPct val="100000"/>
+              </a:lnSpc>
+              <a:spcBef>
+                <a:spcPts val="600"/>
+              </a:spcBef>
+              <a:spcAft>
+                <a:spcPts val="0"/>
+              </a:spcAft>
+              <a:buClr>
+                <a:schemeClr val="dk2"/>
+              </a:buClr>
+              <a:buSzPts val="2600"/>
+              <a:buFont typeface="Barlow"/>
+              <a:buChar char="▪"/>
+              <a:defRPr sz="2600" b="0" i="0" u="none" strike="noStrike" cap="none">
+                <a:solidFill>
+                  <a:schemeClr val="dk1"/>
+                </a:solidFill>
+                <a:latin typeface="Barlow"/>
+                <a:ea typeface="Barlow"/>
+                <a:cs typeface="Barlow"/>
+                <a:sym typeface="Barlow"/>
+              </a:defRPr>
+            </a:lvl1pPr>
+            <a:lvl2pPr marL="914400" marR="0" lvl="1" indent="-393700" algn="l" rtl="0">
+              <a:lnSpc>
+                <a:spcPct val="100000"/>
+              </a:lnSpc>
+              <a:spcBef>
+                <a:spcPts val="0"/>
+              </a:spcBef>
+              <a:spcAft>
+                <a:spcPts val="0"/>
+              </a:spcAft>
+              <a:buClr>
+                <a:schemeClr val="dk2"/>
+              </a:buClr>
+              <a:buSzPts val="2600"/>
+              <a:buFont typeface="Barlow"/>
+              <a:buChar char="▫"/>
+              <a:defRPr sz="2600" b="0" i="0" u="none" strike="noStrike" cap="none">
+                <a:solidFill>
+                  <a:schemeClr val="dk1"/>
+                </a:solidFill>
+                <a:latin typeface="Barlow"/>
+                <a:ea typeface="Barlow"/>
+                <a:cs typeface="Barlow"/>
+                <a:sym typeface="Barlow"/>
+              </a:defRPr>
+            </a:lvl2pPr>
+            <a:lvl3pPr marL="1371600" marR="0" lvl="2" indent="-393700" algn="l" rtl="0">
+              <a:lnSpc>
+                <a:spcPct val="100000"/>
+              </a:lnSpc>
+              <a:spcBef>
+                <a:spcPts val="0"/>
+              </a:spcBef>
+              <a:spcAft>
+                <a:spcPts val="0"/>
+              </a:spcAft>
+              <a:buClr>
+                <a:schemeClr val="dk2"/>
+              </a:buClr>
+              <a:buSzPts val="2600"/>
+              <a:buFont typeface="Barlow"/>
+              <a:buChar char="▫"/>
+              <a:defRPr sz="2600" b="0" i="0" u="none" strike="noStrike" cap="none">
+                <a:solidFill>
+                  <a:schemeClr val="dk1"/>
+                </a:solidFill>
+                <a:latin typeface="Barlow"/>
+                <a:ea typeface="Barlow"/>
+                <a:cs typeface="Barlow"/>
+                <a:sym typeface="Barlow"/>
+              </a:defRPr>
+            </a:lvl3pPr>
+            <a:lvl4pPr marL="1828800" marR="0" lvl="3" indent="-393700" algn="l" rtl="0">
+              <a:lnSpc>
+                <a:spcPct val="100000"/>
+              </a:lnSpc>
+              <a:spcBef>
+                <a:spcPts val="0"/>
+              </a:spcBef>
+              <a:spcAft>
+                <a:spcPts val="0"/>
+              </a:spcAft>
+              <a:buClr>
+                <a:schemeClr val="dk1"/>
+              </a:buClr>
+              <a:buSzPts val="2600"/>
+              <a:buFont typeface="Barlow"/>
+              <a:buChar char="▫"/>
+              <a:defRPr sz="2600" b="0" i="0" u="none" strike="noStrike" cap="none">
+                <a:solidFill>
+                  <a:schemeClr val="dk1"/>
+                </a:solidFill>
+                <a:latin typeface="Barlow"/>
+                <a:ea typeface="Barlow"/>
+                <a:cs typeface="Barlow"/>
+                <a:sym typeface="Barlow"/>
+              </a:defRPr>
+            </a:lvl4pPr>
+            <a:lvl5pPr marL="2286000" marR="0" lvl="4" indent="-393700" algn="l" rtl="0">
+              <a:lnSpc>
+                <a:spcPct val="100000"/>
+              </a:lnSpc>
+              <a:spcBef>
+                <a:spcPts val="0"/>
+              </a:spcBef>
+              <a:spcAft>
+                <a:spcPts val="0"/>
+              </a:spcAft>
+              <a:buClr>
+                <a:schemeClr val="dk1"/>
+              </a:buClr>
+              <a:buSzPts val="2600"/>
+              <a:buFont typeface="Barlow"/>
+              <a:buChar char="○"/>
+              <a:defRPr sz="2600" b="0" i="0" u="none" strike="noStrike" cap="none">
+                <a:solidFill>
+                  <a:schemeClr val="dk1"/>
+                </a:solidFill>
+                <a:latin typeface="Barlow"/>
+                <a:ea typeface="Barlow"/>
+                <a:cs typeface="Barlow"/>
+                <a:sym typeface="Barlow"/>
+              </a:defRPr>
+            </a:lvl5pPr>
+            <a:lvl6pPr marL="2743200" marR="0" lvl="5" indent="-393700" algn="l" rtl="0">
+              <a:lnSpc>
+                <a:spcPct val="100000"/>
+              </a:lnSpc>
+              <a:spcBef>
+                <a:spcPts val="0"/>
+              </a:spcBef>
+              <a:spcAft>
+                <a:spcPts val="0"/>
+              </a:spcAft>
+              <a:buClr>
+                <a:schemeClr val="dk1"/>
+              </a:buClr>
+              <a:buSzPts val="2600"/>
+              <a:buFont typeface="Barlow"/>
+              <a:buChar char="■"/>
+              <a:defRPr sz="2600" b="0" i="0" u="none" strike="noStrike" cap="none">
+                <a:solidFill>
+                  <a:schemeClr val="dk1"/>
+                </a:solidFill>
+                <a:latin typeface="Barlow"/>
+                <a:ea typeface="Barlow"/>
+                <a:cs typeface="Barlow"/>
+                <a:sym typeface="Barlow"/>
+              </a:defRPr>
+            </a:lvl6pPr>
+            <a:lvl7pPr marL="3200400" marR="0" lvl="6" indent="-393700" algn="l" rtl="0">
+              <a:lnSpc>
+                <a:spcPct val="100000"/>
+              </a:lnSpc>
+              <a:spcBef>
+                <a:spcPts val="0"/>
+              </a:spcBef>
+              <a:spcAft>
+                <a:spcPts val="0"/>
+              </a:spcAft>
+              <a:buClr>
+                <a:schemeClr val="dk1"/>
+              </a:buClr>
+              <a:buSzPts val="2600"/>
+              <a:buFont typeface="Barlow"/>
+              <a:buChar char="●"/>
+              <a:defRPr sz="2600" b="0" i="0" u="none" strike="noStrike" cap="none">
+                <a:solidFill>
+                  <a:schemeClr val="dk1"/>
+                </a:solidFill>
+                <a:latin typeface="Barlow"/>
+                <a:ea typeface="Barlow"/>
+                <a:cs typeface="Barlow"/>
+                <a:sym typeface="Barlow"/>
+              </a:defRPr>
+            </a:lvl7pPr>
+            <a:lvl8pPr marL="3657600" marR="0" lvl="7" indent="-393700" algn="l" rtl="0">
+              <a:lnSpc>
+                <a:spcPct val="100000"/>
+              </a:lnSpc>
+              <a:spcBef>
+                <a:spcPts val="0"/>
+              </a:spcBef>
+              <a:spcAft>
+                <a:spcPts val="0"/>
+              </a:spcAft>
+              <a:buClr>
+                <a:schemeClr val="dk1"/>
+              </a:buClr>
+              <a:buSzPts val="2600"/>
+              <a:buFont typeface="Barlow"/>
+              <a:buChar char="○"/>
+              <a:defRPr sz="2600" b="0" i="0" u="none" strike="noStrike" cap="none">
+                <a:solidFill>
+                  <a:schemeClr val="dk1"/>
+                </a:solidFill>
+                <a:latin typeface="Barlow"/>
+                <a:ea typeface="Barlow"/>
+                <a:cs typeface="Barlow"/>
+                <a:sym typeface="Barlow"/>
+              </a:defRPr>
+            </a:lvl8pPr>
+            <a:lvl9pPr marL="4114800" marR="0" lvl="8" indent="-393700" algn="l" rtl="0">
+              <a:lnSpc>
+                <a:spcPct val="100000"/>
+              </a:lnSpc>
+              <a:spcBef>
+                <a:spcPts val="0"/>
+              </a:spcBef>
+              <a:spcAft>
+                <a:spcPts val="0"/>
+              </a:spcAft>
+              <a:buClr>
+                <a:schemeClr val="dk1"/>
+              </a:buClr>
+              <a:buSzPts val="2600"/>
+              <a:buFont typeface="Barlow"/>
+              <a:buChar char="■"/>
+              <a:defRPr sz="2600" b="0" i="0" u="none" strike="noStrike" cap="none">
+                <a:solidFill>
+                  <a:schemeClr val="dk1"/>
+                </a:solidFill>
+                <a:latin typeface="Barlow"/>
+                <a:ea typeface="Barlow"/>
+                <a:cs typeface="Barlow"/>
+                <a:sym typeface="Barlow"/>
+              </a:defRPr>
+            </a:lvl9pPr>
+          </a:lstStyle>
+          <a:p>
+            <a:pPr marL="0" indent="0">
+              <a:buFont typeface="Barlow"/>
+              <a:buNone/>
+            </a:pPr>
+            <a:r>
+              <a:rPr lang="en-US" sz="1200" dirty="0"/>
+              <a:t>Looked at the top 10 artists ‘ ranks in each continent in which they are ranked compared to how they are ranked globally.</a:t>
+            </a:r>
+          </a:p>
+        </p:txBody>
+      </p:sp>
+      <p:sp>
+        <p:nvSpPr>
+          <p:cNvPr id="8" name="Google Shape;142;p20">
+            <a:extLst>
+              <a:ext uri="{FF2B5EF4-FFF2-40B4-BE49-F238E27FC236}">
+                <a16:creationId xmlns:a16="http://schemas.microsoft.com/office/drawing/2014/main" id="{9CC0477B-3C54-AA43-8B44-BB1917D1C14B}"/>
+              </a:ext>
+            </a:extLst>
+          </p:cNvPr>
+          <p:cNvSpPr txBox="1">
+            <a:spLocks/>
+          </p:cNvSpPr>
+          <p:nvPr/>
+        </p:nvSpPr>
+        <p:spPr>
+          <a:xfrm>
+            <a:off x="1863079" y="3963825"/>
+            <a:ext cx="6262238" cy="784800"/>
+          </a:xfrm>
+          <a:prstGeom prst="rect">
+            <a:avLst/>
+          </a:prstGeom>
+          <a:noFill/>
+          <a:ln>
+            <a:noFill/>
+          </a:ln>
+        </p:spPr>
+        <p:txBody>
+          <a:bodyPr spcFirstLastPara="1" wrap="square" lIns="91425" tIns="91425" rIns="91425" bIns="91425" anchor="t" anchorCtr="0">
+            <a:noAutofit/>
+          </a:bodyPr>
+          <a:lstStyle>
+            <a:defPPr marR="0" lvl="0" algn="l" rtl="0">
+              <a:lnSpc>
+                <a:spcPct val="100000"/>
+              </a:lnSpc>
+              <a:spcBef>
+                <a:spcPts val="0"/>
+              </a:spcBef>
+              <a:spcAft>
+                <a:spcPts val="0"/>
+              </a:spcAft>
+            </a:defPPr>
+            <a:lvl1pPr marL="457200" marR="0" lvl="0" indent="-393700" algn="l" rtl="0">
+              <a:lnSpc>
+                <a:spcPct val="100000"/>
+              </a:lnSpc>
+              <a:spcBef>
+                <a:spcPts val="600"/>
+              </a:spcBef>
+              <a:spcAft>
+                <a:spcPts val="0"/>
+              </a:spcAft>
+              <a:buClr>
+                <a:schemeClr val="dk2"/>
+              </a:buClr>
+              <a:buSzPts val="2600"/>
+              <a:buFont typeface="Barlow"/>
+              <a:buChar char="▪"/>
+              <a:defRPr sz="2600" b="0" i="0" u="none" strike="noStrike" cap="none">
+                <a:solidFill>
+                  <a:schemeClr val="dk1"/>
+                </a:solidFill>
+                <a:latin typeface="Barlow"/>
+                <a:ea typeface="Barlow"/>
+                <a:cs typeface="Barlow"/>
+                <a:sym typeface="Barlow"/>
+              </a:defRPr>
+            </a:lvl1pPr>
+            <a:lvl2pPr marL="914400" marR="0" lvl="1" indent="-393700" algn="l" rtl="0">
+              <a:lnSpc>
+                <a:spcPct val="100000"/>
+              </a:lnSpc>
+              <a:spcBef>
+                <a:spcPts val="0"/>
+              </a:spcBef>
+              <a:spcAft>
+                <a:spcPts val="0"/>
+              </a:spcAft>
+              <a:buClr>
+                <a:schemeClr val="dk2"/>
+              </a:buClr>
+              <a:buSzPts val="2600"/>
+              <a:buFont typeface="Barlow"/>
+              <a:buChar char="▫"/>
+              <a:defRPr sz="2600" b="0" i="0" u="none" strike="noStrike" cap="none">
+                <a:solidFill>
+                  <a:schemeClr val="dk1"/>
+                </a:solidFill>
+                <a:latin typeface="Barlow"/>
+                <a:ea typeface="Barlow"/>
+                <a:cs typeface="Barlow"/>
+                <a:sym typeface="Barlow"/>
+              </a:defRPr>
+            </a:lvl2pPr>
+            <a:lvl3pPr marL="1371600" marR="0" lvl="2" indent="-393700" algn="l" rtl="0">
+              <a:lnSpc>
+                <a:spcPct val="100000"/>
+              </a:lnSpc>
+              <a:spcBef>
+                <a:spcPts val="0"/>
+              </a:spcBef>
+              <a:spcAft>
+                <a:spcPts val="0"/>
+              </a:spcAft>
+              <a:buClr>
+                <a:schemeClr val="dk2"/>
+              </a:buClr>
+              <a:buSzPts val="2600"/>
+              <a:buFont typeface="Barlow"/>
+              <a:buChar char="▫"/>
+              <a:defRPr sz="2600" b="0" i="0" u="none" strike="noStrike" cap="none">
+                <a:solidFill>
+                  <a:schemeClr val="dk1"/>
+                </a:solidFill>
+                <a:latin typeface="Barlow"/>
+                <a:ea typeface="Barlow"/>
+                <a:cs typeface="Barlow"/>
+                <a:sym typeface="Barlow"/>
+              </a:defRPr>
+            </a:lvl3pPr>
+            <a:lvl4pPr marL="1828800" marR="0" lvl="3" indent="-393700" algn="l" rtl="0">
+              <a:lnSpc>
+                <a:spcPct val="100000"/>
+              </a:lnSpc>
+              <a:spcBef>
+                <a:spcPts val="0"/>
+              </a:spcBef>
+              <a:spcAft>
+                <a:spcPts val="0"/>
+              </a:spcAft>
+              <a:buClr>
+                <a:schemeClr val="dk1"/>
+              </a:buClr>
+              <a:buSzPts val="2600"/>
+              <a:buFont typeface="Barlow"/>
+              <a:buChar char="▫"/>
+              <a:defRPr sz="2600" b="0" i="0" u="none" strike="noStrike" cap="none">
+                <a:solidFill>
+                  <a:schemeClr val="dk1"/>
+                </a:solidFill>
+                <a:latin typeface="Barlow"/>
+                <a:ea typeface="Barlow"/>
+                <a:cs typeface="Barlow"/>
+                <a:sym typeface="Barlow"/>
+              </a:defRPr>
+            </a:lvl4pPr>
+            <a:lvl5pPr marL="2286000" marR="0" lvl="4" indent="-393700" algn="l" rtl="0">
+              <a:lnSpc>
+                <a:spcPct val="100000"/>
+              </a:lnSpc>
+              <a:spcBef>
+                <a:spcPts val="0"/>
+              </a:spcBef>
+              <a:spcAft>
+                <a:spcPts val="0"/>
+              </a:spcAft>
+              <a:buClr>
+                <a:schemeClr val="dk1"/>
+              </a:buClr>
+              <a:buSzPts val="2600"/>
+              <a:buFont typeface="Barlow"/>
+              <a:buChar char="○"/>
+              <a:defRPr sz="2600" b="0" i="0" u="none" strike="noStrike" cap="none">
+                <a:solidFill>
+                  <a:schemeClr val="dk1"/>
+                </a:solidFill>
+                <a:latin typeface="Barlow"/>
+                <a:ea typeface="Barlow"/>
+                <a:cs typeface="Barlow"/>
+                <a:sym typeface="Barlow"/>
+              </a:defRPr>
+            </a:lvl5pPr>
+            <a:lvl6pPr marL="2743200" marR="0" lvl="5" indent="-393700" algn="l" rtl="0">
+              <a:lnSpc>
+                <a:spcPct val="100000"/>
+              </a:lnSpc>
+              <a:spcBef>
+                <a:spcPts val="0"/>
+              </a:spcBef>
+              <a:spcAft>
+                <a:spcPts val="0"/>
+              </a:spcAft>
+              <a:buClr>
+                <a:schemeClr val="dk1"/>
+              </a:buClr>
+              <a:buSzPts val="2600"/>
+              <a:buFont typeface="Barlow"/>
+              <a:buChar char="■"/>
+              <a:defRPr sz="2600" b="0" i="0" u="none" strike="noStrike" cap="none">
+                <a:solidFill>
+                  <a:schemeClr val="dk1"/>
+                </a:solidFill>
+                <a:latin typeface="Barlow"/>
+                <a:ea typeface="Barlow"/>
+                <a:cs typeface="Barlow"/>
+                <a:sym typeface="Barlow"/>
+              </a:defRPr>
+            </a:lvl6pPr>
+            <a:lvl7pPr marL="3200400" marR="0" lvl="6" indent="-393700" algn="l" rtl="0">
+              <a:lnSpc>
+                <a:spcPct val="100000"/>
+              </a:lnSpc>
+              <a:spcBef>
+                <a:spcPts val="0"/>
+              </a:spcBef>
+              <a:spcAft>
+                <a:spcPts val="0"/>
+              </a:spcAft>
+              <a:buClr>
+                <a:schemeClr val="dk1"/>
+              </a:buClr>
+              <a:buSzPts val="2600"/>
+              <a:buFont typeface="Barlow"/>
+              <a:buChar char="●"/>
+              <a:defRPr sz="2600" b="0" i="0" u="none" strike="noStrike" cap="none">
+                <a:solidFill>
+                  <a:schemeClr val="dk1"/>
+                </a:solidFill>
+                <a:latin typeface="Barlow"/>
+                <a:ea typeface="Barlow"/>
+                <a:cs typeface="Barlow"/>
+                <a:sym typeface="Barlow"/>
+              </a:defRPr>
+            </a:lvl7pPr>
+            <a:lvl8pPr marL="3657600" marR="0" lvl="7" indent="-393700" algn="l" rtl="0">
+              <a:lnSpc>
+                <a:spcPct val="100000"/>
+              </a:lnSpc>
+              <a:spcBef>
+                <a:spcPts val="0"/>
+              </a:spcBef>
+              <a:spcAft>
+                <a:spcPts val="0"/>
+              </a:spcAft>
+              <a:buClr>
+                <a:schemeClr val="dk1"/>
+              </a:buClr>
+              <a:buSzPts val="2600"/>
+              <a:buFont typeface="Barlow"/>
+              <a:buChar char="○"/>
+              <a:defRPr sz="2600" b="0" i="0" u="none" strike="noStrike" cap="none">
+                <a:solidFill>
+                  <a:schemeClr val="dk1"/>
+                </a:solidFill>
+                <a:latin typeface="Barlow"/>
+                <a:ea typeface="Barlow"/>
+                <a:cs typeface="Barlow"/>
+                <a:sym typeface="Barlow"/>
+              </a:defRPr>
+            </a:lvl8pPr>
+            <a:lvl9pPr marL="4114800" marR="0" lvl="8" indent="-393700" algn="l" rtl="0">
+              <a:lnSpc>
+                <a:spcPct val="100000"/>
+              </a:lnSpc>
+              <a:spcBef>
+                <a:spcPts val="0"/>
+              </a:spcBef>
+              <a:spcAft>
+                <a:spcPts val="0"/>
+              </a:spcAft>
+              <a:buClr>
+                <a:schemeClr val="dk1"/>
+              </a:buClr>
+              <a:buSzPts val="2600"/>
+              <a:buFont typeface="Barlow"/>
+              <a:buChar char="■"/>
+              <a:defRPr sz="2600" b="0" i="0" u="none" strike="noStrike" cap="none">
+                <a:solidFill>
+                  <a:schemeClr val="dk1"/>
+                </a:solidFill>
+                <a:latin typeface="Barlow"/>
+                <a:ea typeface="Barlow"/>
+                <a:cs typeface="Barlow"/>
+                <a:sym typeface="Barlow"/>
+              </a:defRPr>
+            </a:lvl9pPr>
+          </a:lstStyle>
+          <a:p>
+            <a:pPr marL="0" indent="0">
+              <a:buFont typeface="Barlow"/>
+              <a:buNone/>
+            </a:pPr>
+            <a:r>
+              <a:rPr lang="en-US" sz="1200" dirty="0"/>
+              <a:t>Findings: When looking at each country, the average of countries within a continent being higher than the overall rate makes sense given the variance.</a:t>
+            </a:r>
+          </a:p>
+        </p:txBody>
+      </p:sp>
+      <p:pic>
+        <p:nvPicPr>
+          <p:cNvPr id="3" name="Picture 2">
+            <a:extLst>
+              <a:ext uri="{FF2B5EF4-FFF2-40B4-BE49-F238E27FC236}">
+                <a16:creationId xmlns:a16="http://schemas.microsoft.com/office/drawing/2014/main" id="{2AB31045-97AF-2043-A8CD-D3EB49F177B3}"/>
+              </a:ext>
+            </a:extLst>
+          </p:cNvPr>
+          <p:cNvPicPr>
+            <a:picLocks noChangeAspect="1"/>
+          </p:cNvPicPr>
+          <p:nvPr/>
+        </p:nvPicPr>
+        <p:blipFill>
+          <a:blip r:embed="rId3"/>
+          <a:stretch>
+            <a:fillRect/>
+          </a:stretch>
+        </p:blipFill>
+        <p:spPr>
+          <a:xfrm>
+            <a:off x="763292" y="1619572"/>
+            <a:ext cx="8380708" cy="2095177"/>
+          </a:xfrm>
+          <a:prstGeom prst="rect">
+            <a:avLst/>
+          </a:prstGeom>
+        </p:spPr>
+      </p:pic>
+    </p:spTree>
+    <p:extLst>
+      <p:ext uri="{BB962C8B-B14F-4D97-AF65-F5344CB8AC3E}">
+        <p14:creationId xmlns:p14="http://schemas.microsoft.com/office/powerpoint/2010/main" val="3359434709"/>
+      </p:ext>
+    </p:extLst>
+  </p:cSld>
+  <p:clrMapOvr>
+    <a:masterClrMapping/>
+  </p:clrMapOvr>
+</p:sld>
+</file>
+
+<file path=ppt/slides/slide14.xml><?xml version="1.0" encoding="utf-8"?>
 <p:sld xmlns:a="http://schemas.openxmlformats.org/drawingml/2006/main" xmlns:r="http://schemas.openxmlformats.org/officeDocument/2006/relationships" xmlns:p="http://schemas.openxmlformats.org/presentationml/2006/main">
   <p:cSld>
     <p:spTree>
@@ -8178,7 +9072,7 @@
 </p:sld>
 </file>
 
-<file path=ppt/slides/slide14.xml><?xml version="1.0" encoding="utf-8"?>
+<file path=ppt/slides/slide15.xml><?xml version="1.0" encoding="utf-8"?>
 <p:sld xmlns:a="http://schemas.openxmlformats.org/drawingml/2006/main" xmlns:r="http://schemas.openxmlformats.org/officeDocument/2006/relationships" xmlns:p="http://schemas.openxmlformats.org/presentationml/2006/main">
   <p:cSld>
     <p:spTree>
@@ -8279,7 +9173,7 @@
             </a:r>
             <a:r>
               <a:rPr lang="en-US" sz="1600" dirty="0"/>
-              <a:t> into broader song categories and seeing which together tend to result in more popular or higher ranked songs could be interesting.</a:t>
+              <a:t> into broader song categories (like genre) and seeing which together tend to result in more popular or higher ranked songs could be interesting.</a:t>
             </a:r>
           </a:p>
           <a:p>
@@ -8342,7 +9236,7 @@
             </a:pPr>
             <a:fld id="{00000000-1234-1234-1234-123412341234}" type="slidenum">
               <a:rPr lang="en"/>
-              <a:t>14</a:t>
+              <a:t>15</a:t>
             </a:fld>
             <a:endParaRPr/>
           </a:p>
@@ -9035,7 +9929,7 @@
 </p:sld>
 </file>
 
-<file path=ppt/slides/slide15.xml><?xml version="1.0" encoding="utf-8"?>
+<file path=ppt/slides/slide16.xml><?xml version="1.0" encoding="utf-8"?>
 <p:sld xmlns:a="http://schemas.openxmlformats.org/drawingml/2006/main" xmlns:r="http://schemas.openxmlformats.org/officeDocument/2006/relationships" xmlns:p="http://schemas.openxmlformats.org/presentationml/2006/main">
   <p:cSld>
     <p:spTree>
@@ -9129,23 +10023,23 @@
               <a:buNone/>
             </a:pPr>
             <a:r>
-              <a:rPr lang="en-US" sz="1800"/>
+              <a:rPr lang="en-US" sz="1800" dirty="0"/>
               <a:t>List difficulties:</a:t>
-            </a:r>
-            <a:endParaRPr lang="en-US" sz="1800" dirty="0"/>
-          </a:p>
-          <a:p>
-            <a:pPr marL="285750" indent="-285750"/>
-            <a:r>
-              <a:rPr lang="en-US" sz="1800" dirty="0"/>
-              <a:t>A</a:t>
             </a:r>
           </a:p>
           <a:p>
             <a:pPr marL="285750" indent="-285750"/>
             <a:r>
               <a:rPr lang="en-US" sz="1800" dirty="0"/>
-              <a:t>B</a:t>
+              <a:t>Time frames of data sources didn’t necessarily correlate so we may not have been looking at apples to apples. For example, the data with </a:t>
+            </a:r>
+            <a:r>
+              <a:rPr lang="en-US" sz="1800" dirty="0" err="1"/>
+              <a:t>musicalities</a:t>
+            </a:r>
+            <a:r>
+              <a:rPr lang="en-US" sz="1800" dirty="0"/>
+              <a:t> spanned decades whereas the top artist data was from May 2020.</a:t>
             </a:r>
           </a:p>
           <a:p>
@@ -9167,15 +10061,7 @@
             <a:pPr marL="285750" indent="-285750"/>
             <a:r>
               <a:rPr lang="en-US" sz="1800" dirty="0"/>
-              <a:t>Look at different date ranges since the </a:t>
-            </a:r>
-            <a:r>
-              <a:rPr lang="en-US" sz="1800" dirty="0" err="1"/>
-              <a:t>musicalitt</a:t>
-            </a:r>
-            <a:r>
-              <a:rPr lang="en-US" sz="1800" dirty="0"/>
-              <a:t> data was from May 2020 and the artist rank data was inclusive of May 2020 but a broader time range.</a:t>
+              <a:t>Look at different date ranges since the musicality data was from May 2020 and the artist rank data was inclusive of May 2020 but a broader time range. </a:t>
             </a:r>
           </a:p>
           <a:p>
@@ -9239,7 +10125,7 @@
             </a:pPr>
             <a:fld id="{00000000-1234-1234-1234-123412341234}" type="slidenum">
               <a:rPr lang="en"/>
-              <a:t>15</a:t>
+              <a:t>16</a:t>
             </a:fld>
             <a:endParaRPr/>
           </a:p>
@@ -9932,7 +10818,7 @@
 </p:sld>
 </file>
 
-<file path=ppt/slides/slide16.xml><?xml version="1.0" encoding="utf-8"?>
+<file path=ppt/slides/slide17.xml><?xml version="1.0" encoding="utf-8"?>
 <p:sld xmlns:a="http://schemas.openxmlformats.org/drawingml/2006/main" xmlns:r="http://schemas.openxmlformats.org/officeDocument/2006/relationships" xmlns:p="http://schemas.openxmlformats.org/presentationml/2006/main">
   <p:cSld>
     <p:spTree>
@@ -10077,7 +10963,7 @@
             </a:pPr>
             <a:fld id="{00000000-1234-1234-1234-123412341234}" type="slidenum">
               <a:rPr lang="en"/>
-              <a:t>16</a:t>
+              <a:t>17</a:t>
             </a:fld>
             <a:endParaRPr/>
           </a:p>
@@ -12128,7 +13014,7 @@
             </a:r>
             <a:r>
               <a:rPr lang="en-US" dirty="0"/>
-              <a:t>” and rank? </a:t>
+              <a:t>” and average artist rank? </a:t>
             </a:r>
           </a:p>
           <a:p>
@@ -12143,7 +13029,7 @@
             </a:r>
             <a:r>
               <a:rPr lang="en-US" dirty="0"/>
-              <a:t>” and popularity? </a:t>
+              <a:t>” and popularity (as defined by Spotify)? </a:t>
             </a:r>
           </a:p>
           <a:p>
@@ -14235,10 +15121,10 @@
       </p:sp>
       <p:pic>
         <p:nvPicPr>
-          <p:cNvPr id="8" name="Picture 7">
+          <p:cNvPr id="3" name="Picture 2">
             <a:extLst>
               <a:ext uri="{FF2B5EF4-FFF2-40B4-BE49-F238E27FC236}">
-                <a16:creationId xmlns:a16="http://schemas.microsoft.com/office/drawing/2014/main" id="{B4498DCC-9861-A240-BC13-9D215B1CF729}"/>
+                <a16:creationId xmlns:a16="http://schemas.microsoft.com/office/drawing/2014/main" id="{6C9BA47D-39FB-DF4F-9934-E197179662F8}"/>
               </a:ext>
             </a:extLst>
           </p:cNvPr>
@@ -14255,8 +15141,8 @@
         </p:blipFill>
         <p:spPr>
           <a:xfrm>
-            <a:off x="1468513" y="1634704"/>
-            <a:ext cx="3204591" cy="2387734"/>
+            <a:off x="1396346" y="1449078"/>
+            <a:ext cx="3933812" cy="2622541"/>
           </a:xfrm>
           <a:prstGeom prst="rect">
             <a:avLst/>
@@ -14265,10 +15151,10 @@
       </p:pic>
       <p:pic>
         <p:nvPicPr>
-          <p:cNvPr id="11" name="Picture 10">
+          <p:cNvPr id="5" name="Picture 4">
             <a:extLst>
               <a:ext uri="{FF2B5EF4-FFF2-40B4-BE49-F238E27FC236}">
-                <a16:creationId xmlns:a16="http://schemas.microsoft.com/office/drawing/2014/main" id="{066C937D-0AEE-424C-899C-5102ACE53E3B}"/>
+                <a16:creationId xmlns:a16="http://schemas.microsoft.com/office/drawing/2014/main" id="{15C7BE03-E088-7648-A386-1822A91BD88A}"/>
               </a:ext>
             </a:extLst>
           </p:cNvPr>
@@ -14285,8 +15171,8 @@
         </p:blipFill>
         <p:spPr>
           <a:xfrm>
-            <a:off x="4905512" y="1728829"/>
-            <a:ext cx="3997434" cy="2342790"/>
+            <a:off x="4780138" y="1359151"/>
+            <a:ext cx="4203591" cy="2802394"/>
           </a:xfrm>
           <a:prstGeom prst="rect">
             <a:avLst/>

--- a/Project 1 PPT.pptx
+++ b/Project 1 PPT.pptx
@@ -5,7 +5,7 @@
     <p:sldMasterId id="2147483660" r:id="rId1"/>
   </p:sldMasterIdLst>
   <p:notesMasterIdLst>
-    <p:notesMasterId r:id="rId19"/>
+    <p:notesMasterId r:id="rId21"/>
   </p:notesMasterIdLst>
   <p:sldIdLst>
     <p:sldId id="256" r:id="rId2"/>
@@ -17,24 +17,26 @@
     <p:sldId id="300" r:id="rId8"/>
     <p:sldId id="301" r:id="rId9"/>
     <p:sldId id="314" r:id="rId10"/>
-    <p:sldId id="312" r:id="rId11"/>
-    <p:sldId id="313" r:id="rId12"/>
-    <p:sldId id="309" r:id="rId13"/>
-    <p:sldId id="315" r:id="rId14"/>
-    <p:sldId id="304" r:id="rId15"/>
-    <p:sldId id="305" r:id="rId16"/>
-    <p:sldId id="308" r:id="rId17"/>
-    <p:sldId id="306" r:id="rId18"/>
+    <p:sldId id="316" r:id="rId11"/>
+    <p:sldId id="312" r:id="rId12"/>
+    <p:sldId id="313" r:id="rId13"/>
+    <p:sldId id="309" r:id="rId14"/>
+    <p:sldId id="315" r:id="rId15"/>
+    <p:sldId id="304" r:id="rId16"/>
+    <p:sldId id="305" r:id="rId17"/>
+    <p:sldId id="308" r:id="rId18"/>
+    <p:sldId id="317" r:id="rId19"/>
+    <p:sldId id="306" r:id="rId20"/>
   </p:sldIdLst>
   <p:sldSz cx="9144000" cy="5143500" type="screen16x9"/>
   <p:notesSz cx="6858000" cy="9144000"/>
   <p:embeddedFontLst>
     <p:embeddedFont>
       <p:font typeface="Barlow" pitchFamily="2" charset="77"/>
-      <p:regular r:id="rId20"/>
-      <p:bold r:id="rId21"/>
-      <p:italic r:id="rId22"/>
-      <p:boldItalic r:id="rId23"/>
+      <p:regular r:id="rId22"/>
+      <p:bold r:id="rId23"/>
+      <p:italic r:id="rId24"/>
+      <p:boldItalic r:id="rId25"/>
     </p:embeddedFont>
   </p:embeddedFontLst>
   <p:defaultTextStyle>
@@ -958,6 +960,115 @@
     </p:spTree>
     <p:extLst>
       <p:ext uri="{BB962C8B-B14F-4D97-AF65-F5344CB8AC3E}">
+        <p14:creationId xmlns:p14="http://schemas.microsoft.com/office/powerpoint/2010/main" val="1128236999"/>
+      </p:ext>
+    </p:extLst>
+  </p:cSld>
+  <p:clrMapOvr>
+    <a:masterClrMapping/>
+  </p:clrMapOvr>
+</p:notes>
+</file>
+
+<file path=ppt/notesSlides/notesSlide11.xml><?xml version="1.0" encoding="utf-8"?>
+<p:notes xmlns:a="http://schemas.openxmlformats.org/drawingml/2006/main" xmlns:r="http://schemas.openxmlformats.org/officeDocument/2006/relationships" xmlns:p="http://schemas.openxmlformats.org/presentationml/2006/main" showMasterSp="0" showMasterPhAnim="0">
+  <p:cSld>
+    <p:spTree>
+      <p:nvGrpSpPr>
+        <p:cNvPr id="1" name="Shape 137"/>
+        <p:cNvGrpSpPr/>
+        <p:nvPr/>
+      </p:nvGrpSpPr>
+      <p:grpSpPr>
+        <a:xfrm>
+          <a:off x="0" y="0"/>
+          <a:ext cx="0" cy="0"/>
+          <a:chOff x="0" y="0"/>
+          <a:chExt cx="0" cy="0"/>
+        </a:xfrm>
+      </p:grpSpPr>
+      <p:sp>
+        <p:nvSpPr>
+          <p:cNvPr id="138" name="Google Shape;138;g35ed75ccf_015:notes"/>
+          <p:cNvSpPr>
+            <a:spLocks noGrp="1" noRot="1" noChangeAspect="1"/>
+          </p:cNvSpPr>
+          <p:nvPr>
+            <p:ph type="sldImg" idx="2"/>
+          </p:nvPr>
+        </p:nvSpPr>
+        <p:spPr>
+          <a:xfrm>
+            <a:off x="381000" y="685800"/>
+            <a:ext cx="6096000" cy="3429000"/>
+          </a:xfrm>
+          <a:custGeom>
+            <a:avLst/>
+            <a:gdLst/>
+            <a:ahLst/>
+            <a:cxnLst/>
+            <a:rect l="l" t="t" r="r" b="b"/>
+            <a:pathLst>
+              <a:path w="120000" h="120000" extrusionOk="0">
+                <a:moveTo>
+                  <a:pt x="0" y="0"/>
+                </a:moveTo>
+                <a:lnTo>
+                  <a:pt x="120000" y="0"/>
+                </a:lnTo>
+                <a:lnTo>
+                  <a:pt x="120000" y="120000"/>
+                </a:lnTo>
+                <a:lnTo>
+                  <a:pt x="0" y="120000"/>
+                </a:lnTo>
+                <a:close/>
+              </a:path>
+            </a:pathLst>
+          </a:custGeom>
+        </p:spPr>
+      </p:sp>
+      <p:sp>
+        <p:nvSpPr>
+          <p:cNvPr id="139" name="Google Shape;139;g35ed75ccf_015:notes"/>
+          <p:cNvSpPr txBox="1">
+            <a:spLocks noGrp="1"/>
+          </p:cNvSpPr>
+          <p:nvPr>
+            <p:ph type="body" idx="1"/>
+          </p:nvPr>
+        </p:nvSpPr>
+        <p:spPr>
+          <a:xfrm>
+            <a:off x="685800" y="4343400"/>
+            <a:ext cx="5486400" cy="4114800"/>
+          </a:xfrm>
+          <a:prstGeom prst="rect">
+            <a:avLst/>
+          </a:prstGeom>
+        </p:spPr>
+        <p:txBody>
+          <a:bodyPr spcFirstLastPara="1" wrap="square" lIns="91425" tIns="91425" rIns="91425" bIns="91425" anchor="t" anchorCtr="0">
+            <a:noAutofit/>
+          </a:bodyPr>
+          <a:lstStyle/>
+          <a:p>
+            <a:pPr marL="0" lvl="0" indent="0" algn="l" rtl="0">
+              <a:spcBef>
+                <a:spcPts val="0"/>
+              </a:spcBef>
+              <a:spcAft>
+                <a:spcPts val="0"/>
+              </a:spcAft>
+              <a:buNone/>
+            </a:pPr>
+            <a:endParaRPr/>
+          </a:p>
+        </p:txBody>
+      </p:sp>
+    </p:spTree>
+    <p:extLst>
+      <p:ext uri="{BB962C8B-B14F-4D97-AF65-F5344CB8AC3E}">
         <p14:creationId xmlns:p14="http://schemas.microsoft.com/office/powerpoint/2010/main" val="1412147958"/>
       </p:ext>
     </p:extLst>
@@ -968,7 +1079,7 @@
 </p:notes>
 </file>
 
-<file path=ppt/notesSlides/notesSlide11.xml><?xml version="1.0" encoding="utf-8"?>
+<file path=ppt/notesSlides/notesSlide12.xml><?xml version="1.0" encoding="utf-8"?>
 <p:notes xmlns:a="http://schemas.openxmlformats.org/drawingml/2006/main" xmlns:r="http://schemas.openxmlformats.org/officeDocument/2006/relationships" xmlns:p="http://schemas.openxmlformats.org/presentationml/2006/main" showMasterSp="0" showMasterPhAnim="0">
   <p:cSld>
     <p:spTree>
@@ -1068,115 +1179,6 @@
     <p:extLst>
       <p:ext uri="{BB962C8B-B14F-4D97-AF65-F5344CB8AC3E}">
         <p14:creationId xmlns:p14="http://schemas.microsoft.com/office/powerpoint/2010/main" val="3964116109"/>
-      </p:ext>
-    </p:extLst>
-  </p:cSld>
-  <p:clrMapOvr>
-    <a:masterClrMapping/>
-  </p:clrMapOvr>
-</p:notes>
-</file>
-
-<file path=ppt/notesSlides/notesSlide12.xml><?xml version="1.0" encoding="utf-8"?>
-<p:notes xmlns:a="http://schemas.openxmlformats.org/drawingml/2006/main" xmlns:r="http://schemas.openxmlformats.org/officeDocument/2006/relationships" xmlns:p="http://schemas.openxmlformats.org/presentationml/2006/main" showMasterSp="0" showMasterPhAnim="0">
-  <p:cSld>
-    <p:spTree>
-      <p:nvGrpSpPr>
-        <p:cNvPr id="1" name="Shape 375"/>
-        <p:cNvGrpSpPr/>
-        <p:nvPr/>
-      </p:nvGrpSpPr>
-      <p:grpSpPr>
-        <a:xfrm>
-          <a:off x="0" y="0"/>
-          <a:ext cx="0" cy="0"/>
-          <a:chOff x="0" y="0"/>
-          <a:chExt cx="0" cy="0"/>
-        </a:xfrm>
-      </p:grpSpPr>
-      <p:sp>
-        <p:nvSpPr>
-          <p:cNvPr id="376" name="Google Shape;376;g35ed75ccf_0141:notes"/>
-          <p:cNvSpPr>
-            <a:spLocks noGrp="1" noRot="1" noChangeAspect="1"/>
-          </p:cNvSpPr>
-          <p:nvPr>
-            <p:ph type="sldImg" idx="2"/>
-          </p:nvPr>
-        </p:nvSpPr>
-        <p:spPr>
-          <a:xfrm>
-            <a:off x="381000" y="685800"/>
-            <a:ext cx="6096000" cy="3429000"/>
-          </a:xfrm>
-          <a:custGeom>
-            <a:avLst/>
-            <a:gdLst/>
-            <a:ahLst/>
-            <a:cxnLst/>
-            <a:rect l="l" t="t" r="r" b="b"/>
-            <a:pathLst>
-              <a:path w="120000" h="120000" extrusionOk="0">
-                <a:moveTo>
-                  <a:pt x="0" y="0"/>
-                </a:moveTo>
-                <a:lnTo>
-                  <a:pt x="120000" y="0"/>
-                </a:lnTo>
-                <a:lnTo>
-                  <a:pt x="120000" y="120000"/>
-                </a:lnTo>
-                <a:lnTo>
-                  <a:pt x="0" y="120000"/>
-                </a:lnTo>
-                <a:close/>
-              </a:path>
-            </a:pathLst>
-          </a:custGeom>
-        </p:spPr>
-      </p:sp>
-      <p:sp>
-        <p:nvSpPr>
-          <p:cNvPr id="377" name="Google Shape;377;g35ed75ccf_0141:notes"/>
-          <p:cNvSpPr txBox="1">
-            <a:spLocks noGrp="1"/>
-          </p:cNvSpPr>
-          <p:nvPr>
-            <p:ph type="body" idx="1"/>
-          </p:nvPr>
-        </p:nvSpPr>
-        <p:spPr>
-          <a:xfrm>
-            <a:off x="685800" y="4343400"/>
-            <a:ext cx="5486400" cy="4114800"/>
-          </a:xfrm>
-          <a:prstGeom prst="rect">
-            <a:avLst/>
-          </a:prstGeom>
-        </p:spPr>
-        <p:txBody>
-          <a:bodyPr spcFirstLastPara="1" wrap="square" lIns="91425" tIns="91425" rIns="91425" bIns="91425" anchor="t" anchorCtr="0">
-            <a:noAutofit/>
-          </a:bodyPr>
-          <a:lstStyle/>
-          <a:p>
-            <a:pPr marL="0" lvl="0" indent="0" algn="l" rtl="0">
-              <a:spcBef>
-                <a:spcPts val="0"/>
-              </a:spcBef>
-              <a:spcAft>
-                <a:spcPts val="0"/>
-              </a:spcAft>
-              <a:buNone/>
-            </a:pPr>
-            <a:endParaRPr/>
-          </a:p>
-        </p:txBody>
-      </p:sp>
-    </p:spTree>
-    <p:extLst>
-      <p:ext uri="{BB962C8B-B14F-4D97-AF65-F5344CB8AC3E}">
-        <p14:creationId xmlns:p14="http://schemas.microsoft.com/office/powerpoint/2010/main" val="3079609659"/>
       </p:ext>
     </p:extLst>
   </p:cSld>
@@ -1285,6 +1287,115 @@
     </p:spTree>
     <p:extLst>
       <p:ext uri="{BB962C8B-B14F-4D97-AF65-F5344CB8AC3E}">
+        <p14:creationId xmlns:p14="http://schemas.microsoft.com/office/powerpoint/2010/main" val="3079609659"/>
+      </p:ext>
+    </p:extLst>
+  </p:cSld>
+  <p:clrMapOvr>
+    <a:masterClrMapping/>
+  </p:clrMapOvr>
+</p:notes>
+</file>
+
+<file path=ppt/notesSlides/notesSlide14.xml><?xml version="1.0" encoding="utf-8"?>
+<p:notes xmlns:a="http://schemas.openxmlformats.org/drawingml/2006/main" xmlns:r="http://schemas.openxmlformats.org/officeDocument/2006/relationships" xmlns:p="http://schemas.openxmlformats.org/presentationml/2006/main" showMasterSp="0" showMasterPhAnim="0">
+  <p:cSld>
+    <p:spTree>
+      <p:nvGrpSpPr>
+        <p:cNvPr id="1" name="Shape 375"/>
+        <p:cNvGrpSpPr/>
+        <p:nvPr/>
+      </p:nvGrpSpPr>
+      <p:grpSpPr>
+        <a:xfrm>
+          <a:off x="0" y="0"/>
+          <a:ext cx="0" cy="0"/>
+          <a:chOff x="0" y="0"/>
+          <a:chExt cx="0" cy="0"/>
+        </a:xfrm>
+      </p:grpSpPr>
+      <p:sp>
+        <p:nvSpPr>
+          <p:cNvPr id="376" name="Google Shape;376;g35ed75ccf_0141:notes"/>
+          <p:cNvSpPr>
+            <a:spLocks noGrp="1" noRot="1" noChangeAspect="1"/>
+          </p:cNvSpPr>
+          <p:nvPr>
+            <p:ph type="sldImg" idx="2"/>
+          </p:nvPr>
+        </p:nvSpPr>
+        <p:spPr>
+          <a:xfrm>
+            <a:off x="381000" y="685800"/>
+            <a:ext cx="6096000" cy="3429000"/>
+          </a:xfrm>
+          <a:custGeom>
+            <a:avLst/>
+            <a:gdLst/>
+            <a:ahLst/>
+            <a:cxnLst/>
+            <a:rect l="l" t="t" r="r" b="b"/>
+            <a:pathLst>
+              <a:path w="120000" h="120000" extrusionOk="0">
+                <a:moveTo>
+                  <a:pt x="0" y="0"/>
+                </a:moveTo>
+                <a:lnTo>
+                  <a:pt x="120000" y="0"/>
+                </a:lnTo>
+                <a:lnTo>
+                  <a:pt x="120000" y="120000"/>
+                </a:lnTo>
+                <a:lnTo>
+                  <a:pt x="0" y="120000"/>
+                </a:lnTo>
+                <a:close/>
+              </a:path>
+            </a:pathLst>
+          </a:custGeom>
+        </p:spPr>
+      </p:sp>
+      <p:sp>
+        <p:nvSpPr>
+          <p:cNvPr id="377" name="Google Shape;377;g35ed75ccf_0141:notes"/>
+          <p:cNvSpPr txBox="1">
+            <a:spLocks noGrp="1"/>
+          </p:cNvSpPr>
+          <p:nvPr>
+            <p:ph type="body" idx="1"/>
+          </p:nvPr>
+        </p:nvSpPr>
+        <p:spPr>
+          <a:xfrm>
+            <a:off x="685800" y="4343400"/>
+            <a:ext cx="5486400" cy="4114800"/>
+          </a:xfrm>
+          <a:prstGeom prst="rect">
+            <a:avLst/>
+          </a:prstGeom>
+        </p:spPr>
+        <p:txBody>
+          <a:bodyPr spcFirstLastPara="1" wrap="square" lIns="91425" tIns="91425" rIns="91425" bIns="91425" anchor="t" anchorCtr="0">
+            <a:noAutofit/>
+          </a:bodyPr>
+          <a:lstStyle/>
+          <a:p>
+            <a:pPr marL="0" lvl="0" indent="0" algn="l" rtl="0">
+              <a:spcBef>
+                <a:spcPts val="0"/>
+              </a:spcBef>
+              <a:spcAft>
+                <a:spcPts val="0"/>
+              </a:spcAft>
+              <a:buNone/>
+            </a:pPr>
+            <a:endParaRPr/>
+          </a:p>
+        </p:txBody>
+      </p:sp>
+    </p:spTree>
+    <p:extLst>
+      <p:ext uri="{BB962C8B-B14F-4D97-AF65-F5344CB8AC3E}">
         <p14:creationId xmlns:p14="http://schemas.microsoft.com/office/powerpoint/2010/main" val="3309159883"/>
       </p:ext>
     </p:extLst>
@@ -1295,7 +1406,116 @@
 </p:notes>
 </file>
 
-<file path=ppt/notesSlides/notesSlide14.xml><?xml version="1.0" encoding="utf-8"?>
+<file path=ppt/notesSlides/notesSlide15.xml><?xml version="1.0" encoding="utf-8"?>
+<p:notes xmlns:a="http://schemas.openxmlformats.org/drawingml/2006/main" xmlns:r="http://schemas.openxmlformats.org/officeDocument/2006/relationships" xmlns:p="http://schemas.openxmlformats.org/presentationml/2006/main" showMasterSp="0" showMasterPhAnim="0">
+  <p:cSld>
+    <p:spTree>
+      <p:nvGrpSpPr>
+        <p:cNvPr id="1" name="Shape 375"/>
+        <p:cNvGrpSpPr/>
+        <p:nvPr/>
+      </p:nvGrpSpPr>
+      <p:grpSpPr>
+        <a:xfrm>
+          <a:off x="0" y="0"/>
+          <a:ext cx="0" cy="0"/>
+          <a:chOff x="0" y="0"/>
+          <a:chExt cx="0" cy="0"/>
+        </a:xfrm>
+      </p:grpSpPr>
+      <p:sp>
+        <p:nvSpPr>
+          <p:cNvPr id="376" name="Google Shape;376;g35ed75ccf_0141:notes"/>
+          <p:cNvSpPr>
+            <a:spLocks noGrp="1" noRot="1" noChangeAspect="1"/>
+          </p:cNvSpPr>
+          <p:nvPr>
+            <p:ph type="sldImg" idx="2"/>
+          </p:nvPr>
+        </p:nvSpPr>
+        <p:spPr>
+          <a:xfrm>
+            <a:off x="381000" y="685800"/>
+            <a:ext cx="6096000" cy="3429000"/>
+          </a:xfrm>
+          <a:custGeom>
+            <a:avLst/>
+            <a:gdLst/>
+            <a:ahLst/>
+            <a:cxnLst/>
+            <a:rect l="l" t="t" r="r" b="b"/>
+            <a:pathLst>
+              <a:path w="120000" h="120000" extrusionOk="0">
+                <a:moveTo>
+                  <a:pt x="0" y="0"/>
+                </a:moveTo>
+                <a:lnTo>
+                  <a:pt x="120000" y="0"/>
+                </a:lnTo>
+                <a:lnTo>
+                  <a:pt x="120000" y="120000"/>
+                </a:lnTo>
+                <a:lnTo>
+                  <a:pt x="0" y="120000"/>
+                </a:lnTo>
+                <a:close/>
+              </a:path>
+            </a:pathLst>
+          </a:custGeom>
+        </p:spPr>
+      </p:sp>
+      <p:sp>
+        <p:nvSpPr>
+          <p:cNvPr id="377" name="Google Shape;377;g35ed75ccf_0141:notes"/>
+          <p:cNvSpPr txBox="1">
+            <a:spLocks noGrp="1"/>
+          </p:cNvSpPr>
+          <p:nvPr>
+            <p:ph type="body" idx="1"/>
+          </p:nvPr>
+        </p:nvSpPr>
+        <p:spPr>
+          <a:xfrm>
+            <a:off x="685800" y="4343400"/>
+            <a:ext cx="5486400" cy="4114800"/>
+          </a:xfrm>
+          <a:prstGeom prst="rect">
+            <a:avLst/>
+          </a:prstGeom>
+        </p:spPr>
+        <p:txBody>
+          <a:bodyPr spcFirstLastPara="1" wrap="square" lIns="91425" tIns="91425" rIns="91425" bIns="91425" anchor="t" anchorCtr="0">
+            <a:noAutofit/>
+          </a:bodyPr>
+          <a:lstStyle/>
+          <a:p>
+            <a:pPr marL="0" lvl="0" indent="0" algn="l" rtl="0">
+              <a:spcBef>
+                <a:spcPts val="0"/>
+              </a:spcBef>
+              <a:spcAft>
+                <a:spcPts val="0"/>
+              </a:spcAft>
+              <a:buNone/>
+            </a:pPr>
+            <a:endParaRPr/>
+          </a:p>
+        </p:txBody>
+      </p:sp>
+    </p:spTree>
+    <p:extLst>
+      <p:ext uri="{BB962C8B-B14F-4D97-AF65-F5344CB8AC3E}">
+        <p14:creationId xmlns:p14="http://schemas.microsoft.com/office/powerpoint/2010/main" val="3939554260"/>
+      </p:ext>
+    </p:extLst>
+  </p:cSld>
+  <p:clrMapOvr>
+    <a:masterClrMapping/>
+  </p:clrMapOvr>
+</p:notes>
+</file>
+
+<file path=ppt/notesSlides/notesSlide16.xml><?xml version="1.0" encoding="utf-8"?>
 <p:notes xmlns:a="http://schemas.openxmlformats.org/drawingml/2006/main" xmlns:r="http://schemas.openxmlformats.org/officeDocument/2006/relationships" xmlns:p="http://schemas.openxmlformats.org/presentationml/2006/main" showMasterSp="0" showMasterPhAnim="0">
   <p:cSld>
     <p:spTree>
@@ -2048,7 +2268,7 @@
     </p:spTree>
     <p:extLst>
       <p:ext uri="{BB962C8B-B14F-4D97-AF65-F5344CB8AC3E}">
-        <p14:creationId xmlns:p14="http://schemas.microsoft.com/office/powerpoint/2010/main" val="855124055"/>
+        <p14:creationId xmlns:p14="http://schemas.microsoft.com/office/powerpoint/2010/main" val="2086773123"/>
       </p:ext>
     </p:extLst>
   </p:cSld>
@@ -2157,7 +2377,7 @@
     </p:spTree>
     <p:extLst>
       <p:ext uri="{BB962C8B-B14F-4D97-AF65-F5344CB8AC3E}">
-        <p14:creationId xmlns:p14="http://schemas.microsoft.com/office/powerpoint/2010/main" val="842474672"/>
+        <p14:creationId xmlns:p14="http://schemas.microsoft.com/office/powerpoint/2010/main" val="855124055"/>
       </p:ext>
     </p:extLst>
   </p:cSld>
@@ -2266,7 +2486,7 @@
     </p:spTree>
     <p:extLst>
       <p:ext uri="{BB962C8B-B14F-4D97-AF65-F5344CB8AC3E}">
-        <p14:creationId xmlns:p14="http://schemas.microsoft.com/office/powerpoint/2010/main" val="1128236999"/>
+        <p14:creationId xmlns:p14="http://schemas.microsoft.com/office/powerpoint/2010/main" val="842474672"/>
       </p:ext>
     </p:extLst>
   </p:cSld>
@@ -6157,8 +6377,8 @@
         </p:nvSpPr>
         <p:spPr>
           <a:xfrm>
-            <a:off x="1751977" y="291049"/>
-            <a:ext cx="5958642" cy="1159800"/>
+            <a:off x="1751976" y="217897"/>
+            <a:ext cx="6998423" cy="1159800"/>
           </a:xfrm>
           <a:prstGeom prst="rect">
             <a:avLst/>
@@ -6171,15 +6391,15 @@
           <a:lstStyle/>
           <a:p>
             <a:r>
-              <a:rPr lang="en-US" dirty="0">
+              <a:rPr lang="en-US" sz="2000" dirty="0">
                 <a:solidFill>
                   <a:srgbClr val="FFC000"/>
                 </a:solidFill>
               </a:rPr>
-              <a:t>Question 2: Is there a relationship between “</a:t>
+              <a:t>Question 1: Is there a relationship between “</a:t>
             </a:r>
             <a:r>
-              <a:rPr lang="en-US" dirty="0" err="1">
+              <a:rPr lang="en-US" sz="2000" dirty="0" err="1">
                 <a:solidFill>
                   <a:srgbClr val="FFC000"/>
                 </a:solidFill>
@@ -6187,21 +6407,14 @@
               <a:t>musicalities</a:t>
             </a:r>
             <a:r>
-              <a:rPr lang="en-US" dirty="0">
+              <a:rPr lang="en-US" sz="2000" dirty="0">
                 <a:solidFill>
                   <a:srgbClr val="FFC000"/>
                 </a:solidFill>
               </a:rPr>
-              <a:t>” and popularity?</a:t>
+              <a:t>” and rank?</a:t>
             </a:r>
-            <a:br>
-              <a:rPr lang="en-US" dirty="0">
-                <a:solidFill>
-                  <a:srgbClr val="FFC000"/>
-                </a:solidFill>
-              </a:rPr>
-            </a:br>
-            <a:endParaRPr dirty="0">
+            <a:endParaRPr sz="2000" dirty="0">
               <a:solidFill>
                 <a:srgbClr val="FFC000"/>
               </a:solidFill>
@@ -6239,7 +6452,7 @@
             </a:pPr>
             <a:r>
               <a:rPr lang="en-US" sz="1200" dirty="0"/>
-              <a:t>Compared popularity to various </a:t>
+              <a:t>Compared song rank to various </a:t>
             </a:r>
             <a:r>
               <a:rPr lang="en-US" sz="1200" dirty="0" err="1"/>
@@ -6247,7 +6460,7 @@
             </a:r>
             <a:r>
               <a:rPr lang="en-US" sz="1200" dirty="0"/>
-              <a:t> for the top 10. </a:t>
+              <a:t> for artists whose average rank is less than or equal to 10. </a:t>
             </a:r>
             <a:r>
               <a:rPr lang="en-US" sz="1200" dirty="0" err="1"/>
@@ -6255,7 +6468,7 @@
             </a:r>
             <a:r>
               <a:rPr lang="en-US" sz="1200" dirty="0"/>
-              <a:t> includes energy, tempo, loudness, etc.</a:t>
+              <a:t> includes energy, danceability, tempo, loudness, etc.</a:t>
             </a:r>
           </a:p>
         </p:txBody>
@@ -6304,10 +6517,10 @@
       </p:sp>
       <p:sp>
         <p:nvSpPr>
-          <p:cNvPr id="7" name="Google Shape;142;p20">
+          <p:cNvPr id="10" name="Google Shape;142;p20">
             <a:extLst>
               <a:ext uri="{FF2B5EF4-FFF2-40B4-BE49-F238E27FC236}">
-                <a16:creationId xmlns:a16="http://schemas.microsoft.com/office/drawing/2014/main" id="{271F5E26-2EC3-9F42-9627-060E7C7D7B0D}"/>
+                <a16:creationId xmlns:a16="http://schemas.microsoft.com/office/drawing/2014/main" id="{04897D46-D332-CC42-A423-6F19F5975486}"/>
               </a:ext>
             </a:extLst>
           </p:cNvPr>
@@ -6318,8 +6531,8 @@
         </p:nvSpPr>
         <p:spPr>
           <a:xfrm>
-            <a:off x="2176247" y="3898264"/>
-            <a:ext cx="2973399" cy="954187"/>
+            <a:off x="1558899" y="4059289"/>
+            <a:ext cx="6998423" cy="784800"/>
           </a:xfrm>
           <a:prstGeom prst="rect">
             <a:avLst/>
@@ -6580,6 +6793,542 @@
               </a:defRPr>
             </a:lvl9pPr>
           </a:lstStyle>
+          <a:p>
+            <a:pPr marL="0" indent="0">
+              <a:buNone/>
+            </a:pPr>
+            <a:r>
+              <a:rPr lang="en-US" sz="1200" dirty="0"/>
+              <a:t>The </a:t>
+            </a:r>
+            <a:r>
+              <a:rPr lang="en-US" sz="1200" dirty="0" err="1"/>
+              <a:t>r-value</a:t>
+            </a:r>
+            <a:r>
+              <a:rPr lang="en-US" sz="1200" dirty="0"/>
+              <a:t> is: 9.579366500530684e-05</a:t>
+            </a:r>
+          </a:p>
+          <a:p>
+            <a:pPr marL="0" indent="0">
+              <a:buFont typeface="Barlow"/>
+              <a:buNone/>
+            </a:pPr>
+            <a:r>
+              <a:rPr lang="en-US" sz="1200" dirty="0"/>
+              <a:t>Findings: There appears to be a very weak negative correlation between energy and popularity, suggesting higher ranked songs (being closer to 1) may have more energy.  However, this correlation doesn’t appear to be significant so additional exploration is needed.</a:t>
+            </a:r>
+          </a:p>
+        </p:txBody>
+      </p:sp>
+      <p:pic>
+        <p:nvPicPr>
+          <p:cNvPr id="5" name="Picture 4">
+            <a:extLst>
+              <a:ext uri="{FF2B5EF4-FFF2-40B4-BE49-F238E27FC236}">
+                <a16:creationId xmlns:a16="http://schemas.microsoft.com/office/drawing/2014/main" id="{15C7BE03-E088-7648-A386-1822A91BD88A}"/>
+              </a:ext>
+            </a:extLst>
+          </p:cNvPr>
+          <p:cNvPicPr>
+            <a:picLocks noChangeAspect="1"/>
+          </p:cNvPicPr>
+          <p:nvPr/>
+        </p:nvPicPr>
+        <p:blipFill>
+          <a:blip r:embed="rId3"/>
+          <a:stretch>
+            <a:fillRect/>
+          </a:stretch>
+        </p:blipFill>
+        <p:spPr>
+          <a:xfrm>
+            <a:off x="2717162" y="1465764"/>
+            <a:ext cx="4203591" cy="2802394"/>
+          </a:xfrm>
+          <a:prstGeom prst="rect">
+            <a:avLst/>
+          </a:prstGeom>
+        </p:spPr>
+      </p:pic>
+    </p:spTree>
+    <p:extLst>
+      <p:ext uri="{BB962C8B-B14F-4D97-AF65-F5344CB8AC3E}">
+        <p14:creationId xmlns:p14="http://schemas.microsoft.com/office/powerpoint/2010/main" val="1755345448"/>
+      </p:ext>
+    </p:extLst>
+  </p:cSld>
+  <p:clrMapOvr>
+    <a:masterClrMapping/>
+  </p:clrMapOvr>
+</p:sld>
+</file>
+
+<file path=ppt/slides/slide11.xml><?xml version="1.0" encoding="utf-8"?>
+<p:sld xmlns:a="http://schemas.openxmlformats.org/drawingml/2006/main" xmlns:r="http://schemas.openxmlformats.org/officeDocument/2006/relationships" xmlns:p="http://schemas.openxmlformats.org/presentationml/2006/main">
+  <p:cSld>
+    <p:spTree>
+      <p:nvGrpSpPr>
+        <p:cNvPr id="1" name="Shape 140"/>
+        <p:cNvGrpSpPr/>
+        <p:nvPr/>
+      </p:nvGrpSpPr>
+      <p:grpSpPr>
+        <a:xfrm>
+          <a:off x="0" y="0"/>
+          <a:ext cx="0" cy="0"/>
+          <a:chOff x="0" y="0"/>
+          <a:chExt cx="0" cy="0"/>
+        </a:xfrm>
+      </p:grpSpPr>
+      <p:sp>
+        <p:nvSpPr>
+          <p:cNvPr id="141" name="Google Shape;141;p20"/>
+          <p:cNvSpPr txBox="1">
+            <a:spLocks noGrp="1"/>
+          </p:cNvSpPr>
+          <p:nvPr>
+            <p:ph type="ctrTitle" idx="4294967295"/>
+          </p:nvPr>
+        </p:nvSpPr>
+        <p:spPr>
+          <a:xfrm>
+            <a:off x="1751977" y="291049"/>
+            <a:ext cx="5958642" cy="1159800"/>
+          </a:xfrm>
+          <a:prstGeom prst="rect">
+            <a:avLst/>
+          </a:prstGeom>
+        </p:spPr>
+        <p:txBody>
+          <a:bodyPr spcFirstLastPara="1" wrap="square" lIns="91425" tIns="91425" rIns="91425" bIns="91425" anchor="ctr" anchorCtr="0">
+            <a:noAutofit/>
+          </a:bodyPr>
+          <a:lstStyle/>
+          <a:p>
+            <a:r>
+              <a:rPr lang="en-US" sz="2000" dirty="0">
+                <a:solidFill>
+                  <a:srgbClr val="FFC000"/>
+                </a:solidFill>
+              </a:rPr>
+              <a:t>Question 2: Is there a relationship between “</a:t>
+            </a:r>
+            <a:r>
+              <a:rPr lang="en-US" sz="2000" dirty="0" err="1">
+                <a:solidFill>
+                  <a:srgbClr val="FFC000"/>
+                </a:solidFill>
+              </a:rPr>
+              <a:t>musicalities</a:t>
+            </a:r>
+            <a:r>
+              <a:rPr lang="en-US" sz="2000" dirty="0">
+                <a:solidFill>
+                  <a:srgbClr val="FFC000"/>
+                </a:solidFill>
+              </a:rPr>
+              <a:t>” and popularity by country?</a:t>
+            </a:r>
+            <a:br>
+              <a:rPr lang="en-US" sz="2000" dirty="0">
+                <a:solidFill>
+                  <a:srgbClr val="FFC000"/>
+                </a:solidFill>
+              </a:rPr>
+            </a:br>
+            <a:endParaRPr sz="2000" dirty="0">
+              <a:solidFill>
+                <a:srgbClr val="FFC000"/>
+              </a:solidFill>
+            </a:endParaRPr>
+          </a:p>
+        </p:txBody>
+      </p:sp>
+      <p:sp>
+        <p:nvSpPr>
+          <p:cNvPr id="142" name="Google Shape;142;p20"/>
+          <p:cNvSpPr txBox="1">
+            <a:spLocks noGrp="1"/>
+          </p:cNvSpPr>
+          <p:nvPr>
+            <p:ph type="subTitle" idx="4294967295"/>
+          </p:nvPr>
+        </p:nvSpPr>
+        <p:spPr>
+          <a:xfrm>
+            <a:off x="1751977" y="915153"/>
+            <a:ext cx="6795338" cy="784800"/>
+          </a:xfrm>
+          <a:prstGeom prst="rect">
+            <a:avLst/>
+          </a:prstGeom>
+        </p:spPr>
+        <p:txBody>
+          <a:bodyPr spcFirstLastPara="1" wrap="square" lIns="91425" tIns="91425" rIns="91425" bIns="91425" anchor="t" anchorCtr="0">
+            <a:noAutofit/>
+          </a:bodyPr>
+          <a:lstStyle/>
+          <a:p>
+            <a:pPr marL="0" lvl="0" indent="0">
+              <a:buNone/>
+            </a:pPr>
+            <a:r>
+              <a:rPr lang="en-US" sz="1200" dirty="0"/>
+              <a:t>Compared popularity by country to various </a:t>
+            </a:r>
+            <a:r>
+              <a:rPr lang="en-US" sz="1200" dirty="0" err="1"/>
+              <a:t>musicalities</a:t>
+            </a:r>
+            <a:r>
+              <a:rPr lang="en-US" sz="1200" dirty="0"/>
+              <a:t> for artists ranked in the top 10 on average. </a:t>
+            </a:r>
+            <a:r>
+              <a:rPr lang="en-US" sz="1200" dirty="0" err="1"/>
+              <a:t>Musicalities</a:t>
+            </a:r>
+            <a:r>
+              <a:rPr lang="en-US" sz="1200" dirty="0"/>
+              <a:t> includes energy, tempo, loudness, etc. Popularity is Spotify’s proprietary metric.</a:t>
+            </a:r>
+          </a:p>
+        </p:txBody>
+      </p:sp>
+      <p:sp>
+        <p:nvSpPr>
+          <p:cNvPr id="156" name="Google Shape;156;p20"/>
+          <p:cNvSpPr txBox="1">
+            <a:spLocks noGrp="1"/>
+          </p:cNvSpPr>
+          <p:nvPr>
+            <p:ph type="sldNum" idx="12"/>
+          </p:nvPr>
+        </p:nvSpPr>
+        <p:spPr>
+          <a:xfrm>
+            <a:off x="8750400" y="4356225"/>
+            <a:ext cx="393600" cy="393600"/>
+          </a:xfrm>
+          <a:prstGeom prst="rect">
+            <a:avLst/>
+          </a:prstGeom>
+        </p:spPr>
+        <p:txBody>
+          <a:bodyPr spcFirstLastPara="1" wrap="square" lIns="91425" tIns="91425" rIns="91425" bIns="91425" anchor="ctr" anchorCtr="0">
+            <a:noAutofit/>
+          </a:bodyPr>
+          <a:lstStyle/>
+          <a:p>
+            <a:pPr marL="0" lvl="0" indent="0" algn="ctr" rtl="0">
+              <a:spcBef>
+                <a:spcPts val="0"/>
+              </a:spcBef>
+              <a:spcAft>
+                <a:spcPts val="0"/>
+              </a:spcAft>
+              <a:buNone/>
+            </a:pPr>
+            <a:fld id="{00000000-1234-1234-1234-123412341234}" type="slidenum">
+              <a:rPr lang="en"/>
+              <a:t>11</a:t>
+            </a:fld>
+            <a:endParaRPr/>
+          </a:p>
+        </p:txBody>
+      </p:sp>
+      <p:sp>
+        <p:nvSpPr>
+          <p:cNvPr id="7" name="Google Shape;142;p20">
+            <a:extLst>
+              <a:ext uri="{FF2B5EF4-FFF2-40B4-BE49-F238E27FC236}">
+                <a16:creationId xmlns:a16="http://schemas.microsoft.com/office/drawing/2014/main" id="{271F5E26-2EC3-9F42-9627-060E7C7D7B0D}"/>
+              </a:ext>
+            </a:extLst>
+          </p:cNvPr>
+          <p:cNvSpPr txBox="1">
+            <a:spLocks/>
+          </p:cNvSpPr>
+          <p:nvPr/>
+        </p:nvSpPr>
+        <p:spPr>
+          <a:xfrm>
+            <a:off x="2176247" y="3853660"/>
+            <a:ext cx="2973399" cy="954187"/>
+          </a:xfrm>
+          <a:prstGeom prst="rect">
+            <a:avLst/>
+          </a:prstGeom>
+          <a:noFill/>
+          <a:ln>
+            <a:noFill/>
+          </a:ln>
+        </p:spPr>
+        <p:txBody>
+          <a:bodyPr spcFirstLastPara="1" wrap="square" lIns="91425" tIns="91425" rIns="91425" bIns="91425" anchor="t" anchorCtr="0">
+            <a:noAutofit/>
+          </a:bodyPr>
+          <a:lstStyle>
+            <a:defPPr marR="0" lvl="0" algn="l" rtl="0">
+              <a:lnSpc>
+                <a:spcPct val="100000"/>
+              </a:lnSpc>
+              <a:spcBef>
+                <a:spcPts val="0"/>
+              </a:spcBef>
+              <a:spcAft>
+                <a:spcPts val="0"/>
+              </a:spcAft>
+            </a:defPPr>
+            <a:lvl1pPr marL="457200" marR="0" lvl="0" indent="-393700" algn="l" rtl="0">
+              <a:lnSpc>
+                <a:spcPct val="100000"/>
+              </a:lnSpc>
+              <a:spcBef>
+                <a:spcPts val="600"/>
+              </a:spcBef>
+              <a:spcAft>
+                <a:spcPts val="0"/>
+              </a:spcAft>
+              <a:buClr>
+                <a:schemeClr val="dk2"/>
+              </a:buClr>
+              <a:buSzPts val="2600"/>
+              <a:buFont typeface="Barlow"/>
+              <a:buChar char="▪"/>
+              <a:defRPr sz="2600" b="0" i="0" u="none" strike="noStrike" cap="none">
+                <a:solidFill>
+                  <a:schemeClr val="dk1"/>
+                </a:solidFill>
+                <a:latin typeface="Barlow"/>
+                <a:ea typeface="Barlow"/>
+                <a:cs typeface="Barlow"/>
+                <a:sym typeface="Barlow"/>
+              </a:defRPr>
+            </a:lvl1pPr>
+            <a:lvl2pPr marL="914400" marR="0" lvl="1" indent="-393700" algn="l" rtl="0">
+              <a:lnSpc>
+                <a:spcPct val="100000"/>
+              </a:lnSpc>
+              <a:spcBef>
+                <a:spcPts val="0"/>
+              </a:spcBef>
+              <a:spcAft>
+                <a:spcPts val="0"/>
+              </a:spcAft>
+              <a:buClr>
+                <a:schemeClr val="dk2"/>
+              </a:buClr>
+              <a:buSzPts val="2600"/>
+              <a:buFont typeface="Barlow"/>
+              <a:buChar char="▫"/>
+              <a:defRPr sz="2600" b="0" i="0" u="none" strike="noStrike" cap="none">
+                <a:solidFill>
+                  <a:schemeClr val="dk1"/>
+                </a:solidFill>
+                <a:latin typeface="Barlow"/>
+                <a:ea typeface="Barlow"/>
+                <a:cs typeface="Barlow"/>
+                <a:sym typeface="Barlow"/>
+              </a:defRPr>
+            </a:lvl2pPr>
+            <a:lvl3pPr marL="1371600" marR="0" lvl="2" indent="-393700" algn="l" rtl="0">
+              <a:lnSpc>
+                <a:spcPct val="100000"/>
+              </a:lnSpc>
+              <a:spcBef>
+                <a:spcPts val="0"/>
+              </a:spcBef>
+              <a:spcAft>
+                <a:spcPts val="0"/>
+              </a:spcAft>
+              <a:buClr>
+                <a:schemeClr val="dk2"/>
+              </a:buClr>
+              <a:buSzPts val="2600"/>
+              <a:buFont typeface="Barlow"/>
+              <a:buChar char="▫"/>
+              <a:defRPr sz="2600" b="0" i="0" u="none" strike="noStrike" cap="none">
+                <a:solidFill>
+                  <a:schemeClr val="dk1"/>
+                </a:solidFill>
+                <a:latin typeface="Barlow"/>
+                <a:ea typeface="Barlow"/>
+                <a:cs typeface="Barlow"/>
+                <a:sym typeface="Barlow"/>
+              </a:defRPr>
+            </a:lvl3pPr>
+            <a:lvl4pPr marL="1828800" marR="0" lvl="3" indent="-393700" algn="l" rtl="0">
+              <a:lnSpc>
+                <a:spcPct val="100000"/>
+              </a:lnSpc>
+              <a:spcBef>
+                <a:spcPts val="0"/>
+              </a:spcBef>
+              <a:spcAft>
+                <a:spcPts val="0"/>
+              </a:spcAft>
+              <a:buClr>
+                <a:schemeClr val="dk1"/>
+              </a:buClr>
+              <a:buSzPts val="2600"/>
+              <a:buFont typeface="Barlow"/>
+              <a:buChar char="▫"/>
+              <a:defRPr sz="2600" b="0" i="0" u="none" strike="noStrike" cap="none">
+                <a:solidFill>
+                  <a:schemeClr val="dk1"/>
+                </a:solidFill>
+                <a:latin typeface="Barlow"/>
+                <a:ea typeface="Barlow"/>
+                <a:cs typeface="Barlow"/>
+                <a:sym typeface="Barlow"/>
+              </a:defRPr>
+            </a:lvl4pPr>
+            <a:lvl5pPr marL="2286000" marR="0" lvl="4" indent="-393700" algn="l" rtl="0">
+              <a:lnSpc>
+                <a:spcPct val="100000"/>
+              </a:lnSpc>
+              <a:spcBef>
+                <a:spcPts val="0"/>
+              </a:spcBef>
+              <a:spcAft>
+                <a:spcPts val="0"/>
+              </a:spcAft>
+              <a:buClr>
+                <a:schemeClr val="dk1"/>
+              </a:buClr>
+              <a:buSzPts val="2600"/>
+              <a:buFont typeface="Barlow"/>
+              <a:buChar char="○"/>
+              <a:defRPr sz="2600" b="0" i="0" u="none" strike="noStrike" cap="none">
+                <a:solidFill>
+                  <a:schemeClr val="dk1"/>
+                </a:solidFill>
+                <a:latin typeface="Barlow"/>
+                <a:ea typeface="Barlow"/>
+                <a:cs typeface="Barlow"/>
+                <a:sym typeface="Barlow"/>
+              </a:defRPr>
+            </a:lvl5pPr>
+            <a:lvl6pPr marL="2743200" marR="0" lvl="5" indent="-393700" algn="l" rtl="0">
+              <a:lnSpc>
+                <a:spcPct val="100000"/>
+              </a:lnSpc>
+              <a:spcBef>
+                <a:spcPts val="0"/>
+              </a:spcBef>
+              <a:spcAft>
+                <a:spcPts val="0"/>
+              </a:spcAft>
+              <a:buClr>
+                <a:schemeClr val="dk1"/>
+              </a:buClr>
+              <a:buSzPts val="2600"/>
+              <a:buFont typeface="Barlow"/>
+              <a:buChar char="■"/>
+              <a:defRPr sz="2600" b="0" i="0" u="none" strike="noStrike" cap="none">
+                <a:solidFill>
+                  <a:schemeClr val="dk1"/>
+                </a:solidFill>
+                <a:latin typeface="Barlow"/>
+                <a:ea typeface="Barlow"/>
+                <a:cs typeface="Barlow"/>
+                <a:sym typeface="Barlow"/>
+              </a:defRPr>
+            </a:lvl6pPr>
+            <a:lvl7pPr marL="3200400" marR="0" lvl="6" indent="-393700" algn="l" rtl="0">
+              <a:lnSpc>
+                <a:spcPct val="100000"/>
+              </a:lnSpc>
+              <a:spcBef>
+                <a:spcPts val="0"/>
+              </a:spcBef>
+              <a:spcAft>
+                <a:spcPts val="0"/>
+              </a:spcAft>
+              <a:buClr>
+                <a:schemeClr val="dk1"/>
+              </a:buClr>
+              <a:buSzPts val="2600"/>
+              <a:buFont typeface="Barlow"/>
+              <a:buChar char="●"/>
+              <a:defRPr sz="2600" b="0" i="0" u="none" strike="noStrike" cap="none">
+                <a:solidFill>
+                  <a:schemeClr val="dk1"/>
+                </a:solidFill>
+                <a:latin typeface="Barlow"/>
+                <a:ea typeface="Barlow"/>
+                <a:cs typeface="Barlow"/>
+                <a:sym typeface="Barlow"/>
+              </a:defRPr>
+            </a:lvl7pPr>
+            <a:lvl8pPr marL="3657600" marR="0" lvl="7" indent="-393700" algn="l" rtl="0">
+              <a:lnSpc>
+                <a:spcPct val="100000"/>
+              </a:lnSpc>
+              <a:spcBef>
+                <a:spcPts val="0"/>
+              </a:spcBef>
+              <a:spcAft>
+                <a:spcPts val="0"/>
+              </a:spcAft>
+              <a:buClr>
+                <a:schemeClr val="dk1"/>
+              </a:buClr>
+              <a:buSzPts val="2600"/>
+              <a:buFont typeface="Barlow"/>
+              <a:buChar char="○"/>
+              <a:defRPr sz="2600" b="0" i="0" u="none" strike="noStrike" cap="none">
+                <a:solidFill>
+                  <a:schemeClr val="dk1"/>
+                </a:solidFill>
+                <a:latin typeface="Barlow"/>
+                <a:ea typeface="Barlow"/>
+                <a:cs typeface="Barlow"/>
+                <a:sym typeface="Barlow"/>
+              </a:defRPr>
+            </a:lvl8pPr>
+            <a:lvl9pPr marL="4114800" marR="0" lvl="8" indent="-393700" algn="l" rtl="0">
+              <a:lnSpc>
+                <a:spcPct val="100000"/>
+              </a:lnSpc>
+              <a:spcBef>
+                <a:spcPts val="0"/>
+              </a:spcBef>
+              <a:spcAft>
+                <a:spcPts val="0"/>
+              </a:spcAft>
+              <a:buClr>
+                <a:schemeClr val="dk1"/>
+              </a:buClr>
+              <a:buSzPts val="2600"/>
+              <a:buFont typeface="Barlow"/>
+              <a:buChar char="■"/>
+              <a:defRPr sz="2600" b="0" i="0" u="none" strike="noStrike" cap="none">
+                <a:solidFill>
+                  <a:schemeClr val="dk1"/>
+                </a:solidFill>
+                <a:latin typeface="Barlow"/>
+                <a:ea typeface="Barlow"/>
+                <a:cs typeface="Barlow"/>
+                <a:sym typeface="Barlow"/>
+              </a:defRPr>
+            </a:lvl9pPr>
+          </a:lstStyle>
+          <a:p>
+            <a:pPr marL="0" indent="0">
+              <a:buNone/>
+            </a:pPr>
+            <a:br>
+              <a:rPr lang="en-US" sz="1200" dirty="0"/>
+            </a:br>
+            <a:r>
+              <a:rPr lang="en-US" sz="1200" dirty="0"/>
+              <a:t>The r-squared is: 0.031701428805754904</a:t>
+            </a:r>
+          </a:p>
           <a:p>
             <a:pPr marL="0" indent="0">
               <a:buFont typeface="Barlow"/>
@@ -6608,7 +7357,7 @@
         </p:nvSpPr>
         <p:spPr>
           <a:xfrm>
-            <a:off x="5667829" y="3879131"/>
+            <a:off x="5667829" y="3834527"/>
             <a:ext cx="2973399" cy="954187"/>
           </a:xfrm>
           <a:prstGeom prst="rect">
@@ -6870,6 +7619,15 @@
               </a:defRPr>
             </a:lvl9pPr>
           </a:lstStyle>
+          <a:p>
+            <a:pPr marL="0" indent="0">
+              <a:buNone/>
+            </a:pPr>
+            <a:r>
+              <a:rPr lang="en-US" sz="1200" dirty="0"/>
+              <a:t>The r-squared is: 0.10274161293471054</a:t>
+            </a:r>
+          </a:p>
           <a:p>
             <a:pPr marL="0" indent="0">
               <a:buFont typeface="Barlow"/>
@@ -6904,7 +7662,7 @@
         </p:blipFill>
         <p:spPr>
           <a:xfrm>
-            <a:off x="1642343" y="1574715"/>
+            <a:off x="1642343" y="1530111"/>
             <a:ext cx="3761568" cy="2507712"/>
           </a:xfrm>
           <a:prstGeom prst="rect">
@@ -6934,7 +7692,7 @@
         </p:blipFill>
         <p:spPr>
           <a:xfrm>
-            <a:off x="5035151" y="1415653"/>
+            <a:off x="5035151" y="1371049"/>
             <a:ext cx="4238753" cy="2825835"/>
           </a:xfrm>
           <a:prstGeom prst="rect">
@@ -6955,7 +7713,7 @@
 </p:sld>
 </file>
 
-<file path=ppt/slides/slide11.xml><?xml version="1.0" encoding="utf-8"?>
+<file path=ppt/slides/slide12.xml><?xml version="1.0" encoding="utf-8"?>
 <p:sld xmlns:a="http://schemas.openxmlformats.org/drawingml/2006/main" xmlns:r="http://schemas.openxmlformats.org/officeDocument/2006/relationships" xmlns:p="http://schemas.openxmlformats.org/presentationml/2006/main">
   <p:cSld>
     <p:spTree>
@@ -7066,7 +7824,7 @@
             </a:pPr>
             <a:r>
               <a:rPr lang="en-US" sz="1200" dirty="0"/>
-              <a:t>Compared popularity to various </a:t>
+              <a:t>Compared popularity by country to various </a:t>
             </a:r>
             <a:r>
               <a:rPr lang="en-US" sz="1200" dirty="0" err="1"/>
@@ -7074,7 +7832,7 @@
             </a:r>
             <a:r>
               <a:rPr lang="en-US" sz="1200" dirty="0"/>
-              <a:t> for the top 10. </a:t>
+              <a:t> for artists ranked in the top 10 on average. </a:t>
             </a:r>
             <a:r>
               <a:rPr lang="en-US" sz="1200" dirty="0" err="1"/>
@@ -7082,7 +7840,7 @@
             </a:r>
             <a:r>
               <a:rPr lang="en-US" sz="1200" dirty="0"/>
-              <a:t> includes energy, tempo, loudness, etc.</a:t>
+              <a:t> includes energy, tempo, loudness, etc. Popularity is Spotify’s proprietary metric.</a:t>
             </a:r>
           </a:p>
         </p:txBody>
@@ -7123,7 +7881,7 @@
             </a:pPr>
             <a:fld id="{00000000-1234-1234-1234-123412341234}" type="slidenum">
               <a:rPr lang="en"/>
-              <a:t>11</a:t>
+              <a:t>12</a:t>
             </a:fld>
             <a:endParaRPr/>
           </a:p>
@@ -7409,7 +8167,15 @@
           </a:lstStyle>
           <a:p>
             <a:pPr marL="0" indent="0">
-              <a:buFont typeface="Barlow"/>
+              <a:buNone/>
+            </a:pPr>
+            <a:r>
+              <a:rPr lang="en-US" sz="1200" dirty="0"/>
+              <a:t>The r-squared is: 0.03547623651451005</a:t>
+            </a:r>
+          </a:p>
+          <a:p>
+            <a:pPr marL="0" indent="0">
               <a:buNone/>
             </a:pPr>
             <a:r>
@@ -7453,798 +8219,6 @@
     <p:extLst>
       <p:ext uri="{BB962C8B-B14F-4D97-AF65-F5344CB8AC3E}">
         <p14:creationId xmlns:p14="http://schemas.microsoft.com/office/powerpoint/2010/main" val="1937477389"/>
-      </p:ext>
-    </p:extLst>
-  </p:cSld>
-  <p:clrMapOvr>
-    <a:masterClrMapping/>
-  </p:clrMapOvr>
-</p:sld>
-</file>
-
-<file path=ppt/slides/slide12.xml><?xml version="1.0" encoding="utf-8"?>
-<p:sld xmlns:a="http://schemas.openxmlformats.org/drawingml/2006/main" xmlns:r="http://schemas.openxmlformats.org/officeDocument/2006/relationships" xmlns:p="http://schemas.openxmlformats.org/presentationml/2006/main">
-  <p:cSld>
-    <p:spTree>
-      <p:nvGrpSpPr>
-        <p:cNvPr id="1" name="Shape 140"/>
-        <p:cNvGrpSpPr/>
-        <p:nvPr/>
-      </p:nvGrpSpPr>
-      <p:grpSpPr>
-        <a:xfrm>
-          <a:off x="0" y="0"/>
-          <a:ext cx="0" cy="0"/>
-          <a:chOff x="0" y="0"/>
-          <a:chExt cx="0" cy="0"/>
-        </a:xfrm>
-      </p:grpSpPr>
-      <p:sp>
-        <p:nvSpPr>
-          <p:cNvPr id="141" name="Google Shape;141;p20"/>
-          <p:cNvSpPr txBox="1">
-            <a:spLocks noGrp="1"/>
-          </p:cNvSpPr>
-          <p:nvPr>
-            <p:ph type="ctrTitle" idx="4294967295"/>
-          </p:nvPr>
-        </p:nvSpPr>
-        <p:spPr>
-          <a:xfrm>
-            <a:off x="1751976" y="291049"/>
-            <a:ext cx="6669647" cy="1159800"/>
-          </a:xfrm>
-          <a:prstGeom prst="rect">
-            <a:avLst/>
-          </a:prstGeom>
-        </p:spPr>
-        <p:txBody>
-          <a:bodyPr spcFirstLastPara="1" wrap="square" lIns="91425" tIns="91425" rIns="91425" bIns="91425" anchor="ctr" anchorCtr="0">
-            <a:noAutofit/>
-          </a:bodyPr>
-          <a:lstStyle/>
-          <a:p>
-            <a:r>
-              <a:rPr lang="en-US" dirty="0">
-                <a:solidFill>
-                  <a:srgbClr val="FFC000"/>
-                </a:solidFill>
-              </a:rPr>
-              <a:t>Question 3: How does </a:t>
-            </a:r>
-            <a:r>
-              <a:rPr lang="en-US">
-                <a:solidFill>
-                  <a:srgbClr val="FFC000"/>
-                </a:solidFill>
-              </a:rPr>
-              <a:t>top artists’ </a:t>
-            </a:r>
-            <a:r>
-              <a:rPr lang="en-US" dirty="0">
-                <a:solidFill>
-                  <a:srgbClr val="FFC000"/>
-                </a:solidFill>
-              </a:rPr>
-              <a:t>rank across continents compare to their global rank?</a:t>
-            </a:r>
-            <a:br>
-              <a:rPr lang="en-US" dirty="0">
-                <a:solidFill>
-                  <a:srgbClr val="FFC000"/>
-                </a:solidFill>
-              </a:rPr>
-            </a:br>
-            <a:endParaRPr dirty="0">
-              <a:solidFill>
-                <a:srgbClr val="FFC000"/>
-              </a:solidFill>
-            </a:endParaRPr>
-          </a:p>
-        </p:txBody>
-      </p:sp>
-      <p:sp>
-        <p:nvSpPr>
-          <p:cNvPr id="156" name="Google Shape;156;p20"/>
-          <p:cNvSpPr txBox="1">
-            <a:spLocks noGrp="1"/>
-          </p:cNvSpPr>
-          <p:nvPr>
-            <p:ph type="sldNum" idx="12"/>
-          </p:nvPr>
-        </p:nvSpPr>
-        <p:spPr>
-          <a:xfrm>
-            <a:off x="8750400" y="4356225"/>
-            <a:ext cx="393600" cy="393600"/>
-          </a:xfrm>
-          <a:prstGeom prst="rect">
-            <a:avLst/>
-          </a:prstGeom>
-        </p:spPr>
-        <p:txBody>
-          <a:bodyPr spcFirstLastPara="1" wrap="square" lIns="91425" tIns="91425" rIns="91425" bIns="91425" anchor="ctr" anchorCtr="0">
-            <a:noAutofit/>
-          </a:bodyPr>
-          <a:lstStyle/>
-          <a:p>
-            <a:pPr marL="0" lvl="0" indent="0" algn="ctr" rtl="0">
-              <a:spcBef>
-                <a:spcPts val="0"/>
-              </a:spcBef>
-              <a:spcAft>
-                <a:spcPts val="0"/>
-              </a:spcAft>
-              <a:buNone/>
-            </a:pPr>
-            <a:fld id="{00000000-1234-1234-1234-123412341234}" type="slidenum">
-              <a:rPr lang="en"/>
-              <a:t>12</a:t>
-            </a:fld>
-            <a:endParaRPr/>
-          </a:p>
-        </p:txBody>
-      </p:sp>
-      <p:sp>
-        <p:nvSpPr>
-          <p:cNvPr id="7" name="Google Shape;142;p20">
-            <a:extLst>
-              <a:ext uri="{FF2B5EF4-FFF2-40B4-BE49-F238E27FC236}">
-                <a16:creationId xmlns:a16="http://schemas.microsoft.com/office/drawing/2014/main" id="{684823B4-115E-6A4C-8048-2C757DD816BF}"/>
-              </a:ext>
-            </a:extLst>
-          </p:cNvPr>
-          <p:cNvSpPr txBox="1">
-            <a:spLocks/>
-          </p:cNvSpPr>
-          <p:nvPr/>
-        </p:nvSpPr>
-        <p:spPr>
-          <a:xfrm>
-            <a:off x="1751977" y="993210"/>
-            <a:ext cx="6795338" cy="784800"/>
-          </a:xfrm>
-          <a:prstGeom prst="rect">
-            <a:avLst/>
-          </a:prstGeom>
-          <a:noFill/>
-          <a:ln>
-            <a:noFill/>
-          </a:ln>
-        </p:spPr>
-        <p:txBody>
-          <a:bodyPr spcFirstLastPara="1" wrap="square" lIns="91425" tIns="91425" rIns="91425" bIns="91425" anchor="t" anchorCtr="0">
-            <a:noAutofit/>
-          </a:bodyPr>
-          <a:lstStyle>
-            <a:defPPr marR="0" lvl="0" algn="l" rtl="0">
-              <a:lnSpc>
-                <a:spcPct val="100000"/>
-              </a:lnSpc>
-              <a:spcBef>
-                <a:spcPts val="0"/>
-              </a:spcBef>
-              <a:spcAft>
-                <a:spcPts val="0"/>
-              </a:spcAft>
-            </a:defPPr>
-            <a:lvl1pPr marL="457200" marR="0" lvl="0" indent="-393700" algn="l" rtl="0">
-              <a:lnSpc>
-                <a:spcPct val="100000"/>
-              </a:lnSpc>
-              <a:spcBef>
-                <a:spcPts val="600"/>
-              </a:spcBef>
-              <a:spcAft>
-                <a:spcPts val="0"/>
-              </a:spcAft>
-              <a:buClr>
-                <a:schemeClr val="dk2"/>
-              </a:buClr>
-              <a:buSzPts val="2600"/>
-              <a:buFont typeface="Barlow"/>
-              <a:buChar char="▪"/>
-              <a:defRPr sz="2600" b="0" i="0" u="none" strike="noStrike" cap="none">
-                <a:solidFill>
-                  <a:schemeClr val="dk1"/>
-                </a:solidFill>
-                <a:latin typeface="Barlow"/>
-                <a:ea typeface="Barlow"/>
-                <a:cs typeface="Barlow"/>
-                <a:sym typeface="Barlow"/>
-              </a:defRPr>
-            </a:lvl1pPr>
-            <a:lvl2pPr marL="914400" marR="0" lvl="1" indent="-393700" algn="l" rtl="0">
-              <a:lnSpc>
-                <a:spcPct val="100000"/>
-              </a:lnSpc>
-              <a:spcBef>
-                <a:spcPts val="0"/>
-              </a:spcBef>
-              <a:spcAft>
-                <a:spcPts val="0"/>
-              </a:spcAft>
-              <a:buClr>
-                <a:schemeClr val="dk2"/>
-              </a:buClr>
-              <a:buSzPts val="2600"/>
-              <a:buFont typeface="Barlow"/>
-              <a:buChar char="▫"/>
-              <a:defRPr sz="2600" b="0" i="0" u="none" strike="noStrike" cap="none">
-                <a:solidFill>
-                  <a:schemeClr val="dk1"/>
-                </a:solidFill>
-                <a:latin typeface="Barlow"/>
-                <a:ea typeface="Barlow"/>
-                <a:cs typeface="Barlow"/>
-                <a:sym typeface="Barlow"/>
-              </a:defRPr>
-            </a:lvl2pPr>
-            <a:lvl3pPr marL="1371600" marR="0" lvl="2" indent="-393700" algn="l" rtl="0">
-              <a:lnSpc>
-                <a:spcPct val="100000"/>
-              </a:lnSpc>
-              <a:spcBef>
-                <a:spcPts val="0"/>
-              </a:spcBef>
-              <a:spcAft>
-                <a:spcPts val="0"/>
-              </a:spcAft>
-              <a:buClr>
-                <a:schemeClr val="dk2"/>
-              </a:buClr>
-              <a:buSzPts val="2600"/>
-              <a:buFont typeface="Barlow"/>
-              <a:buChar char="▫"/>
-              <a:defRPr sz="2600" b="0" i="0" u="none" strike="noStrike" cap="none">
-                <a:solidFill>
-                  <a:schemeClr val="dk1"/>
-                </a:solidFill>
-                <a:latin typeface="Barlow"/>
-                <a:ea typeface="Barlow"/>
-                <a:cs typeface="Barlow"/>
-                <a:sym typeface="Barlow"/>
-              </a:defRPr>
-            </a:lvl3pPr>
-            <a:lvl4pPr marL="1828800" marR="0" lvl="3" indent="-393700" algn="l" rtl="0">
-              <a:lnSpc>
-                <a:spcPct val="100000"/>
-              </a:lnSpc>
-              <a:spcBef>
-                <a:spcPts val="0"/>
-              </a:spcBef>
-              <a:spcAft>
-                <a:spcPts val="0"/>
-              </a:spcAft>
-              <a:buClr>
-                <a:schemeClr val="dk1"/>
-              </a:buClr>
-              <a:buSzPts val="2600"/>
-              <a:buFont typeface="Barlow"/>
-              <a:buChar char="▫"/>
-              <a:defRPr sz="2600" b="0" i="0" u="none" strike="noStrike" cap="none">
-                <a:solidFill>
-                  <a:schemeClr val="dk1"/>
-                </a:solidFill>
-                <a:latin typeface="Barlow"/>
-                <a:ea typeface="Barlow"/>
-                <a:cs typeface="Barlow"/>
-                <a:sym typeface="Barlow"/>
-              </a:defRPr>
-            </a:lvl4pPr>
-            <a:lvl5pPr marL="2286000" marR="0" lvl="4" indent="-393700" algn="l" rtl="0">
-              <a:lnSpc>
-                <a:spcPct val="100000"/>
-              </a:lnSpc>
-              <a:spcBef>
-                <a:spcPts val="0"/>
-              </a:spcBef>
-              <a:spcAft>
-                <a:spcPts val="0"/>
-              </a:spcAft>
-              <a:buClr>
-                <a:schemeClr val="dk1"/>
-              </a:buClr>
-              <a:buSzPts val="2600"/>
-              <a:buFont typeface="Barlow"/>
-              <a:buChar char="○"/>
-              <a:defRPr sz="2600" b="0" i="0" u="none" strike="noStrike" cap="none">
-                <a:solidFill>
-                  <a:schemeClr val="dk1"/>
-                </a:solidFill>
-                <a:latin typeface="Barlow"/>
-                <a:ea typeface="Barlow"/>
-                <a:cs typeface="Barlow"/>
-                <a:sym typeface="Barlow"/>
-              </a:defRPr>
-            </a:lvl5pPr>
-            <a:lvl6pPr marL="2743200" marR="0" lvl="5" indent="-393700" algn="l" rtl="0">
-              <a:lnSpc>
-                <a:spcPct val="100000"/>
-              </a:lnSpc>
-              <a:spcBef>
-                <a:spcPts val="0"/>
-              </a:spcBef>
-              <a:spcAft>
-                <a:spcPts val="0"/>
-              </a:spcAft>
-              <a:buClr>
-                <a:schemeClr val="dk1"/>
-              </a:buClr>
-              <a:buSzPts val="2600"/>
-              <a:buFont typeface="Barlow"/>
-              <a:buChar char="■"/>
-              <a:defRPr sz="2600" b="0" i="0" u="none" strike="noStrike" cap="none">
-                <a:solidFill>
-                  <a:schemeClr val="dk1"/>
-                </a:solidFill>
-                <a:latin typeface="Barlow"/>
-                <a:ea typeface="Barlow"/>
-                <a:cs typeface="Barlow"/>
-                <a:sym typeface="Barlow"/>
-              </a:defRPr>
-            </a:lvl6pPr>
-            <a:lvl7pPr marL="3200400" marR="0" lvl="6" indent="-393700" algn="l" rtl="0">
-              <a:lnSpc>
-                <a:spcPct val="100000"/>
-              </a:lnSpc>
-              <a:spcBef>
-                <a:spcPts val="0"/>
-              </a:spcBef>
-              <a:spcAft>
-                <a:spcPts val="0"/>
-              </a:spcAft>
-              <a:buClr>
-                <a:schemeClr val="dk1"/>
-              </a:buClr>
-              <a:buSzPts val="2600"/>
-              <a:buFont typeface="Barlow"/>
-              <a:buChar char="●"/>
-              <a:defRPr sz="2600" b="0" i="0" u="none" strike="noStrike" cap="none">
-                <a:solidFill>
-                  <a:schemeClr val="dk1"/>
-                </a:solidFill>
-                <a:latin typeface="Barlow"/>
-                <a:ea typeface="Barlow"/>
-                <a:cs typeface="Barlow"/>
-                <a:sym typeface="Barlow"/>
-              </a:defRPr>
-            </a:lvl7pPr>
-            <a:lvl8pPr marL="3657600" marR="0" lvl="7" indent="-393700" algn="l" rtl="0">
-              <a:lnSpc>
-                <a:spcPct val="100000"/>
-              </a:lnSpc>
-              <a:spcBef>
-                <a:spcPts val="0"/>
-              </a:spcBef>
-              <a:spcAft>
-                <a:spcPts val="0"/>
-              </a:spcAft>
-              <a:buClr>
-                <a:schemeClr val="dk1"/>
-              </a:buClr>
-              <a:buSzPts val="2600"/>
-              <a:buFont typeface="Barlow"/>
-              <a:buChar char="○"/>
-              <a:defRPr sz="2600" b="0" i="0" u="none" strike="noStrike" cap="none">
-                <a:solidFill>
-                  <a:schemeClr val="dk1"/>
-                </a:solidFill>
-                <a:latin typeface="Barlow"/>
-                <a:ea typeface="Barlow"/>
-                <a:cs typeface="Barlow"/>
-                <a:sym typeface="Barlow"/>
-              </a:defRPr>
-            </a:lvl8pPr>
-            <a:lvl9pPr marL="4114800" marR="0" lvl="8" indent="-393700" algn="l" rtl="0">
-              <a:lnSpc>
-                <a:spcPct val="100000"/>
-              </a:lnSpc>
-              <a:spcBef>
-                <a:spcPts val="0"/>
-              </a:spcBef>
-              <a:spcAft>
-                <a:spcPts val="0"/>
-              </a:spcAft>
-              <a:buClr>
-                <a:schemeClr val="dk1"/>
-              </a:buClr>
-              <a:buSzPts val="2600"/>
-              <a:buFont typeface="Barlow"/>
-              <a:buChar char="■"/>
-              <a:defRPr sz="2600" b="0" i="0" u="none" strike="noStrike" cap="none">
-                <a:solidFill>
-                  <a:schemeClr val="dk1"/>
-                </a:solidFill>
-                <a:latin typeface="Barlow"/>
-                <a:ea typeface="Barlow"/>
-                <a:cs typeface="Barlow"/>
-                <a:sym typeface="Barlow"/>
-              </a:defRPr>
-            </a:lvl9pPr>
-          </a:lstStyle>
-          <a:p>
-            <a:pPr marL="0" indent="0">
-              <a:buFont typeface="Barlow"/>
-              <a:buNone/>
-            </a:pPr>
-            <a:r>
-              <a:rPr lang="en-US" sz="1200" dirty="0"/>
-              <a:t>Looked at the top 10 artists ‘ ranks in each continent in which they are ranked compared to how they are ranked globally.</a:t>
-            </a:r>
-          </a:p>
-        </p:txBody>
-      </p:sp>
-      <p:sp>
-        <p:nvSpPr>
-          <p:cNvPr id="8" name="Google Shape;142;p20">
-            <a:extLst>
-              <a:ext uri="{FF2B5EF4-FFF2-40B4-BE49-F238E27FC236}">
-                <a16:creationId xmlns:a16="http://schemas.microsoft.com/office/drawing/2014/main" id="{9CC0477B-3C54-AA43-8B44-BB1917D1C14B}"/>
-              </a:ext>
-            </a:extLst>
-          </p:cNvPr>
-          <p:cNvSpPr txBox="1">
-            <a:spLocks/>
-          </p:cNvSpPr>
-          <p:nvPr/>
-        </p:nvSpPr>
-        <p:spPr>
-          <a:xfrm>
-            <a:off x="1863079" y="4067651"/>
-            <a:ext cx="6262238" cy="784800"/>
-          </a:xfrm>
-          <a:prstGeom prst="rect">
-            <a:avLst/>
-          </a:prstGeom>
-          <a:noFill/>
-          <a:ln>
-            <a:noFill/>
-          </a:ln>
-        </p:spPr>
-        <p:txBody>
-          <a:bodyPr spcFirstLastPara="1" wrap="square" lIns="91425" tIns="91425" rIns="91425" bIns="91425" anchor="t" anchorCtr="0">
-            <a:noAutofit/>
-          </a:bodyPr>
-          <a:lstStyle>
-            <a:defPPr marR="0" lvl="0" algn="l" rtl="0">
-              <a:lnSpc>
-                <a:spcPct val="100000"/>
-              </a:lnSpc>
-              <a:spcBef>
-                <a:spcPts val="0"/>
-              </a:spcBef>
-              <a:spcAft>
-                <a:spcPts val="0"/>
-              </a:spcAft>
-            </a:defPPr>
-            <a:lvl1pPr marL="457200" marR="0" lvl="0" indent="-393700" algn="l" rtl="0">
-              <a:lnSpc>
-                <a:spcPct val="100000"/>
-              </a:lnSpc>
-              <a:spcBef>
-                <a:spcPts val="600"/>
-              </a:spcBef>
-              <a:spcAft>
-                <a:spcPts val="0"/>
-              </a:spcAft>
-              <a:buClr>
-                <a:schemeClr val="dk2"/>
-              </a:buClr>
-              <a:buSzPts val="2600"/>
-              <a:buFont typeface="Barlow"/>
-              <a:buChar char="▪"/>
-              <a:defRPr sz="2600" b="0" i="0" u="none" strike="noStrike" cap="none">
-                <a:solidFill>
-                  <a:schemeClr val="dk1"/>
-                </a:solidFill>
-                <a:latin typeface="Barlow"/>
-                <a:ea typeface="Barlow"/>
-                <a:cs typeface="Barlow"/>
-                <a:sym typeface="Barlow"/>
-              </a:defRPr>
-            </a:lvl1pPr>
-            <a:lvl2pPr marL="914400" marR="0" lvl="1" indent="-393700" algn="l" rtl="0">
-              <a:lnSpc>
-                <a:spcPct val="100000"/>
-              </a:lnSpc>
-              <a:spcBef>
-                <a:spcPts val="0"/>
-              </a:spcBef>
-              <a:spcAft>
-                <a:spcPts val="0"/>
-              </a:spcAft>
-              <a:buClr>
-                <a:schemeClr val="dk2"/>
-              </a:buClr>
-              <a:buSzPts val="2600"/>
-              <a:buFont typeface="Barlow"/>
-              <a:buChar char="▫"/>
-              <a:defRPr sz="2600" b="0" i="0" u="none" strike="noStrike" cap="none">
-                <a:solidFill>
-                  <a:schemeClr val="dk1"/>
-                </a:solidFill>
-                <a:latin typeface="Barlow"/>
-                <a:ea typeface="Barlow"/>
-                <a:cs typeface="Barlow"/>
-                <a:sym typeface="Barlow"/>
-              </a:defRPr>
-            </a:lvl2pPr>
-            <a:lvl3pPr marL="1371600" marR="0" lvl="2" indent="-393700" algn="l" rtl="0">
-              <a:lnSpc>
-                <a:spcPct val="100000"/>
-              </a:lnSpc>
-              <a:spcBef>
-                <a:spcPts val="0"/>
-              </a:spcBef>
-              <a:spcAft>
-                <a:spcPts val="0"/>
-              </a:spcAft>
-              <a:buClr>
-                <a:schemeClr val="dk2"/>
-              </a:buClr>
-              <a:buSzPts val="2600"/>
-              <a:buFont typeface="Barlow"/>
-              <a:buChar char="▫"/>
-              <a:defRPr sz="2600" b="0" i="0" u="none" strike="noStrike" cap="none">
-                <a:solidFill>
-                  <a:schemeClr val="dk1"/>
-                </a:solidFill>
-                <a:latin typeface="Barlow"/>
-                <a:ea typeface="Barlow"/>
-                <a:cs typeface="Barlow"/>
-                <a:sym typeface="Barlow"/>
-              </a:defRPr>
-            </a:lvl3pPr>
-            <a:lvl4pPr marL="1828800" marR="0" lvl="3" indent="-393700" algn="l" rtl="0">
-              <a:lnSpc>
-                <a:spcPct val="100000"/>
-              </a:lnSpc>
-              <a:spcBef>
-                <a:spcPts val="0"/>
-              </a:spcBef>
-              <a:spcAft>
-                <a:spcPts val="0"/>
-              </a:spcAft>
-              <a:buClr>
-                <a:schemeClr val="dk1"/>
-              </a:buClr>
-              <a:buSzPts val="2600"/>
-              <a:buFont typeface="Barlow"/>
-              <a:buChar char="▫"/>
-              <a:defRPr sz="2600" b="0" i="0" u="none" strike="noStrike" cap="none">
-                <a:solidFill>
-                  <a:schemeClr val="dk1"/>
-                </a:solidFill>
-                <a:latin typeface="Barlow"/>
-                <a:ea typeface="Barlow"/>
-                <a:cs typeface="Barlow"/>
-                <a:sym typeface="Barlow"/>
-              </a:defRPr>
-            </a:lvl4pPr>
-            <a:lvl5pPr marL="2286000" marR="0" lvl="4" indent="-393700" algn="l" rtl="0">
-              <a:lnSpc>
-                <a:spcPct val="100000"/>
-              </a:lnSpc>
-              <a:spcBef>
-                <a:spcPts val="0"/>
-              </a:spcBef>
-              <a:spcAft>
-                <a:spcPts val="0"/>
-              </a:spcAft>
-              <a:buClr>
-                <a:schemeClr val="dk1"/>
-              </a:buClr>
-              <a:buSzPts val="2600"/>
-              <a:buFont typeface="Barlow"/>
-              <a:buChar char="○"/>
-              <a:defRPr sz="2600" b="0" i="0" u="none" strike="noStrike" cap="none">
-                <a:solidFill>
-                  <a:schemeClr val="dk1"/>
-                </a:solidFill>
-                <a:latin typeface="Barlow"/>
-                <a:ea typeface="Barlow"/>
-                <a:cs typeface="Barlow"/>
-                <a:sym typeface="Barlow"/>
-              </a:defRPr>
-            </a:lvl5pPr>
-            <a:lvl6pPr marL="2743200" marR="0" lvl="5" indent="-393700" algn="l" rtl="0">
-              <a:lnSpc>
-                <a:spcPct val="100000"/>
-              </a:lnSpc>
-              <a:spcBef>
-                <a:spcPts val="0"/>
-              </a:spcBef>
-              <a:spcAft>
-                <a:spcPts val="0"/>
-              </a:spcAft>
-              <a:buClr>
-                <a:schemeClr val="dk1"/>
-              </a:buClr>
-              <a:buSzPts val="2600"/>
-              <a:buFont typeface="Barlow"/>
-              <a:buChar char="■"/>
-              <a:defRPr sz="2600" b="0" i="0" u="none" strike="noStrike" cap="none">
-                <a:solidFill>
-                  <a:schemeClr val="dk1"/>
-                </a:solidFill>
-                <a:latin typeface="Barlow"/>
-                <a:ea typeface="Barlow"/>
-                <a:cs typeface="Barlow"/>
-                <a:sym typeface="Barlow"/>
-              </a:defRPr>
-            </a:lvl6pPr>
-            <a:lvl7pPr marL="3200400" marR="0" lvl="6" indent="-393700" algn="l" rtl="0">
-              <a:lnSpc>
-                <a:spcPct val="100000"/>
-              </a:lnSpc>
-              <a:spcBef>
-                <a:spcPts val="0"/>
-              </a:spcBef>
-              <a:spcAft>
-                <a:spcPts val="0"/>
-              </a:spcAft>
-              <a:buClr>
-                <a:schemeClr val="dk1"/>
-              </a:buClr>
-              <a:buSzPts val="2600"/>
-              <a:buFont typeface="Barlow"/>
-              <a:buChar char="●"/>
-              <a:defRPr sz="2600" b="0" i="0" u="none" strike="noStrike" cap="none">
-                <a:solidFill>
-                  <a:schemeClr val="dk1"/>
-                </a:solidFill>
-                <a:latin typeface="Barlow"/>
-                <a:ea typeface="Barlow"/>
-                <a:cs typeface="Barlow"/>
-                <a:sym typeface="Barlow"/>
-              </a:defRPr>
-            </a:lvl7pPr>
-            <a:lvl8pPr marL="3657600" marR="0" lvl="7" indent="-393700" algn="l" rtl="0">
-              <a:lnSpc>
-                <a:spcPct val="100000"/>
-              </a:lnSpc>
-              <a:spcBef>
-                <a:spcPts val="0"/>
-              </a:spcBef>
-              <a:spcAft>
-                <a:spcPts val="0"/>
-              </a:spcAft>
-              <a:buClr>
-                <a:schemeClr val="dk1"/>
-              </a:buClr>
-              <a:buSzPts val="2600"/>
-              <a:buFont typeface="Barlow"/>
-              <a:buChar char="○"/>
-              <a:defRPr sz="2600" b="0" i="0" u="none" strike="noStrike" cap="none">
-                <a:solidFill>
-                  <a:schemeClr val="dk1"/>
-                </a:solidFill>
-                <a:latin typeface="Barlow"/>
-                <a:ea typeface="Barlow"/>
-                <a:cs typeface="Barlow"/>
-                <a:sym typeface="Barlow"/>
-              </a:defRPr>
-            </a:lvl8pPr>
-            <a:lvl9pPr marL="4114800" marR="0" lvl="8" indent="-393700" algn="l" rtl="0">
-              <a:lnSpc>
-                <a:spcPct val="100000"/>
-              </a:lnSpc>
-              <a:spcBef>
-                <a:spcPts val="0"/>
-              </a:spcBef>
-              <a:spcAft>
-                <a:spcPts val="0"/>
-              </a:spcAft>
-              <a:buClr>
-                <a:schemeClr val="dk1"/>
-              </a:buClr>
-              <a:buSzPts val="2600"/>
-              <a:buFont typeface="Barlow"/>
-              <a:buChar char="■"/>
-              <a:defRPr sz="2600" b="0" i="0" u="none" strike="noStrike" cap="none">
-                <a:solidFill>
-                  <a:schemeClr val="dk1"/>
-                </a:solidFill>
-                <a:latin typeface="Barlow"/>
-                <a:ea typeface="Barlow"/>
-                <a:cs typeface="Barlow"/>
-                <a:sym typeface="Barlow"/>
-              </a:defRPr>
-            </a:lvl9pPr>
-          </a:lstStyle>
-          <a:p>
-            <a:pPr marL="0" indent="0">
-              <a:buFont typeface="Barlow"/>
-              <a:buNone/>
-            </a:pPr>
-            <a:r>
-              <a:rPr lang="en-US" sz="1200" dirty="0"/>
-              <a:t>Findings: In this case, it appears the </a:t>
-            </a:r>
-            <a:r>
-              <a:rPr lang="en-US" sz="1200" dirty="0" err="1"/>
-              <a:t>Weeknd</a:t>
-            </a:r>
-            <a:r>
-              <a:rPr lang="en-US" sz="1200" dirty="0"/>
-              <a:t> and </a:t>
-            </a:r>
-            <a:r>
-              <a:rPr lang="en-US" sz="1200" dirty="0" err="1"/>
-              <a:t>Dua</a:t>
-            </a:r>
-            <a:r>
-              <a:rPr lang="en-US" sz="1200" dirty="0"/>
-              <a:t> Lipa are ranked higher globally (between 10 and 15) than in any continent. Would be worth looking into individual country rankings.</a:t>
-            </a:r>
-          </a:p>
-        </p:txBody>
-      </p:sp>
-      <p:pic>
-        <p:nvPicPr>
-          <p:cNvPr id="4" name="Picture 3">
-            <a:extLst>
-              <a:ext uri="{FF2B5EF4-FFF2-40B4-BE49-F238E27FC236}">
-                <a16:creationId xmlns:a16="http://schemas.microsoft.com/office/drawing/2014/main" id="{FE9928AD-C6DF-A146-ACBD-E7720F4FA1D0}"/>
-              </a:ext>
-            </a:extLst>
-          </p:cNvPr>
-          <p:cNvPicPr>
-            <a:picLocks noChangeAspect="1"/>
-          </p:cNvPicPr>
-          <p:nvPr/>
-        </p:nvPicPr>
-        <p:blipFill>
-          <a:blip r:embed="rId3"/>
-          <a:stretch>
-            <a:fillRect/>
-          </a:stretch>
-        </p:blipFill>
-        <p:spPr>
-          <a:xfrm>
-            <a:off x="1757495" y="1680219"/>
-            <a:ext cx="3392151" cy="2261434"/>
-          </a:xfrm>
-          <a:prstGeom prst="rect">
-            <a:avLst/>
-          </a:prstGeom>
-        </p:spPr>
-      </p:pic>
-      <p:pic>
-        <p:nvPicPr>
-          <p:cNvPr id="6" name="Picture 5">
-            <a:extLst>
-              <a:ext uri="{FF2B5EF4-FFF2-40B4-BE49-F238E27FC236}">
-                <a16:creationId xmlns:a16="http://schemas.microsoft.com/office/drawing/2014/main" id="{E2ABC107-5CD9-FF4E-B9C9-6C5E866EBC24}"/>
-              </a:ext>
-            </a:extLst>
-          </p:cNvPr>
-          <p:cNvPicPr>
-            <a:picLocks noChangeAspect="1"/>
-          </p:cNvPicPr>
-          <p:nvPr/>
-        </p:nvPicPr>
-        <p:blipFill>
-          <a:blip r:embed="rId4"/>
-          <a:stretch>
-            <a:fillRect/>
-          </a:stretch>
-        </p:blipFill>
-        <p:spPr>
-          <a:xfrm>
-            <a:off x="4994198" y="1615939"/>
-            <a:ext cx="3488571" cy="2325714"/>
-          </a:xfrm>
-          <a:prstGeom prst="rect">
-            <a:avLst/>
-          </a:prstGeom>
-        </p:spPr>
-      </p:pic>
-    </p:spTree>
-    <p:extLst>
-      <p:ext uri="{BB962C8B-B14F-4D97-AF65-F5344CB8AC3E}">
-        <p14:creationId xmlns:p14="http://schemas.microsoft.com/office/powerpoint/2010/main" val="740914145"/>
       </p:ext>
     </p:extLst>
   </p:cSld>
@@ -8683,6 +8657,798 @@
         </p:nvSpPr>
         <p:spPr>
           <a:xfrm>
+            <a:off x="1863079" y="4067651"/>
+            <a:ext cx="6262238" cy="784800"/>
+          </a:xfrm>
+          <a:prstGeom prst="rect">
+            <a:avLst/>
+          </a:prstGeom>
+          <a:noFill/>
+          <a:ln>
+            <a:noFill/>
+          </a:ln>
+        </p:spPr>
+        <p:txBody>
+          <a:bodyPr spcFirstLastPara="1" wrap="square" lIns="91425" tIns="91425" rIns="91425" bIns="91425" anchor="t" anchorCtr="0">
+            <a:noAutofit/>
+          </a:bodyPr>
+          <a:lstStyle>
+            <a:defPPr marR="0" lvl="0" algn="l" rtl="0">
+              <a:lnSpc>
+                <a:spcPct val="100000"/>
+              </a:lnSpc>
+              <a:spcBef>
+                <a:spcPts val="0"/>
+              </a:spcBef>
+              <a:spcAft>
+                <a:spcPts val="0"/>
+              </a:spcAft>
+            </a:defPPr>
+            <a:lvl1pPr marL="457200" marR="0" lvl="0" indent="-393700" algn="l" rtl="0">
+              <a:lnSpc>
+                <a:spcPct val="100000"/>
+              </a:lnSpc>
+              <a:spcBef>
+                <a:spcPts val="600"/>
+              </a:spcBef>
+              <a:spcAft>
+                <a:spcPts val="0"/>
+              </a:spcAft>
+              <a:buClr>
+                <a:schemeClr val="dk2"/>
+              </a:buClr>
+              <a:buSzPts val="2600"/>
+              <a:buFont typeface="Barlow"/>
+              <a:buChar char="▪"/>
+              <a:defRPr sz="2600" b="0" i="0" u="none" strike="noStrike" cap="none">
+                <a:solidFill>
+                  <a:schemeClr val="dk1"/>
+                </a:solidFill>
+                <a:latin typeface="Barlow"/>
+                <a:ea typeface="Barlow"/>
+                <a:cs typeface="Barlow"/>
+                <a:sym typeface="Barlow"/>
+              </a:defRPr>
+            </a:lvl1pPr>
+            <a:lvl2pPr marL="914400" marR="0" lvl="1" indent="-393700" algn="l" rtl="0">
+              <a:lnSpc>
+                <a:spcPct val="100000"/>
+              </a:lnSpc>
+              <a:spcBef>
+                <a:spcPts val="0"/>
+              </a:spcBef>
+              <a:spcAft>
+                <a:spcPts val="0"/>
+              </a:spcAft>
+              <a:buClr>
+                <a:schemeClr val="dk2"/>
+              </a:buClr>
+              <a:buSzPts val="2600"/>
+              <a:buFont typeface="Barlow"/>
+              <a:buChar char="▫"/>
+              <a:defRPr sz="2600" b="0" i="0" u="none" strike="noStrike" cap="none">
+                <a:solidFill>
+                  <a:schemeClr val="dk1"/>
+                </a:solidFill>
+                <a:latin typeface="Barlow"/>
+                <a:ea typeface="Barlow"/>
+                <a:cs typeface="Barlow"/>
+                <a:sym typeface="Barlow"/>
+              </a:defRPr>
+            </a:lvl2pPr>
+            <a:lvl3pPr marL="1371600" marR="0" lvl="2" indent="-393700" algn="l" rtl="0">
+              <a:lnSpc>
+                <a:spcPct val="100000"/>
+              </a:lnSpc>
+              <a:spcBef>
+                <a:spcPts val="0"/>
+              </a:spcBef>
+              <a:spcAft>
+                <a:spcPts val="0"/>
+              </a:spcAft>
+              <a:buClr>
+                <a:schemeClr val="dk2"/>
+              </a:buClr>
+              <a:buSzPts val="2600"/>
+              <a:buFont typeface="Barlow"/>
+              <a:buChar char="▫"/>
+              <a:defRPr sz="2600" b="0" i="0" u="none" strike="noStrike" cap="none">
+                <a:solidFill>
+                  <a:schemeClr val="dk1"/>
+                </a:solidFill>
+                <a:latin typeface="Barlow"/>
+                <a:ea typeface="Barlow"/>
+                <a:cs typeface="Barlow"/>
+                <a:sym typeface="Barlow"/>
+              </a:defRPr>
+            </a:lvl3pPr>
+            <a:lvl4pPr marL="1828800" marR="0" lvl="3" indent="-393700" algn="l" rtl="0">
+              <a:lnSpc>
+                <a:spcPct val="100000"/>
+              </a:lnSpc>
+              <a:spcBef>
+                <a:spcPts val="0"/>
+              </a:spcBef>
+              <a:spcAft>
+                <a:spcPts val="0"/>
+              </a:spcAft>
+              <a:buClr>
+                <a:schemeClr val="dk1"/>
+              </a:buClr>
+              <a:buSzPts val="2600"/>
+              <a:buFont typeface="Barlow"/>
+              <a:buChar char="▫"/>
+              <a:defRPr sz="2600" b="0" i="0" u="none" strike="noStrike" cap="none">
+                <a:solidFill>
+                  <a:schemeClr val="dk1"/>
+                </a:solidFill>
+                <a:latin typeface="Barlow"/>
+                <a:ea typeface="Barlow"/>
+                <a:cs typeface="Barlow"/>
+                <a:sym typeface="Barlow"/>
+              </a:defRPr>
+            </a:lvl4pPr>
+            <a:lvl5pPr marL="2286000" marR="0" lvl="4" indent="-393700" algn="l" rtl="0">
+              <a:lnSpc>
+                <a:spcPct val="100000"/>
+              </a:lnSpc>
+              <a:spcBef>
+                <a:spcPts val="0"/>
+              </a:spcBef>
+              <a:spcAft>
+                <a:spcPts val="0"/>
+              </a:spcAft>
+              <a:buClr>
+                <a:schemeClr val="dk1"/>
+              </a:buClr>
+              <a:buSzPts val="2600"/>
+              <a:buFont typeface="Barlow"/>
+              <a:buChar char="○"/>
+              <a:defRPr sz="2600" b="0" i="0" u="none" strike="noStrike" cap="none">
+                <a:solidFill>
+                  <a:schemeClr val="dk1"/>
+                </a:solidFill>
+                <a:latin typeface="Barlow"/>
+                <a:ea typeface="Barlow"/>
+                <a:cs typeface="Barlow"/>
+                <a:sym typeface="Barlow"/>
+              </a:defRPr>
+            </a:lvl5pPr>
+            <a:lvl6pPr marL="2743200" marR="0" lvl="5" indent="-393700" algn="l" rtl="0">
+              <a:lnSpc>
+                <a:spcPct val="100000"/>
+              </a:lnSpc>
+              <a:spcBef>
+                <a:spcPts val="0"/>
+              </a:spcBef>
+              <a:spcAft>
+                <a:spcPts val="0"/>
+              </a:spcAft>
+              <a:buClr>
+                <a:schemeClr val="dk1"/>
+              </a:buClr>
+              <a:buSzPts val="2600"/>
+              <a:buFont typeface="Barlow"/>
+              <a:buChar char="■"/>
+              <a:defRPr sz="2600" b="0" i="0" u="none" strike="noStrike" cap="none">
+                <a:solidFill>
+                  <a:schemeClr val="dk1"/>
+                </a:solidFill>
+                <a:latin typeface="Barlow"/>
+                <a:ea typeface="Barlow"/>
+                <a:cs typeface="Barlow"/>
+                <a:sym typeface="Barlow"/>
+              </a:defRPr>
+            </a:lvl6pPr>
+            <a:lvl7pPr marL="3200400" marR="0" lvl="6" indent="-393700" algn="l" rtl="0">
+              <a:lnSpc>
+                <a:spcPct val="100000"/>
+              </a:lnSpc>
+              <a:spcBef>
+                <a:spcPts val="0"/>
+              </a:spcBef>
+              <a:spcAft>
+                <a:spcPts val="0"/>
+              </a:spcAft>
+              <a:buClr>
+                <a:schemeClr val="dk1"/>
+              </a:buClr>
+              <a:buSzPts val="2600"/>
+              <a:buFont typeface="Barlow"/>
+              <a:buChar char="●"/>
+              <a:defRPr sz="2600" b="0" i="0" u="none" strike="noStrike" cap="none">
+                <a:solidFill>
+                  <a:schemeClr val="dk1"/>
+                </a:solidFill>
+                <a:latin typeface="Barlow"/>
+                <a:ea typeface="Barlow"/>
+                <a:cs typeface="Barlow"/>
+                <a:sym typeface="Barlow"/>
+              </a:defRPr>
+            </a:lvl7pPr>
+            <a:lvl8pPr marL="3657600" marR="0" lvl="7" indent="-393700" algn="l" rtl="0">
+              <a:lnSpc>
+                <a:spcPct val="100000"/>
+              </a:lnSpc>
+              <a:spcBef>
+                <a:spcPts val="0"/>
+              </a:spcBef>
+              <a:spcAft>
+                <a:spcPts val="0"/>
+              </a:spcAft>
+              <a:buClr>
+                <a:schemeClr val="dk1"/>
+              </a:buClr>
+              <a:buSzPts val="2600"/>
+              <a:buFont typeface="Barlow"/>
+              <a:buChar char="○"/>
+              <a:defRPr sz="2600" b="0" i="0" u="none" strike="noStrike" cap="none">
+                <a:solidFill>
+                  <a:schemeClr val="dk1"/>
+                </a:solidFill>
+                <a:latin typeface="Barlow"/>
+                <a:ea typeface="Barlow"/>
+                <a:cs typeface="Barlow"/>
+                <a:sym typeface="Barlow"/>
+              </a:defRPr>
+            </a:lvl8pPr>
+            <a:lvl9pPr marL="4114800" marR="0" lvl="8" indent="-393700" algn="l" rtl="0">
+              <a:lnSpc>
+                <a:spcPct val="100000"/>
+              </a:lnSpc>
+              <a:spcBef>
+                <a:spcPts val="0"/>
+              </a:spcBef>
+              <a:spcAft>
+                <a:spcPts val="0"/>
+              </a:spcAft>
+              <a:buClr>
+                <a:schemeClr val="dk1"/>
+              </a:buClr>
+              <a:buSzPts val="2600"/>
+              <a:buFont typeface="Barlow"/>
+              <a:buChar char="■"/>
+              <a:defRPr sz="2600" b="0" i="0" u="none" strike="noStrike" cap="none">
+                <a:solidFill>
+                  <a:schemeClr val="dk1"/>
+                </a:solidFill>
+                <a:latin typeface="Barlow"/>
+                <a:ea typeface="Barlow"/>
+                <a:cs typeface="Barlow"/>
+                <a:sym typeface="Barlow"/>
+              </a:defRPr>
+            </a:lvl9pPr>
+          </a:lstStyle>
+          <a:p>
+            <a:pPr marL="0" indent="0">
+              <a:buFont typeface="Barlow"/>
+              <a:buNone/>
+            </a:pPr>
+            <a:r>
+              <a:rPr lang="en-US" sz="1200" dirty="0"/>
+              <a:t>Findings: In this case, it appears the </a:t>
+            </a:r>
+            <a:r>
+              <a:rPr lang="en-US" sz="1200" dirty="0" err="1"/>
+              <a:t>Weeknd</a:t>
+            </a:r>
+            <a:r>
+              <a:rPr lang="en-US" sz="1200" dirty="0"/>
+              <a:t> and </a:t>
+            </a:r>
+            <a:r>
+              <a:rPr lang="en-US" sz="1200" dirty="0" err="1"/>
+              <a:t>Dua</a:t>
+            </a:r>
+            <a:r>
+              <a:rPr lang="en-US" sz="1200" dirty="0"/>
+              <a:t> Lipa are ranked higher globally (between 10 and 15) than in any continent. Would be worth looking into individual country rankings.</a:t>
+            </a:r>
+          </a:p>
+        </p:txBody>
+      </p:sp>
+      <p:pic>
+        <p:nvPicPr>
+          <p:cNvPr id="4" name="Picture 3">
+            <a:extLst>
+              <a:ext uri="{FF2B5EF4-FFF2-40B4-BE49-F238E27FC236}">
+                <a16:creationId xmlns:a16="http://schemas.microsoft.com/office/drawing/2014/main" id="{FE9928AD-C6DF-A146-ACBD-E7720F4FA1D0}"/>
+              </a:ext>
+            </a:extLst>
+          </p:cNvPr>
+          <p:cNvPicPr>
+            <a:picLocks noChangeAspect="1"/>
+          </p:cNvPicPr>
+          <p:nvPr/>
+        </p:nvPicPr>
+        <p:blipFill>
+          <a:blip r:embed="rId3"/>
+          <a:stretch>
+            <a:fillRect/>
+          </a:stretch>
+        </p:blipFill>
+        <p:spPr>
+          <a:xfrm>
+            <a:off x="1757495" y="1680219"/>
+            <a:ext cx="3392151" cy="2261434"/>
+          </a:xfrm>
+          <a:prstGeom prst="rect">
+            <a:avLst/>
+          </a:prstGeom>
+        </p:spPr>
+      </p:pic>
+      <p:pic>
+        <p:nvPicPr>
+          <p:cNvPr id="6" name="Picture 5">
+            <a:extLst>
+              <a:ext uri="{FF2B5EF4-FFF2-40B4-BE49-F238E27FC236}">
+                <a16:creationId xmlns:a16="http://schemas.microsoft.com/office/drawing/2014/main" id="{E2ABC107-5CD9-FF4E-B9C9-6C5E866EBC24}"/>
+              </a:ext>
+            </a:extLst>
+          </p:cNvPr>
+          <p:cNvPicPr>
+            <a:picLocks noChangeAspect="1"/>
+          </p:cNvPicPr>
+          <p:nvPr/>
+        </p:nvPicPr>
+        <p:blipFill>
+          <a:blip r:embed="rId4"/>
+          <a:stretch>
+            <a:fillRect/>
+          </a:stretch>
+        </p:blipFill>
+        <p:spPr>
+          <a:xfrm>
+            <a:off x="4994198" y="1615939"/>
+            <a:ext cx="3488571" cy="2325714"/>
+          </a:xfrm>
+          <a:prstGeom prst="rect">
+            <a:avLst/>
+          </a:prstGeom>
+        </p:spPr>
+      </p:pic>
+    </p:spTree>
+    <p:extLst>
+      <p:ext uri="{BB962C8B-B14F-4D97-AF65-F5344CB8AC3E}">
+        <p14:creationId xmlns:p14="http://schemas.microsoft.com/office/powerpoint/2010/main" val="740914145"/>
+      </p:ext>
+    </p:extLst>
+  </p:cSld>
+  <p:clrMapOvr>
+    <a:masterClrMapping/>
+  </p:clrMapOvr>
+</p:sld>
+</file>
+
+<file path=ppt/slides/slide14.xml><?xml version="1.0" encoding="utf-8"?>
+<p:sld xmlns:a="http://schemas.openxmlformats.org/drawingml/2006/main" xmlns:r="http://schemas.openxmlformats.org/officeDocument/2006/relationships" xmlns:p="http://schemas.openxmlformats.org/presentationml/2006/main">
+  <p:cSld>
+    <p:spTree>
+      <p:nvGrpSpPr>
+        <p:cNvPr id="1" name="Shape 140"/>
+        <p:cNvGrpSpPr/>
+        <p:nvPr/>
+      </p:nvGrpSpPr>
+      <p:grpSpPr>
+        <a:xfrm>
+          <a:off x="0" y="0"/>
+          <a:ext cx="0" cy="0"/>
+          <a:chOff x="0" y="0"/>
+          <a:chExt cx="0" cy="0"/>
+        </a:xfrm>
+      </p:grpSpPr>
+      <p:sp>
+        <p:nvSpPr>
+          <p:cNvPr id="141" name="Google Shape;141;p20"/>
+          <p:cNvSpPr txBox="1">
+            <a:spLocks noGrp="1"/>
+          </p:cNvSpPr>
+          <p:nvPr>
+            <p:ph type="ctrTitle" idx="4294967295"/>
+          </p:nvPr>
+        </p:nvSpPr>
+        <p:spPr>
+          <a:xfrm>
+            <a:off x="1751976" y="291049"/>
+            <a:ext cx="6669647" cy="1159800"/>
+          </a:xfrm>
+          <a:prstGeom prst="rect">
+            <a:avLst/>
+          </a:prstGeom>
+        </p:spPr>
+        <p:txBody>
+          <a:bodyPr spcFirstLastPara="1" wrap="square" lIns="91425" tIns="91425" rIns="91425" bIns="91425" anchor="ctr" anchorCtr="0">
+            <a:noAutofit/>
+          </a:bodyPr>
+          <a:lstStyle/>
+          <a:p>
+            <a:r>
+              <a:rPr lang="en-US" dirty="0">
+                <a:solidFill>
+                  <a:srgbClr val="FFC000"/>
+                </a:solidFill>
+              </a:rPr>
+              <a:t>Question 3: How does </a:t>
+            </a:r>
+            <a:r>
+              <a:rPr lang="en-US">
+                <a:solidFill>
+                  <a:srgbClr val="FFC000"/>
+                </a:solidFill>
+              </a:rPr>
+              <a:t>top artists’ </a:t>
+            </a:r>
+            <a:r>
+              <a:rPr lang="en-US" dirty="0">
+                <a:solidFill>
+                  <a:srgbClr val="FFC000"/>
+                </a:solidFill>
+              </a:rPr>
+              <a:t>rank across continents compare to their global rank?</a:t>
+            </a:r>
+            <a:br>
+              <a:rPr lang="en-US" dirty="0">
+                <a:solidFill>
+                  <a:srgbClr val="FFC000"/>
+                </a:solidFill>
+              </a:rPr>
+            </a:br>
+            <a:endParaRPr dirty="0">
+              <a:solidFill>
+                <a:srgbClr val="FFC000"/>
+              </a:solidFill>
+            </a:endParaRPr>
+          </a:p>
+        </p:txBody>
+      </p:sp>
+      <p:sp>
+        <p:nvSpPr>
+          <p:cNvPr id="156" name="Google Shape;156;p20"/>
+          <p:cNvSpPr txBox="1">
+            <a:spLocks noGrp="1"/>
+          </p:cNvSpPr>
+          <p:nvPr>
+            <p:ph type="sldNum" idx="12"/>
+          </p:nvPr>
+        </p:nvSpPr>
+        <p:spPr>
+          <a:xfrm>
+            <a:off x="8750400" y="4356225"/>
+            <a:ext cx="393600" cy="393600"/>
+          </a:xfrm>
+          <a:prstGeom prst="rect">
+            <a:avLst/>
+          </a:prstGeom>
+        </p:spPr>
+        <p:txBody>
+          <a:bodyPr spcFirstLastPara="1" wrap="square" lIns="91425" tIns="91425" rIns="91425" bIns="91425" anchor="ctr" anchorCtr="0">
+            <a:noAutofit/>
+          </a:bodyPr>
+          <a:lstStyle/>
+          <a:p>
+            <a:pPr marL="0" lvl="0" indent="0" algn="ctr" rtl="0">
+              <a:spcBef>
+                <a:spcPts val="0"/>
+              </a:spcBef>
+              <a:spcAft>
+                <a:spcPts val="0"/>
+              </a:spcAft>
+              <a:buNone/>
+            </a:pPr>
+            <a:fld id="{00000000-1234-1234-1234-123412341234}" type="slidenum">
+              <a:rPr lang="en"/>
+              <a:t>14</a:t>
+            </a:fld>
+            <a:endParaRPr/>
+          </a:p>
+        </p:txBody>
+      </p:sp>
+      <p:sp>
+        <p:nvSpPr>
+          <p:cNvPr id="7" name="Google Shape;142;p20">
+            <a:extLst>
+              <a:ext uri="{FF2B5EF4-FFF2-40B4-BE49-F238E27FC236}">
+                <a16:creationId xmlns:a16="http://schemas.microsoft.com/office/drawing/2014/main" id="{684823B4-115E-6A4C-8048-2C757DD816BF}"/>
+              </a:ext>
+            </a:extLst>
+          </p:cNvPr>
+          <p:cNvSpPr txBox="1">
+            <a:spLocks/>
+          </p:cNvSpPr>
+          <p:nvPr/>
+        </p:nvSpPr>
+        <p:spPr>
+          <a:xfrm>
+            <a:off x="1751977" y="993210"/>
+            <a:ext cx="6795338" cy="784800"/>
+          </a:xfrm>
+          <a:prstGeom prst="rect">
+            <a:avLst/>
+          </a:prstGeom>
+          <a:noFill/>
+          <a:ln>
+            <a:noFill/>
+          </a:ln>
+        </p:spPr>
+        <p:txBody>
+          <a:bodyPr spcFirstLastPara="1" wrap="square" lIns="91425" tIns="91425" rIns="91425" bIns="91425" anchor="t" anchorCtr="0">
+            <a:noAutofit/>
+          </a:bodyPr>
+          <a:lstStyle>
+            <a:defPPr marR="0" lvl="0" algn="l" rtl="0">
+              <a:lnSpc>
+                <a:spcPct val="100000"/>
+              </a:lnSpc>
+              <a:spcBef>
+                <a:spcPts val="0"/>
+              </a:spcBef>
+              <a:spcAft>
+                <a:spcPts val="0"/>
+              </a:spcAft>
+            </a:defPPr>
+            <a:lvl1pPr marL="457200" marR="0" lvl="0" indent="-393700" algn="l" rtl="0">
+              <a:lnSpc>
+                <a:spcPct val="100000"/>
+              </a:lnSpc>
+              <a:spcBef>
+                <a:spcPts val="600"/>
+              </a:spcBef>
+              <a:spcAft>
+                <a:spcPts val="0"/>
+              </a:spcAft>
+              <a:buClr>
+                <a:schemeClr val="dk2"/>
+              </a:buClr>
+              <a:buSzPts val="2600"/>
+              <a:buFont typeface="Barlow"/>
+              <a:buChar char="▪"/>
+              <a:defRPr sz="2600" b="0" i="0" u="none" strike="noStrike" cap="none">
+                <a:solidFill>
+                  <a:schemeClr val="dk1"/>
+                </a:solidFill>
+                <a:latin typeface="Barlow"/>
+                <a:ea typeface="Barlow"/>
+                <a:cs typeface="Barlow"/>
+                <a:sym typeface="Barlow"/>
+              </a:defRPr>
+            </a:lvl1pPr>
+            <a:lvl2pPr marL="914400" marR="0" lvl="1" indent="-393700" algn="l" rtl="0">
+              <a:lnSpc>
+                <a:spcPct val="100000"/>
+              </a:lnSpc>
+              <a:spcBef>
+                <a:spcPts val="0"/>
+              </a:spcBef>
+              <a:spcAft>
+                <a:spcPts val="0"/>
+              </a:spcAft>
+              <a:buClr>
+                <a:schemeClr val="dk2"/>
+              </a:buClr>
+              <a:buSzPts val="2600"/>
+              <a:buFont typeface="Barlow"/>
+              <a:buChar char="▫"/>
+              <a:defRPr sz="2600" b="0" i="0" u="none" strike="noStrike" cap="none">
+                <a:solidFill>
+                  <a:schemeClr val="dk1"/>
+                </a:solidFill>
+                <a:latin typeface="Barlow"/>
+                <a:ea typeface="Barlow"/>
+                <a:cs typeface="Barlow"/>
+                <a:sym typeface="Barlow"/>
+              </a:defRPr>
+            </a:lvl2pPr>
+            <a:lvl3pPr marL="1371600" marR="0" lvl="2" indent="-393700" algn="l" rtl="0">
+              <a:lnSpc>
+                <a:spcPct val="100000"/>
+              </a:lnSpc>
+              <a:spcBef>
+                <a:spcPts val="0"/>
+              </a:spcBef>
+              <a:spcAft>
+                <a:spcPts val="0"/>
+              </a:spcAft>
+              <a:buClr>
+                <a:schemeClr val="dk2"/>
+              </a:buClr>
+              <a:buSzPts val="2600"/>
+              <a:buFont typeface="Barlow"/>
+              <a:buChar char="▫"/>
+              <a:defRPr sz="2600" b="0" i="0" u="none" strike="noStrike" cap="none">
+                <a:solidFill>
+                  <a:schemeClr val="dk1"/>
+                </a:solidFill>
+                <a:latin typeface="Barlow"/>
+                <a:ea typeface="Barlow"/>
+                <a:cs typeface="Barlow"/>
+                <a:sym typeface="Barlow"/>
+              </a:defRPr>
+            </a:lvl3pPr>
+            <a:lvl4pPr marL="1828800" marR="0" lvl="3" indent="-393700" algn="l" rtl="0">
+              <a:lnSpc>
+                <a:spcPct val="100000"/>
+              </a:lnSpc>
+              <a:spcBef>
+                <a:spcPts val="0"/>
+              </a:spcBef>
+              <a:spcAft>
+                <a:spcPts val="0"/>
+              </a:spcAft>
+              <a:buClr>
+                <a:schemeClr val="dk1"/>
+              </a:buClr>
+              <a:buSzPts val="2600"/>
+              <a:buFont typeface="Barlow"/>
+              <a:buChar char="▫"/>
+              <a:defRPr sz="2600" b="0" i="0" u="none" strike="noStrike" cap="none">
+                <a:solidFill>
+                  <a:schemeClr val="dk1"/>
+                </a:solidFill>
+                <a:latin typeface="Barlow"/>
+                <a:ea typeface="Barlow"/>
+                <a:cs typeface="Barlow"/>
+                <a:sym typeface="Barlow"/>
+              </a:defRPr>
+            </a:lvl4pPr>
+            <a:lvl5pPr marL="2286000" marR="0" lvl="4" indent="-393700" algn="l" rtl="0">
+              <a:lnSpc>
+                <a:spcPct val="100000"/>
+              </a:lnSpc>
+              <a:spcBef>
+                <a:spcPts val="0"/>
+              </a:spcBef>
+              <a:spcAft>
+                <a:spcPts val="0"/>
+              </a:spcAft>
+              <a:buClr>
+                <a:schemeClr val="dk1"/>
+              </a:buClr>
+              <a:buSzPts val="2600"/>
+              <a:buFont typeface="Barlow"/>
+              <a:buChar char="○"/>
+              <a:defRPr sz="2600" b="0" i="0" u="none" strike="noStrike" cap="none">
+                <a:solidFill>
+                  <a:schemeClr val="dk1"/>
+                </a:solidFill>
+                <a:latin typeface="Barlow"/>
+                <a:ea typeface="Barlow"/>
+                <a:cs typeface="Barlow"/>
+                <a:sym typeface="Barlow"/>
+              </a:defRPr>
+            </a:lvl5pPr>
+            <a:lvl6pPr marL="2743200" marR="0" lvl="5" indent="-393700" algn="l" rtl="0">
+              <a:lnSpc>
+                <a:spcPct val="100000"/>
+              </a:lnSpc>
+              <a:spcBef>
+                <a:spcPts val="0"/>
+              </a:spcBef>
+              <a:spcAft>
+                <a:spcPts val="0"/>
+              </a:spcAft>
+              <a:buClr>
+                <a:schemeClr val="dk1"/>
+              </a:buClr>
+              <a:buSzPts val="2600"/>
+              <a:buFont typeface="Barlow"/>
+              <a:buChar char="■"/>
+              <a:defRPr sz="2600" b="0" i="0" u="none" strike="noStrike" cap="none">
+                <a:solidFill>
+                  <a:schemeClr val="dk1"/>
+                </a:solidFill>
+                <a:latin typeface="Barlow"/>
+                <a:ea typeface="Barlow"/>
+                <a:cs typeface="Barlow"/>
+                <a:sym typeface="Barlow"/>
+              </a:defRPr>
+            </a:lvl6pPr>
+            <a:lvl7pPr marL="3200400" marR="0" lvl="6" indent="-393700" algn="l" rtl="0">
+              <a:lnSpc>
+                <a:spcPct val="100000"/>
+              </a:lnSpc>
+              <a:spcBef>
+                <a:spcPts val="0"/>
+              </a:spcBef>
+              <a:spcAft>
+                <a:spcPts val="0"/>
+              </a:spcAft>
+              <a:buClr>
+                <a:schemeClr val="dk1"/>
+              </a:buClr>
+              <a:buSzPts val="2600"/>
+              <a:buFont typeface="Barlow"/>
+              <a:buChar char="●"/>
+              <a:defRPr sz="2600" b="0" i="0" u="none" strike="noStrike" cap="none">
+                <a:solidFill>
+                  <a:schemeClr val="dk1"/>
+                </a:solidFill>
+                <a:latin typeface="Barlow"/>
+                <a:ea typeface="Barlow"/>
+                <a:cs typeface="Barlow"/>
+                <a:sym typeface="Barlow"/>
+              </a:defRPr>
+            </a:lvl7pPr>
+            <a:lvl8pPr marL="3657600" marR="0" lvl="7" indent="-393700" algn="l" rtl="0">
+              <a:lnSpc>
+                <a:spcPct val="100000"/>
+              </a:lnSpc>
+              <a:spcBef>
+                <a:spcPts val="0"/>
+              </a:spcBef>
+              <a:spcAft>
+                <a:spcPts val="0"/>
+              </a:spcAft>
+              <a:buClr>
+                <a:schemeClr val="dk1"/>
+              </a:buClr>
+              <a:buSzPts val="2600"/>
+              <a:buFont typeface="Barlow"/>
+              <a:buChar char="○"/>
+              <a:defRPr sz="2600" b="0" i="0" u="none" strike="noStrike" cap="none">
+                <a:solidFill>
+                  <a:schemeClr val="dk1"/>
+                </a:solidFill>
+                <a:latin typeface="Barlow"/>
+                <a:ea typeface="Barlow"/>
+                <a:cs typeface="Barlow"/>
+                <a:sym typeface="Barlow"/>
+              </a:defRPr>
+            </a:lvl8pPr>
+            <a:lvl9pPr marL="4114800" marR="0" lvl="8" indent="-393700" algn="l" rtl="0">
+              <a:lnSpc>
+                <a:spcPct val="100000"/>
+              </a:lnSpc>
+              <a:spcBef>
+                <a:spcPts val="0"/>
+              </a:spcBef>
+              <a:spcAft>
+                <a:spcPts val="0"/>
+              </a:spcAft>
+              <a:buClr>
+                <a:schemeClr val="dk1"/>
+              </a:buClr>
+              <a:buSzPts val="2600"/>
+              <a:buFont typeface="Barlow"/>
+              <a:buChar char="■"/>
+              <a:defRPr sz="2600" b="0" i="0" u="none" strike="noStrike" cap="none">
+                <a:solidFill>
+                  <a:schemeClr val="dk1"/>
+                </a:solidFill>
+                <a:latin typeface="Barlow"/>
+                <a:ea typeface="Barlow"/>
+                <a:cs typeface="Barlow"/>
+                <a:sym typeface="Barlow"/>
+              </a:defRPr>
+            </a:lvl9pPr>
+          </a:lstStyle>
+          <a:p>
+            <a:pPr marL="0" indent="0">
+              <a:buFont typeface="Barlow"/>
+              <a:buNone/>
+            </a:pPr>
+            <a:r>
+              <a:rPr lang="en-US" sz="1200" dirty="0"/>
+              <a:t>Looked at the top 10 artists ‘ ranks in each continent in which they are ranked compared to how they are ranked globally.</a:t>
+            </a:r>
+          </a:p>
+        </p:txBody>
+      </p:sp>
+      <p:sp>
+        <p:nvSpPr>
+          <p:cNvPr id="8" name="Google Shape;142;p20">
+            <a:extLst>
+              <a:ext uri="{FF2B5EF4-FFF2-40B4-BE49-F238E27FC236}">
+                <a16:creationId xmlns:a16="http://schemas.microsoft.com/office/drawing/2014/main" id="{9CC0477B-3C54-AA43-8B44-BB1917D1C14B}"/>
+              </a:ext>
+            </a:extLst>
+          </p:cNvPr>
+          <p:cNvSpPr txBox="1">
+            <a:spLocks/>
+          </p:cNvSpPr>
+          <p:nvPr/>
+        </p:nvSpPr>
+        <p:spPr>
+          <a:xfrm>
             <a:off x="1863079" y="3963825"/>
             <a:ext cx="6262238" cy="784800"/>
           </a:xfrm>
@@ -9000,7 +9766,7 @@
 </p:sld>
 </file>
 
-<file path=ppt/slides/slide14.xml><?xml version="1.0" encoding="utf-8"?>
+<file path=ppt/slides/slide15.xml><?xml version="1.0" encoding="utf-8"?>
 <p:sld xmlns:a="http://schemas.openxmlformats.org/drawingml/2006/main" xmlns:r="http://schemas.openxmlformats.org/officeDocument/2006/relationships" xmlns:p="http://schemas.openxmlformats.org/presentationml/2006/main">
   <p:cSld>
     <p:spTree>
@@ -9072,7 +9838,7 @@
 </p:sld>
 </file>
 
-<file path=ppt/slides/slide15.xml><?xml version="1.0" encoding="utf-8"?>
+<file path=ppt/slides/slide16.xml><?xml version="1.0" encoding="utf-8"?>
 <p:sld xmlns:a="http://schemas.openxmlformats.org/drawingml/2006/main" xmlns:r="http://schemas.openxmlformats.org/officeDocument/2006/relationships" xmlns:p="http://schemas.openxmlformats.org/presentationml/2006/main">
   <p:cSld>
     <p:spTree>
@@ -9236,7 +10002,7 @@
             </a:pPr>
             <a:fld id="{00000000-1234-1234-1234-123412341234}" type="slidenum">
               <a:rPr lang="en"/>
-              <a:t>15</a:t>
+              <a:t>16</a:t>
             </a:fld>
             <a:endParaRPr/>
           </a:p>
@@ -9929,7 +10695,7 @@
 </p:sld>
 </file>
 
-<file path=ppt/slides/slide16.xml><?xml version="1.0" encoding="utf-8"?>
+<file path=ppt/slides/slide17.xml><?xml version="1.0" encoding="utf-8"?>
 <p:sld xmlns:a="http://schemas.openxmlformats.org/drawingml/2006/main" xmlns:r="http://schemas.openxmlformats.org/officeDocument/2006/relationships" xmlns:p="http://schemas.openxmlformats.org/presentationml/2006/main">
   <p:cSld>
     <p:spTree>
@@ -9982,7 +10748,7 @@
             </a:pPr>
             <a:r>
               <a:rPr lang="en" dirty="0"/>
-              <a:t>Challenges and Next Steps</a:t>
+              <a:t>Challenges</a:t>
             </a:r>
             <a:endParaRPr dirty="0"/>
           </a:p>
@@ -10013,21 +10779,6 @@
           </a:bodyPr>
           <a:lstStyle/>
           <a:p>
-            <a:pPr marL="0" lvl="0" indent="0" algn="l" rtl="0">
-              <a:spcBef>
-                <a:spcPts val="600"/>
-              </a:spcBef>
-              <a:spcAft>
-                <a:spcPts val="0"/>
-              </a:spcAft>
-              <a:buNone/>
-            </a:pPr>
-            <a:r>
-              <a:rPr lang="en-US" sz="1800" dirty="0"/>
-              <a:t>List difficulties:</a:t>
-            </a:r>
-          </a:p>
-          <a:p>
             <a:pPr marL="285750" indent="-285750"/>
             <a:r>
               <a:rPr lang="en-US" sz="1800" dirty="0"/>
@@ -10040,35 +10791,6 @@
             <a:r>
               <a:rPr lang="en-US" sz="1800" dirty="0"/>
               <a:t> spanned decades whereas the top artist data was from May 2020.</a:t>
-            </a:r>
-          </a:p>
-          <a:p>
-            <a:pPr marL="0" lvl="0" indent="0" algn="l" rtl="0">
-              <a:spcBef>
-                <a:spcPts val="600"/>
-              </a:spcBef>
-              <a:spcAft>
-                <a:spcPts val="0"/>
-              </a:spcAft>
-              <a:buNone/>
-            </a:pPr>
-            <a:r>
-              <a:rPr lang="en-US" sz="1800" dirty="0"/>
-              <a:t>To continue the research, in addition to what was already discussed, we could:</a:t>
-            </a:r>
-          </a:p>
-          <a:p>
-            <a:pPr marL="285750" indent="-285750"/>
-            <a:r>
-              <a:rPr lang="en-US" sz="1800" dirty="0"/>
-              <a:t>Look at different date ranges since the musicality data was from May 2020 and the artist rank data was inclusive of May 2020 but a broader time range. </a:t>
-            </a:r>
-          </a:p>
-          <a:p>
-            <a:pPr marL="285750" indent="-285750"/>
-            <a:r>
-              <a:rPr lang="en-US" sz="1800" dirty="0"/>
-              <a:t>Dig deeper into each country’s musicality preferences vs a global picture.</a:t>
             </a:r>
           </a:p>
           <a:p>
@@ -10125,7 +10847,7 @@
             </a:pPr>
             <a:fld id="{00000000-1234-1234-1234-123412341234}" type="slidenum">
               <a:rPr lang="en"/>
-              <a:t>16</a:t>
+              <a:t>17</a:t>
             </a:fld>
             <a:endParaRPr/>
           </a:p>
@@ -10818,7 +11540,866 @@
 </p:sld>
 </file>
 
-<file path=ppt/slides/slide17.xml><?xml version="1.0" encoding="utf-8"?>
+<file path=ppt/slides/slide18.xml><?xml version="1.0" encoding="utf-8"?>
+<p:sld xmlns:a="http://schemas.openxmlformats.org/drawingml/2006/main" xmlns:r="http://schemas.openxmlformats.org/officeDocument/2006/relationships" xmlns:p="http://schemas.openxmlformats.org/presentationml/2006/main">
+  <p:cSld>
+    <p:spTree>
+      <p:nvGrpSpPr>
+        <p:cNvPr id="1" name="Shape 378"/>
+        <p:cNvGrpSpPr/>
+        <p:nvPr/>
+      </p:nvGrpSpPr>
+      <p:grpSpPr>
+        <a:xfrm>
+          <a:off x="0" y="0"/>
+          <a:ext cx="0" cy="0"/>
+          <a:chOff x="0" y="0"/>
+          <a:chExt cx="0" cy="0"/>
+        </a:xfrm>
+      </p:grpSpPr>
+      <p:sp>
+        <p:nvSpPr>
+          <p:cNvPr id="379" name="Google Shape;379;p38"/>
+          <p:cNvSpPr txBox="1">
+            <a:spLocks noGrp="1"/>
+          </p:cNvSpPr>
+          <p:nvPr>
+            <p:ph type="title"/>
+          </p:nvPr>
+        </p:nvSpPr>
+        <p:spPr>
+          <a:xfrm>
+            <a:off x="1182200" y="393475"/>
+            <a:ext cx="6739500" cy="806700"/>
+          </a:xfrm>
+          <a:prstGeom prst="rect">
+            <a:avLst/>
+          </a:prstGeom>
+        </p:spPr>
+        <p:txBody>
+          <a:bodyPr spcFirstLastPara="1" wrap="square" lIns="91425" tIns="91425" rIns="91425" bIns="91425" anchor="ctr" anchorCtr="0">
+            <a:noAutofit/>
+          </a:bodyPr>
+          <a:lstStyle/>
+          <a:p>
+            <a:pPr marL="0" lvl="0" indent="0" algn="l" rtl="0">
+              <a:spcBef>
+                <a:spcPts val="0"/>
+              </a:spcBef>
+              <a:spcAft>
+                <a:spcPts val="0"/>
+              </a:spcAft>
+              <a:buNone/>
+            </a:pPr>
+            <a:r>
+              <a:rPr lang="en" dirty="0"/>
+              <a:t>Next Steps</a:t>
+            </a:r>
+            <a:endParaRPr dirty="0"/>
+          </a:p>
+        </p:txBody>
+      </p:sp>
+      <p:sp>
+        <p:nvSpPr>
+          <p:cNvPr id="380" name="Google Shape;380;p38"/>
+          <p:cNvSpPr txBox="1">
+            <a:spLocks noGrp="1"/>
+          </p:cNvSpPr>
+          <p:nvPr>
+            <p:ph type="body" idx="1"/>
+          </p:nvPr>
+        </p:nvSpPr>
+        <p:spPr>
+          <a:xfrm>
+            <a:off x="1556331" y="1349141"/>
+            <a:ext cx="7085700" cy="2938500"/>
+          </a:xfrm>
+          <a:prstGeom prst="rect">
+            <a:avLst/>
+          </a:prstGeom>
+        </p:spPr>
+        <p:txBody>
+          <a:bodyPr spcFirstLastPara="1" wrap="square" lIns="91425" tIns="91425" rIns="91425" bIns="91425" anchor="t" anchorCtr="0">
+            <a:noAutofit/>
+          </a:bodyPr>
+          <a:lstStyle/>
+          <a:p>
+            <a:pPr marL="0" lvl="0" indent="0" algn="l" rtl="0">
+              <a:spcBef>
+                <a:spcPts val="600"/>
+              </a:spcBef>
+              <a:spcAft>
+                <a:spcPts val="0"/>
+              </a:spcAft>
+              <a:buNone/>
+            </a:pPr>
+            <a:r>
+              <a:rPr lang="en-US" sz="1800" dirty="0"/>
+              <a:t>To continue the research, in addition to what was already discussed, we could:</a:t>
+            </a:r>
+          </a:p>
+          <a:p>
+            <a:pPr marL="285750" indent="-285750"/>
+            <a:r>
+              <a:rPr lang="en-US" sz="1800" dirty="0"/>
+              <a:t>Look at different date ranges since the musicality data was from May 2020 and the artist rank data was inclusive of May 2020 but a broader time range. </a:t>
+            </a:r>
+          </a:p>
+          <a:p>
+            <a:pPr marL="285750" indent="-285750"/>
+            <a:r>
+              <a:rPr lang="en-US" sz="1800" dirty="0"/>
+              <a:t>Dig deeper into each country’s musicality preferences vs a global picture.</a:t>
+            </a:r>
+          </a:p>
+          <a:p>
+            <a:pPr marL="285750" indent="-285750"/>
+            <a:endParaRPr lang="en-US" sz="1800" dirty="0"/>
+          </a:p>
+          <a:p>
+            <a:pPr marL="0" lvl="0" indent="0" algn="l" rtl="0">
+              <a:spcBef>
+                <a:spcPts val="600"/>
+              </a:spcBef>
+              <a:spcAft>
+                <a:spcPts val="0"/>
+              </a:spcAft>
+              <a:buNone/>
+            </a:pPr>
+            <a:endParaRPr sz="1800" dirty="0"/>
+          </a:p>
+        </p:txBody>
+      </p:sp>
+      <p:sp>
+        <p:nvSpPr>
+          <p:cNvPr id="382" name="Google Shape;382;p38"/>
+          <p:cNvSpPr txBox="1">
+            <a:spLocks noGrp="1"/>
+          </p:cNvSpPr>
+          <p:nvPr>
+            <p:ph type="sldNum" idx="12"/>
+          </p:nvPr>
+        </p:nvSpPr>
+        <p:spPr>
+          <a:xfrm>
+            <a:off x="8750400" y="4356225"/>
+            <a:ext cx="393600" cy="393600"/>
+          </a:xfrm>
+          <a:prstGeom prst="rect">
+            <a:avLst/>
+          </a:prstGeom>
+        </p:spPr>
+        <p:txBody>
+          <a:bodyPr spcFirstLastPara="1" wrap="square" lIns="91425" tIns="91425" rIns="91425" bIns="91425" anchor="ctr" anchorCtr="0">
+            <a:noAutofit/>
+          </a:bodyPr>
+          <a:lstStyle/>
+          <a:p>
+            <a:pPr marL="0" lvl="0" indent="0" algn="ctr" rtl="0">
+              <a:spcBef>
+                <a:spcPts val="0"/>
+              </a:spcBef>
+              <a:spcAft>
+                <a:spcPts val="0"/>
+              </a:spcAft>
+              <a:buNone/>
+            </a:pPr>
+            <a:fld id="{00000000-1234-1234-1234-123412341234}" type="slidenum">
+              <a:rPr lang="en"/>
+              <a:t>18</a:t>
+            </a:fld>
+            <a:endParaRPr/>
+          </a:p>
+        </p:txBody>
+      </p:sp>
+      <p:grpSp>
+        <p:nvGrpSpPr>
+          <p:cNvPr id="9" name="Google Shape;261;p28">
+            <a:extLst>
+              <a:ext uri="{FF2B5EF4-FFF2-40B4-BE49-F238E27FC236}">
+                <a16:creationId xmlns:a16="http://schemas.microsoft.com/office/drawing/2014/main" id="{2909A949-1295-024F-81FE-969E7FDC1625}"/>
+              </a:ext>
+            </a:extLst>
+          </p:cNvPr>
+          <p:cNvGrpSpPr/>
+          <p:nvPr/>
+        </p:nvGrpSpPr>
+        <p:grpSpPr>
+          <a:xfrm>
+            <a:off x="8135021" y="664154"/>
+            <a:ext cx="361896" cy="265341"/>
+            <a:chOff x="4610450" y="3703750"/>
+            <a:chExt cx="453050" cy="332175"/>
+          </a:xfrm>
+        </p:grpSpPr>
+        <p:sp>
+          <p:nvSpPr>
+            <p:cNvPr id="10" name="Google Shape;262;p28">
+              <a:extLst>
+                <a:ext uri="{FF2B5EF4-FFF2-40B4-BE49-F238E27FC236}">
+                  <a16:creationId xmlns:a16="http://schemas.microsoft.com/office/drawing/2014/main" id="{E4BA1471-FC28-4447-8AE3-76052DB6FE8A}"/>
+                </a:ext>
+              </a:extLst>
+            </p:cNvPr>
+            <p:cNvSpPr/>
+            <p:nvPr/>
+          </p:nvSpPr>
+          <p:spPr>
+            <a:xfrm>
+              <a:off x="4610450" y="3703750"/>
+              <a:ext cx="453050" cy="332175"/>
+            </a:xfrm>
+            <a:custGeom>
+              <a:avLst/>
+              <a:gdLst/>
+              <a:ahLst/>
+              <a:cxnLst/>
+              <a:rect l="l" t="t" r="r" b="b"/>
+              <a:pathLst>
+                <a:path w="18122" h="13287" extrusionOk="0">
+                  <a:moveTo>
+                    <a:pt x="366" y="0"/>
+                  </a:moveTo>
+                  <a:lnTo>
+                    <a:pt x="293" y="49"/>
+                  </a:lnTo>
+                  <a:lnTo>
+                    <a:pt x="195" y="74"/>
+                  </a:lnTo>
+                  <a:lnTo>
+                    <a:pt x="122" y="147"/>
+                  </a:lnTo>
+                  <a:lnTo>
+                    <a:pt x="73" y="220"/>
+                  </a:lnTo>
+                  <a:lnTo>
+                    <a:pt x="25" y="293"/>
+                  </a:lnTo>
+                  <a:lnTo>
+                    <a:pt x="0" y="391"/>
+                  </a:lnTo>
+                  <a:lnTo>
+                    <a:pt x="0" y="489"/>
+                  </a:lnTo>
+                  <a:lnTo>
+                    <a:pt x="0" y="12798"/>
+                  </a:lnTo>
+                  <a:lnTo>
+                    <a:pt x="0" y="12896"/>
+                  </a:lnTo>
+                  <a:lnTo>
+                    <a:pt x="25" y="12993"/>
+                  </a:lnTo>
+                  <a:lnTo>
+                    <a:pt x="73" y="13067"/>
+                  </a:lnTo>
+                  <a:lnTo>
+                    <a:pt x="122" y="13140"/>
+                  </a:lnTo>
+                  <a:lnTo>
+                    <a:pt x="195" y="13213"/>
+                  </a:lnTo>
+                  <a:lnTo>
+                    <a:pt x="293" y="13238"/>
+                  </a:lnTo>
+                  <a:lnTo>
+                    <a:pt x="366" y="13287"/>
+                  </a:lnTo>
+                  <a:lnTo>
+                    <a:pt x="17756" y="13287"/>
+                  </a:lnTo>
+                  <a:lnTo>
+                    <a:pt x="17829" y="13238"/>
+                  </a:lnTo>
+                  <a:lnTo>
+                    <a:pt x="17927" y="13213"/>
+                  </a:lnTo>
+                  <a:lnTo>
+                    <a:pt x="18000" y="13140"/>
+                  </a:lnTo>
+                  <a:lnTo>
+                    <a:pt x="18049" y="13067"/>
+                  </a:lnTo>
+                  <a:lnTo>
+                    <a:pt x="18098" y="12993"/>
+                  </a:lnTo>
+                  <a:lnTo>
+                    <a:pt x="18122" y="12896"/>
+                  </a:lnTo>
+                  <a:lnTo>
+                    <a:pt x="18122" y="12798"/>
+                  </a:lnTo>
+                  <a:lnTo>
+                    <a:pt x="18122" y="12700"/>
+                  </a:lnTo>
+                  <a:lnTo>
+                    <a:pt x="18098" y="12603"/>
+                  </a:lnTo>
+                  <a:lnTo>
+                    <a:pt x="18049" y="12529"/>
+                  </a:lnTo>
+                  <a:lnTo>
+                    <a:pt x="18000" y="12456"/>
+                  </a:lnTo>
+                  <a:lnTo>
+                    <a:pt x="17927" y="12383"/>
+                  </a:lnTo>
+                  <a:lnTo>
+                    <a:pt x="17829" y="12358"/>
+                  </a:lnTo>
+                  <a:lnTo>
+                    <a:pt x="17756" y="12310"/>
+                  </a:lnTo>
+                  <a:lnTo>
+                    <a:pt x="977" y="12310"/>
+                  </a:lnTo>
+                  <a:lnTo>
+                    <a:pt x="977" y="489"/>
+                  </a:lnTo>
+                  <a:lnTo>
+                    <a:pt x="953" y="391"/>
+                  </a:lnTo>
+                  <a:lnTo>
+                    <a:pt x="928" y="293"/>
+                  </a:lnTo>
+                  <a:lnTo>
+                    <a:pt x="879" y="220"/>
+                  </a:lnTo>
+                  <a:lnTo>
+                    <a:pt x="830" y="147"/>
+                  </a:lnTo>
+                  <a:lnTo>
+                    <a:pt x="757" y="74"/>
+                  </a:lnTo>
+                  <a:lnTo>
+                    <a:pt x="660" y="49"/>
+                  </a:lnTo>
+                  <a:lnTo>
+                    <a:pt x="586" y="0"/>
+                  </a:lnTo>
+                  <a:close/>
+                </a:path>
+              </a:pathLst>
+            </a:custGeom>
+            <a:solidFill>
+              <a:srgbClr val="FFFFFF"/>
+            </a:solidFill>
+            <a:ln>
+              <a:noFill/>
+            </a:ln>
+          </p:spPr>
+          <p:txBody>
+            <a:bodyPr spcFirstLastPara="1" wrap="square" lIns="91425" tIns="91425" rIns="91425" bIns="91425" anchor="ctr" anchorCtr="0">
+              <a:noAutofit/>
+            </a:bodyPr>
+            <a:lstStyle/>
+            <a:p>
+              <a:pPr marL="0" lvl="0" indent="0" algn="l" rtl="0">
+                <a:spcBef>
+                  <a:spcPts val="0"/>
+                </a:spcBef>
+                <a:spcAft>
+                  <a:spcPts val="0"/>
+                </a:spcAft>
+                <a:buNone/>
+              </a:pPr>
+              <a:endParaRPr/>
+            </a:p>
+          </p:txBody>
+        </p:sp>
+        <p:sp>
+          <p:nvSpPr>
+            <p:cNvPr id="11" name="Google Shape;263;p28">
+              <a:extLst>
+                <a:ext uri="{FF2B5EF4-FFF2-40B4-BE49-F238E27FC236}">
+                  <a16:creationId xmlns:a16="http://schemas.microsoft.com/office/drawing/2014/main" id="{4A9FF7D0-C639-D543-A68F-5569245A4925}"/>
+                </a:ext>
+              </a:extLst>
+            </p:cNvPr>
+            <p:cNvSpPr/>
+            <p:nvPr/>
+          </p:nvSpPr>
+          <p:spPr>
+            <a:xfrm>
+              <a:off x="4642200" y="3730000"/>
+              <a:ext cx="389550" cy="249150"/>
+            </a:xfrm>
+            <a:custGeom>
+              <a:avLst/>
+              <a:gdLst/>
+              <a:ahLst/>
+              <a:cxnLst/>
+              <a:rect l="l" t="t" r="r" b="b"/>
+              <a:pathLst>
+                <a:path w="15582" h="9966" extrusionOk="0">
+                  <a:moveTo>
+                    <a:pt x="14752" y="1"/>
+                  </a:moveTo>
+                  <a:lnTo>
+                    <a:pt x="14629" y="49"/>
+                  </a:lnTo>
+                  <a:lnTo>
+                    <a:pt x="14507" y="98"/>
+                  </a:lnTo>
+                  <a:lnTo>
+                    <a:pt x="14410" y="196"/>
+                  </a:lnTo>
+                  <a:lnTo>
+                    <a:pt x="14336" y="294"/>
+                  </a:lnTo>
+                  <a:lnTo>
+                    <a:pt x="14263" y="416"/>
+                  </a:lnTo>
+                  <a:lnTo>
+                    <a:pt x="14239" y="538"/>
+                  </a:lnTo>
+                  <a:lnTo>
+                    <a:pt x="14214" y="684"/>
+                  </a:lnTo>
+                  <a:lnTo>
+                    <a:pt x="14239" y="831"/>
+                  </a:lnTo>
+                  <a:lnTo>
+                    <a:pt x="14288" y="1002"/>
+                  </a:lnTo>
+                  <a:lnTo>
+                    <a:pt x="11308" y="4372"/>
+                  </a:lnTo>
+                  <a:lnTo>
+                    <a:pt x="11161" y="4323"/>
+                  </a:lnTo>
+                  <a:lnTo>
+                    <a:pt x="11015" y="4299"/>
+                  </a:lnTo>
+                  <a:lnTo>
+                    <a:pt x="10844" y="4323"/>
+                  </a:lnTo>
+                  <a:lnTo>
+                    <a:pt x="10087" y="3005"/>
+                  </a:lnTo>
+                  <a:lnTo>
+                    <a:pt x="10160" y="2907"/>
+                  </a:lnTo>
+                  <a:lnTo>
+                    <a:pt x="10209" y="2809"/>
+                  </a:lnTo>
+                  <a:lnTo>
+                    <a:pt x="10233" y="2687"/>
+                  </a:lnTo>
+                  <a:lnTo>
+                    <a:pt x="10233" y="2565"/>
+                  </a:lnTo>
+                  <a:lnTo>
+                    <a:pt x="10233" y="2418"/>
+                  </a:lnTo>
+                  <a:lnTo>
+                    <a:pt x="10184" y="2296"/>
+                  </a:lnTo>
+                  <a:lnTo>
+                    <a:pt x="10136" y="2174"/>
+                  </a:lnTo>
+                  <a:lnTo>
+                    <a:pt x="10038" y="2077"/>
+                  </a:lnTo>
+                  <a:lnTo>
+                    <a:pt x="9940" y="2003"/>
+                  </a:lnTo>
+                  <a:lnTo>
+                    <a:pt x="9818" y="1930"/>
+                  </a:lnTo>
+                  <a:lnTo>
+                    <a:pt x="9696" y="1906"/>
+                  </a:lnTo>
+                  <a:lnTo>
+                    <a:pt x="9549" y="1881"/>
+                  </a:lnTo>
+                  <a:lnTo>
+                    <a:pt x="9427" y="1906"/>
+                  </a:lnTo>
+                  <a:lnTo>
+                    <a:pt x="9281" y="1930"/>
+                  </a:lnTo>
+                  <a:lnTo>
+                    <a:pt x="9183" y="2003"/>
+                  </a:lnTo>
+                  <a:lnTo>
+                    <a:pt x="9085" y="2077"/>
+                  </a:lnTo>
+                  <a:lnTo>
+                    <a:pt x="8988" y="2174"/>
+                  </a:lnTo>
+                  <a:lnTo>
+                    <a:pt x="8939" y="2296"/>
+                  </a:lnTo>
+                  <a:lnTo>
+                    <a:pt x="8890" y="2418"/>
+                  </a:lnTo>
+                  <a:lnTo>
+                    <a:pt x="8866" y="2565"/>
+                  </a:lnTo>
+                  <a:lnTo>
+                    <a:pt x="8890" y="2663"/>
+                  </a:lnTo>
+                  <a:lnTo>
+                    <a:pt x="8914" y="2785"/>
+                  </a:lnTo>
+                  <a:lnTo>
+                    <a:pt x="8939" y="2883"/>
+                  </a:lnTo>
+                  <a:lnTo>
+                    <a:pt x="8988" y="2956"/>
+                  </a:lnTo>
+                  <a:lnTo>
+                    <a:pt x="6521" y="6668"/>
+                  </a:lnTo>
+                  <a:lnTo>
+                    <a:pt x="6399" y="6644"/>
+                  </a:lnTo>
+                  <a:lnTo>
+                    <a:pt x="6130" y="6644"/>
+                  </a:lnTo>
+                  <a:lnTo>
+                    <a:pt x="5959" y="6717"/>
+                  </a:lnTo>
+                  <a:lnTo>
+                    <a:pt x="4714" y="5398"/>
+                  </a:lnTo>
+                  <a:lnTo>
+                    <a:pt x="4763" y="5252"/>
+                  </a:lnTo>
+                  <a:lnTo>
+                    <a:pt x="4763" y="5105"/>
+                  </a:lnTo>
+                  <a:lnTo>
+                    <a:pt x="4763" y="4958"/>
+                  </a:lnTo>
+                  <a:lnTo>
+                    <a:pt x="4714" y="4836"/>
+                  </a:lnTo>
+                  <a:lnTo>
+                    <a:pt x="4665" y="4714"/>
+                  </a:lnTo>
+                  <a:lnTo>
+                    <a:pt x="4567" y="4617"/>
+                  </a:lnTo>
+                  <a:lnTo>
+                    <a:pt x="4470" y="4543"/>
+                  </a:lnTo>
+                  <a:lnTo>
+                    <a:pt x="4347" y="4470"/>
+                  </a:lnTo>
+                  <a:lnTo>
+                    <a:pt x="4225" y="4446"/>
+                  </a:lnTo>
+                  <a:lnTo>
+                    <a:pt x="4079" y="4421"/>
+                  </a:lnTo>
+                  <a:lnTo>
+                    <a:pt x="3957" y="4446"/>
+                  </a:lnTo>
+                  <a:lnTo>
+                    <a:pt x="3810" y="4470"/>
+                  </a:lnTo>
+                  <a:lnTo>
+                    <a:pt x="3712" y="4543"/>
+                  </a:lnTo>
+                  <a:lnTo>
+                    <a:pt x="3615" y="4617"/>
+                  </a:lnTo>
+                  <a:lnTo>
+                    <a:pt x="3517" y="4714"/>
+                  </a:lnTo>
+                  <a:lnTo>
+                    <a:pt x="3468" y="4836"/>
+                  </a:lnTo>
+                  <a:lnTo>
+                    <a:pt x="3419" y="4958"/>
+                  </a:lnTo>
+                  <a:lnTo>
+                    <a:pt x="3395" y="5105"/>
+                  </a:lnTo>
+                  <a:lnTo>
+                    <a:pt x="3419" y="5276"/>
+                  </a:lnTo>
+                  <a:lnTo>
+                    <a:pt x="3493" y="5447"/>
+                  </a:lnTo>
+                  <a:lnTo>
+                    <a:pt x="49" y="9574"/>
+                  </a:lnTo>
+                  <a:lnTo>
+                    <a:pt x="0" y="9648"/>
+                  </a:lnTo>
+                  <a:lnTo>
+                    <a:pt x="0" y="9745"/>
+                  </a:lnTo>
+                  <a:lnTo>
+                    <a:pt x="25" y="9843"/>
+                  </a:lnTo>
+                  <a:lnTo>
+                    <a:pt x="98" y="9916"/>
+                  </a:lnTo>
+                  <a:lnTo>
+                    <a:pt x="171" y="9965"/>
+                  </a:lnTo>
+                  <a:lnTo>
+                    <a:pt x="244" y="9965"/>
+                  </a:lnTo>
+                  <a:lnTo>
+                    <a:pt x="342" y="9941"/>
+                  </a:lnTo>
+                  <a:lnTo>
+                    <a:pt x="440" y="9892"/>
+                  </a:lnTo>
+                  <a:lnTo>
+                    <a:pt x="3859" y="5740"/>
+                  </a:lnTo>
+                  <a:lnTo>
+                    <a:pt x="3981" y="5789"/>
+                  </a:lnTo>
+                  <a:lnTo>
+                    <a:pt x="4079" y="5789"/>
+                  </a:lnTo>
+                  <a:lnTo>
+                    <a:pt x="4225" y="5764"/>
+                  </a:lnTo>
+                  <a:lnTo>
+                    <a:pt x="4347" y="5740"/>
+                  </a:lnTo>
+                  <a:lnTo>
+                    <a:pt x="5642" y="7083"/>
+                  </a:lnTo>
+                  <a:lnTo>
+                    <a:pt x="5617" y="7205"/>
+                  </a:lnTo>
+                  <a:lnTo>
+                    <a:pt x="5617" y="7328"/>
+                  </a:lnTo>
+                  <a:lnTo>
+                    <a:pt x="5617" y="7450"/>
+                  </a:lnTo>
+                  <a:lnTo>
+                    <a:pt x="5666" y="7572"/>
+                  </a:lnTo>
+                  <a:lnTo>
+                    <a:pt x="5740" y="7694"/>
+                  </a:lnTo>
+                  <a:lnTo>
+                    <a:pt x="5813" y="7792"/>
+                  </a:lnTo>
+                  <a:lnTo>
+                    <a:pt x="5910" y="7889"/>
+                  </a:lnTo>
+                  <a:lnTo>
+                    <a:pt x="6033" y="7938"/>
+                  </a:lnTo>
+                  <a:lnTo>
+                    <a:pt x="6155" y="7987"/>
+                  </a:lnTo>
+                  <a:lnTo>
+                    <a:pt x="6301" y="8011"/>
+                  </a:lnTo>
+                  <a:lnTo>
+                    <a:pt x="6448" y="7987"/>
+                  </a:lnTo>
+                  <a:lnTo>
+                    <a:pt x="6570" y="7938"/>
+                  </a:lnTo>
+                  <a:lnTo>
+                    <a:pt x="6692" y="7889"/>
+                  </a:lnTo>
+                  <a:lnTo>
+                    <a:pt x="6790" y="7792"/>
+                  </a:lnTo>
+                  <a:lnTo>
+                    <a:pt x="6863" y="7694"/>
+                  </a:lnTo>
+                  <a:lnTo>
+                    <a:pt x="6936" y="7572"/>
+                  </a:lnTo>
+                  <a:lnTo>
+                    <a:pt x="6961" y="7450"/>
+                  </a:lnTo>
+                  <a:lnTo>
+                    <a:pt x="6985" y="7328"/>
+                  </a:lnTo>
+                  <a:lnTo>
+                    <a:pt x="6961" y="7132"/>
+                  </a:lnTo>
+                  <a:lnTo>
+                    <a:pt x="6887" y="6986"/>
+                  </a:lnTo>
+                  <a:lnTo>
+                    <a:pt x="9403" y="3224"/>
+                  </a:lnTo>
+                  <a:lnTo>
+                    <a:pt x="9549" y="3249"/>
+                  </a:lnTo>
+                  <a:lnTo>
+                    <a:pt x="9647" y="3249"/>
+                  </a:lnTo>
+                  <a:lnTo>
+                    <a:pt x="10429" y="4617"/>
+                  </a:lnTo>
+                  <a:lnTo>
+                    <a:pt x="10355" y="4788"/>
+                  </a:lnTo>
+                  <a:lnTo>
+                    <a:pt x="10331" y="4885"/>
+                  </a:lnTo>
+                  <a:lnTo>
+                    <a:pt x="10331" y="4983"/>
+                  </a:lnTo>
+                  <a:lnTo>
+                    <a:pt x="10331" y="5129"/>
+                  </a:lnTo>
+                  <a:lnTo>
+                    <a:pt x="10380" y="5252"/>
+                  </a:lnTo>
+                  <a:lnTo>
+                    <a:pt x="10429" y="5374"/>
+                  </a:lnTo>
+                  <a:lnTo>
+                    <a:pt x="10526" y="5471"/>
+                  </a:lnTo>
+                  <a:lnTo>
+                    <a:pt x="10624" y="5569"/>
+                  </a:lnTo>
+                  <a:lnTo>
+                    <a:pt x="10746" y="5618"/>
+                  </a:lnTo>
+                  <a:lnTo>
+                    <a:pt x="10868" y="5667"/>
+                  </a:lnTo>
+                  <a:lnTo>
+                    <a:pt x="11137" y="5667"/>
+                  </a:lnTo>
+                  <a:lnTo>
+                    <a:pt x="11284" y="5618"/>
+                  </a:lnTo>
+                  <a:lnTo>
+                    <a:pt x="11381" y="5569"/>
+                  </a:lnTo>
+                  <a:lnTo>
+                    <a:pt x="11479" y="5471"/>
+                  </a:lnTo>
+                  <a:lnTo>
+                    <a:pt x="11577" y="5374"/>
+                  </a:lnTo>
+                  <a:lnTo>
+                    <a:pt x="11625" y="5252"/>
+                  </a:lnTo>
+                  <a:lnTo>
+                    <a:pt x="11674" y="5129"/>
+                  </a:lnTo>
+                  <a:lnTo>
+                    <a:pt x="11699" y="4983"/>
+                  </a:lnTo>
+                  <a:lnTo>
+                    <a:pt x="11674" y="4861"/>
+                  </a:lnTo>
+                  <a:lnTo>
+                    <a:pt x="11650" y="4739"/>
+                  </a:lnTo>
+                  <a:lnTo>
+                    <a:pt x="14654" y="1319"/>
+                  </a:lnTo>
+                  <a:lnTo>
+                    <a:pt x="14776" y="1344"/>
+                  </a:lnTo>
+                  <a:lnTo>
+                    <a:pt x="14898" y="1368"/>
+                  </a:lnTo>
+                  <a:lnTo>
+                    <a:pt x="15045" y="1344"/>
+                  </a:lnTo>
+                  <a:lnTo>
+                    <a:pt x="15167" y="1295"/>
+                  </a:lnTo>
+                  <a:lnTo>
+                    <a:pt x="15289" y="1246"/>
+                  </a:lnTo>
+                  <a:lnTo>
+                    <a:pt x="15387" y="1148"/>
+                  </a:lnTo>
+                  <a:lnTo>
+                    <a:pt x="15460" y="1051"/>
+                  </a:lnTo>
+                  <a:lnTo>
+                    <a:pt x="15533" y="953"/>
+                  </a:lnTo>
+                  <a:lnTo>
+                    <a:pt x="15558" y="807"/>
+                  </a:lnTo>
+                  <a:lnTo>
+                    <a:pt x="15582" y="684"/>
+                  </a:lnTo>
+                  <a:lnTo>
+                    <a:pt x="15558" y="538"/>
+                  </a:lnTo>
+                  <a:lnTo>
+                    <a:pt x="15533" y="416"/>
+                  </a:lnTo>
+                  <a:lnTo>
+                    <a:pt x="15460" y="294"/>
+                  </a:lnTo>
+                  <a:lnTo>
+                    <a:pt x="15387" y="196"/>
+                  </a:lnTo>
+                  <a:lnTo>
+                    <a:pt x="15289" y="98"/>
+                  </a:lnTo>
+                  <a:lnTo>
+                    <a:pt x="15167" y="49"/>
+                  </a:lnTo>
+                  <a:lnTo>
+                    <a:pt x="15045" y="1"/>
+                  </a:lnTo>
+                  <a:close/>
+                </a:path>
+              </a:pathLst>
+            </a:custGeom>
+            <a:solidFill>
+              <a:srgbClr val="FFFFFF"/>
+            </a:solidFill>
+            <a:ln>
+              <a:noFill/>
+            </a:ln>
+          </p:spPr>
+          <p:txBody>
+            <a:bodyPr spcFirstLastPara="1" wrap="square" lIns="91425" tIns="91425" rIns="91425" bIns="91425" anchor="ctr" anchorCtr="0">
+              <a:noAutofit/>
+            </a:bodyPr>
+            <a:lstStyle/>
+            <a:p>
+              <a:pPr marL="0" lvl="0" indent="0" algn="l" rtl="0">
+                <a:spcBef>
+                  <a:spcPts val="0"/>
+                </a:spcBef>
+                <a:spcAft>
+                  <a:spcPts val="0"/>
+                </a:spcAft>
+                <a:buNone/>
+              </a:pPr>
+              <a:endParaRPr/>
+            </a:p>
+          </p:txBody>
+        </p:sp>
+      </p:grpSp>
+    </p:spTree>
+    <p:extLst>
+      <p:ext uri="{BB962C8B-B14F-4D97-AF65-F5344CB8AC3E}">
+        <p14:creationId xmlns:p14="http://schemas.microsoft.com/office/powerpoint/2010/main" val="3080843268"/>
+      </p:ext>
+    </p:extLst>
+  </p:cSld>
+  <p:clrMapOvr>
+    <a:masterClrMapping/>
+  </p:clrMapOvr>
+</p:sld>
+</file>
+
+<file path=ppt/slides/slide19.xml><?xml version="1.0" encoding="utf-8"?>
 <p:sld xmlns:a="http://schemas.openxmlformats.org/drawingml/2006/main" xmlns:r="http://schemas.openxmlformats.org/officeDocument/2006/relationships" xmlns:p="http://schemas.openxmlformats.org/presentationml/2006/main">
   <p:cSld>
     <p:spTree>
@@ -10963,7 +12544,7 @@
             </a:pPr>
             <a:fld id="{00000000-1234-1234-1234-123412341234}" type="slidenum">
               <a:rPr lang="en"/>
-              <a:t>17</a:t>
+              <a:t>19</a:t>
             </a:fld>
             <a:endParaRPr/>
           </a:p>
@@ -14401,8 +15982,8 @@
         </p:nvSpPr>
         <p:spPr>
           <a:xfrm>
-            <a:off x="1751977" y="217897"/>
-            <a:ext cx="5958642" cy="1159800"/>
+            <a:off x="1751976" y="217897"/>
+            <a:ext cx="6998423" cy="1159800"/>
           </a:xfrm>
           <a:prstGeom prst="rect">
             <a:avLst/>
@@ -14415,7 +15996,7 @@
           <a:lstStyle/>
           <a:p>
             <a:r>
-              <a:rPr lang="en-US" dirty="0">
+              <a:rPr lang="en-US" sz="2000" dirty="0">
                 <a:solidFill>
                   <a:srgbClr val="FFC000"/>
                 </a:solidFill>
@@ -14423,7 +16004,7 @@
               <a:t>Question 1: Is there a relationship between “</a:t>
             </a:r>
             <a:r>
-              <a:rPr lang="en-US" dirty="0" err="1">
+              <a:rPr lang="en-US" sz="2000" dirty="0" err="1">
                 <a:solidFill>
                   <a:srgbClr val="FFC000"/>
                 </a:solidFill>
@@ -14431,14 +16012,14 @@
               <a:t>musicalities</a:t>
             </a:r>
             <a:r>
-              <a:rPr lang="en-US" dirty="0">
+              <a:rPr lang="en-US" sz="2000" dirty="0">
                 <a:solidFill>
                   <a:srgbClr val="FFC000"/>
                 </a:solidFill>
               </a:rPr>
               <a:t>” and rank?</a:t>
             </a:r>
-            <a:endParaRPr dirty="0">
+            <a:endParaRPr sz="2000" dirty="0">
               <a:solidFill>
                 <a:srgbClr val="FFC000"/>
               </a:solidFill>
@@ -14484,7 +16065,7 @@
             </a:r>
             <a:r>
               <a:rPr lang="en-US" sz="1200" dirty="0"/>
-              <a:t> for the top 10. </a:t>
+              <a:t> for artists whose average rank is less than or equal to 10. </a:t>
             </a:r>
             <a:r>
               <a:rPr lang="en-US" sz="1200" dirty="0" err="1"/>
@@ -14555,8 +16136,8 @@
         </p:nvSpPr>
         <p:spPr>
           <a:xfrm>
-            <a:off x="1892783" y="3898264"/>
-            <a:ext cx="2973399" cy="954187"/>
+            <a:off x="1751976" y="4075931"/>
+            <a:ext cx="6499926" cy="954187"/>
           </a:xfrm>
           <a:prstGeom prst="rect">
             <a:avLst/>
@@ -14819,302 +16400,29 @@
           </a:lstStyle>
           <a:p>
             <a:pPr marL="0" indent="0">
+              <a:buNone/>
+            </a:pPr>
+            <a:r>
+              <a:rPr lang="en-US" sz="1200" dirty="0"/>
+              <a:t>The </a:t>
+            </a:r>
+            <a:r>
+              <a:rPr lang="en-US" sz="1200" dirty="0" err="1"/>
+              <a:t>r-value</a:t>
+            </a:r>
+            <a:r>
+              <a:rPr lang="en-US" sz="1200" dirty="0"/>
+              <a:t> is: 0.0007640423231120749</a:t>
+            </a:r>
+          </a:p>
+          <a:p>
+            <a:pPr marL="0" indent="0">
               <a:buFont typeface="Barlow"/>
               <a:buNone/>
             </a:pPr>
             <a:r>
               <a:rPr lang="en-US" sz="1200" dirty="0"/>
               <a:t>Findings: It appears there may be a very weak positive correlation between danceability and rank suggesting lower ranked songs (farther away from 1) may have more danceability.</a:t>
-            </a:r>
-          </a:p>
-        </p:txBody>
-      </p:sp>
-      <p:sp>
-        <p:nvSpPr>
-          <p:cNvPr id="10" name="Google Shape;142;p20">
-            <a:extLst>
-              <a:ext uri="{FF2B5EF4-FFF2-40B4-BE49-F238E27FC236}">
-                <a16:creationId xmlns:a16="http://schemas.microsoft.com/office/drawing/2014/main" id="{04897D46-D332-CC42-A423-6F19F5975486}"/>
-              </a:ext>
-            </a:extLst>
-          </p:cNvPr>
-          <p:cNvSpPr txBox="1">
-            <a:spLocks/>
-          </p:cNvSpPr>
-          <p:nvPr/>
-        </p:nvSpPr>
-        <p:spPr>
-          <a:xfrm>
-            <a:off x="5206546" y="3945657"/>
-            <a:ext cx="3350776" cy="954187"/>
-          </a:xfrm>
-          <a:prstGeom prst="rect">
-            <a:avLst/>
-          </a:prstGeom>
-          <a:noFill/>
-          <a:ln>
-            <a:noFill/>
-          </a:ln>
-        </p:spPr>
-        <p:txBody>
-          <a:bodyPr spcFirstLastPara="1" wrap="square" lIns="91425" tIns="91425" rIns="91425" bIns="91425" anchor="t" anchorCtr="0">
-            <a:noAutofit/>
-          </a:bodyPr>
-          <a:lstStyle>
-            <a:defPPr marR="0" lvl="0" algn="l" rtl="0">
-              <a:lnSpc>
-                <a:spcPct val="100000"/>
-              </a:lnSpc>
-              <a:spcBef>
-                <a:spcPts val="0"/>
-              </a:spcBef>
-              <a:spcAft>
-                <a:spcPts val="0"/>
-              </a:spcAft>
-            </a:defPPr>
-            <a:lvl1pPr marL="457200" marR="0" lvl="0" indent="-393700" algn="l" rtl="0">
-              <a:lnSpc>
-                <a:spcPct val="100000"/>
-              </a:lnSpc>
-              <a:spcBef>
-                <a:spcPts val="600"/>
-              </a:spcBef>
-              <a:spcAft>
-                <a:spcPts val="0"/>
-              </a:spcAft>
-              <a:buClr>
-                <a:schemeClr val="dk2"/>
-              </a:buClr>
-              <a:buSzPts val="2600"/>
-              <a:buFont typeface="Barlow"/>
-              <a:buChar char="▪"/>
-              <a:defRPr sz="2600" b="0" i="0" u="none" strike="noStrike" cap="none">
-                <a:solidFill>
-                  <a:schemeClr val="dk1"/>
-                </a:solidFill>
-                <a:latin typeface="Barlow"/>
-                <a:ea typeface="Barlow"/>
-                <a:cs typeface="Barlow"/>
-                <a:sym typeface="Barlow"/>
-              </a:defRPr>
-            </a:lvl1pPr>
-            <a:lvl2pPr marL="914400" marR="0" lvl="1" indent="-393700" algn="l" rtl="0">
-              <a:lnSpc>
-                <a:spcPct val="100000"/>
-              </a:lnSpc>
-              <a:spcBef>
-                <a:spcPts val="0"/>
-              </a:spcBef>
-              <a:spcAft>
-                <a:spcPts val="0"/>
-              </a:spcAft>
-              <a:buClr>
-                <a:schemeClr val="dk2"/>
-              </a:buClr>
-              <a:buSzPts val="2600"/>
-              <a:buFont typeface="Barlow"/>
-              <a:buChar char="▫"/>
-              <a:defRPr sz="2600" b="0" i="0" u="none" strike="noStrike" cap="none">
-                <a:solidFill>
-                  <a:schemeClr val="dk1"/>
-                </a:solidFill>
-                <a:latin typeface="Barlow"/>
-                <a:ea typeface="Barlow"/>
-                <a:cs typeface="Barlow"/>
-                <a:sym typeface="Barlow"/>
-              </a:defRPr>
-            </a:lvl2pPr>
-            <a:lvl3pPr marL="1371600" marR="0" lvl="2" indent="-393700" algn="l" rtl="0">
-              <a:lnSpc>
-                <a:spcPct val="100000"/>
-              </a:lnSpc>
-              <a:spcBef>
-                <a:spcPts val="0"/>
-              </a:spcBef>
-              <a:spcAft>
-                <a:spcPts val="0"/>
-              </a:spcAft>
-              <a:buClr>
-                <a:schemeClr val="dk2"/>
-              </a:buClr>
-              <a:buSzPts val="2600"/>
-              <a:buFont typeface="Barlow"/>
-              <a:buChar char="▫"/>
-              <a:defRPr sz="2600" b="0" i="0" u="none" strike="noStrike" cap="none">
-                <a:solidFill>
-                  <a:schemeClr val="dk1"/>
-                </a:solidFill>
-                <a:latin typeface="Barlow"/>
-                <a:ea typeface="Barlow"/>
-                <a:cs typeface="Barlow"/>
-                <a:sym typeface="Barlow"/>
-              </a:defRPr>
-            </a:lvl3pPr>
-            <a:lvl4pPr marL="1828800" marR="0" lvl="3" indent="-393700" algn="l" rtl="0">
-              <a:lnSpc>
-                <a:spcPct val="100000"/>
-              </a:lnSpc>
-              <a:spcBef>
-                <a:spcPts val="0"/>
-              </a:spcBef>
-              <a:spcAft>
-                <a:spcPts val="0"/>
-              </a:spcAft>
-              <a:buClr>
-                <a:schemeClr val="dk1"/>
-              </a:buClr>
-              <a:buSzPts val="2600"/>
-              <a:buFont typeface="Barlow"/>
-              <a:buChar char="▫"/>
-              <a:defRPr sz="2600" b="0" i="0" u="none" strike="noStrike" cap="none">
-                <a:solidFill>
-                  <a:schemeClr val="dk1"/>
-                </a:solidFill>
-                <a:latin typeface="Barlow"/>
-                <a:ea typeface="Barlow"/>
-                <a:cs typeface="Barlow"/>
-                <a:sym typeface="Barlow"/>
-              </a:defRPr>
-            </a:lvl4pPr>
-            <a:lvl5pPr marL="2286000" marR="0" lvl="4" indent="-393700" algn="l" rtl="0">
-              <a:lnSpc>
-                <a:spcPct val="100000"/>
-              </a:lnSpc>
-              <a:spcBef>
-                <a:spcPts val="0"/>
-              </a:spcBef>
-              <a:spcAft>
-                <a:spcPts val="0"/>
-              </a:spcAft>
-              <a:buClr>
-                <a:schemeClr val="dk1"/>
-              </a:buClr>
-              <a:buSzPts val="2600"/>
-              <a:buFont typeface="Barlow"/>
-              <a:buChar char="○"/>
-              <a:defRPr sz="2600" b="0" i="0" u="none" strike="noStrike" cap="none">
-                <a:solidFill>
-                  <a:schemeClr val="dk1"/>
-                </a:solidFill>
-                <a:latin typeface="Barlow"/>
-                <a:ea typeface="Barlow"/>
-                <a:cs typeface="Barlow"/>
-                <a:sym typeface="Barlow"/>
-              </a:defRPr>
-            </a:lvl5pPr>
-            <a:lvl6pPr marL="2743200" marR="0" lvl="5" indent="-393700" algn="l" rtl="0">
-              <a:lnSpc>
-                <a:spcPct val="100000"/>
-              </a:lnSpc>
-              <a:spcBef>
-                <a:spcPts val="0"/>
-              </a:spcBef>
-              <a:spcAft>
-                <a:spcPts val="0"/>
-              </a:spcAft>
-              <a:buClr>
-                <a:schemeClr val="dk1"/>
-              </a:buClr>
-              <a:buSzPts val="2600"/>
-              <a:buFont typeface="Barlow"/>
-              <a:buChar char="■"/>
-              <a:defRPr sz="2600" b="0" i="0" u="none" strike="noStrike" cap="none">
-                <a:solidFill>
-                  <a:schemeClr val="dk1"/>
-                </a:solidFill>
-                <a:latin typeface="Barlow"/>
-                <a:ea typeface="Barlow"/>
-                <a:cs typeface="Barlow"/>
-                <a:sym typeface="Barlow"/>
-              </a:defRPr>
-            </a:lvl6pPr>
-            <a:lvl7pPr marL="3200400" marR="0" lvl="6" indent="-393700" algn="l" rtl="0">
-              <a:lnSpc>
-                <a:spcPct val="100000"/>
-              </a:lnSpc>
-              <a:spcBef>
-                <a:spcPts val="0"/>
-              </a:spcBef>
-              <a:spcAft>
-                <a:spcPts val="0"/>
-              </a:spcAft>
-              <a:buClr>
-                <a:schemeClr val="dk1"/>
-              </a:buClr>
-              <a:buSzPts val="2600"/>
-              <a:buFont typeface="Barlow"/>
-              <a:buChar char="●"/>
-              <a:defRPr sz="2600" b="0" i="0" u="none" strike="noStrike" cap="none">
-                <a:solidFill>
-                  <a:schemeClr val="dk1"/>
-                </a:solidFill>
-                <a:latin typeface="Barlow"/>
-                <a:ea typeface="Barlow"/>
-                <a:cs typeface="Barlow"/>
-                <a:sym typeface="Barlow"/>
-              </a:defRPr>
-            </a:lvl7pPr>
-            <a:lvl8pPr marL="3657600" marR="0" lvl="7" indent="-393700" algn="l" rtl="0">
-              <a:lnSpc>
-                <a:spcPct val="100000"/>
-              </a:lnSpc>
-              <a:spcBef>
-                <a:spcPts val="0"/>
-              </a:spcBef>
-              <a:spcAft>
-                <a:spcPts val="0"/>
-              </a:spcAft>
-              <a:buClr>
-                <a:schemeClr val="dk1"/>
-              </a:buClr>
-              <a:buSzPts val="2600"/>
-              <a:buFont typeface="Barlow"/>
-              <a:buChar char="○"/>
-              <a:defRPr sz="2600" b="0" i="0" u="none" strike="noStrike" cap="none">
-                <a:solidFill>
-                  <a:schemeClr val="dk1"/>
-                </a:solidFill>
-                <a:latin typeface="Barlow"/>
-                <a:ea typeface="Barlow"/>
-                <a:cs typeface="Barlow"/>
-                <a:sym typeface="Barlow"/>
-              </a:defRPr>
-            </a:lvl8pPr>
-            <a:lvl9pPr marL="4114800" marR="0" lvl="8" indent="-393700" algn="l" rtl="0">
-              <a:lnSpc>
-                <a:spcPct val="100000"/>
-              </a:lnSpc>
-              <a:spcBef>
-                <a:spcPts val="0"/>
-              </a:spcBef>
-              <a:spcAft>
-                <a:spcPts val="0"/>
-              </a:spcAft>
-              <a:buClr>
-                <a:schemeClr val="dk1"/>
-              </a:buClr>
-              <a:buSzPts val="2600"/>
-              <a:buFont typeface="Barlow"/>
-              <a:buChar char="■"/>
-              <a:defRPr sz="2600" b="0" i="0" u="none" strike="noStrike" cap="none">
-                <a:solidFill>
-                  <a:schemeClr val="dk1"/>
-                </a:solidFill>
-                <a:latin typeface="Barlow"/>
-                <a:ea typeface="Barlow"/>
-                <a:cs typeface="Barlow"/>
-                <a:sym typeface="Barlow"/>
-              </a:defRPr>
-            </a:lvl9pPr>
-          </a:lstStyle>
-          <a:p>
-            <a:pPr marL="0" indent="0">
-              <a:buFont typeface="Barlow"/>
-              <a:buNone/>
-            </a:pPr>
-            <a:r>
-              <a:rPr lang="en-US" sz="1200" dirty="0"/>
-              <a:t>Findings: There appears to be a weak negative correlation between energy and popularity, suggesting higher ranked songs (being closer to 1) may have more energy. </a:t>
             </a:r>
           </a:p>
         </p:txBody>
@@ -15141,38 +16449,8 @@
         </p:blipFill>
         <p:spPr>
           <a:xfrm>
-            <a:off x="1396346" y="1449078"/>
+            <a:off x="3102483" y="1526867"/>
             <a:ext cx="3933812" cy="2622541"/>
-          </a:xfrm>
-          <a:prstGeom prst="rect">
-            <a:avLst/>
-          </a:prstGeom>
-        </p:spPr>
-      </p:pic>
-      <p:pic>
-        <p:nvPicPr>
-          <p:cNvPr id="5" name="Picture 4">
-            <a:extLst>
-              <a:ext uri="{FF2B5EF4-FFF2-40B4-BE49-F238E27FC236}">
-                <a16:creationId xmlns:a16="http://schemas.microsoft.com/office/drawing/2014/main" id="{15C7BE03-E088-7648-A386-1822A91BD88A}"/>
-              </a:ext>
-            </a:extLst>
-          </p:cNvPr>
-          <p:cNvPicPr>
-            <a:picLocks noChangeAspect="1"/>
-          </p:cNvPicPr>
-          <p:nvPr/>
-        </p:nvPicPr>
-        <p:blipFill>
-          <a:blip r:embed="rId4"/>
-          <a:stretch>
-            <a:fillRect/>
-          </a:stretch>
-        </p:blipFill>
-        <p:spPr>
-          <a:xfrm>
-            <a:off x="4780138" y="1359151"/>
-            <a:ext cx="4203591" cy="2802394"/>
           </a:xfrm>
           <a:prstGeom prst="rect">
             <a:avLst/>

--- a/Project 1 PPT.pptx
+++ b/Project 1 PPT.pptx
@@ -826,7 +826,11 @@
               </a:spcAft>
               <a:buNone/>
             </a:pPr>
-            <a:endParaRPr/>
+            <a:r>
+              <a:rPr lang="en-US" dirty="0"/>
+              <a:t>All introduce</a:t>
+            </a:r>
+            <a:endParaRPr dirty="0"/>
           </a:p>
         </p:txBody>
       </p:sp>
@@ -937,7 +941,7 @@
     </p:spTree>
     <p:extLst>
       <p:ext uri="{BB962C8B-B14F-4D97-AF65-F5344CB8AC3E}">
-        <p14:creationId xmlns:p14="http://schemas.microsoft.com/office/powerpoint/2010/main" val="2185781892"/>
+        <p14:creationId xmlns:p14="http://schemas.microsoft.com/office/powerpoint/2010/main" val="3530046667"/>
       </p:ext>
     </p:extLst>
   </p:cSld>
@@ -1046,7 +1050,7 @@
     </p:spTree>
     <p:extLst>
       <p:ext uri="{BB962C8B-B14F-4D97-AF65-F5344CB8AC3E}">
-        <p14:creationId xmlns:p14="http://schemas.microsoft.com/office/powerpoint/2010/main" val="855124055"/>
+        <p14:creationId xmlns:p14="http://schemas.microsoft.com/office/powerpoint/2010/main" val="2185781892"/>
       </p:ext>
     </p:extLst>
   </p:cSld>
@@ -1148,14 +1152,18 @@
               </a:spcAft>
               <a:buNone/>
             </a:pPr>
-            <a:endParaRPr/>
+            <a:r>
+              <a:rPr lang="en-US" dirty="0"/>
+              <a:t>Eric 14-16</a:t>
+            </a:r>
+            <a:endParaRPr dirty="0"/>
           </a:p>
         </p:txBody>
       </p:sp>
     </p:spTree>
     <p:extLst>
       <p:ext uri="{BB962C8B-B14F-4D97-AF65-F5344CB8AC3E}">
-        <p14:creationId xmlns:p14="http://schemas.microsoft.com/office/powerpoint/2010/main" val="842474672"/>
+        <p14:creationId xmlns:p14="http://schemas.microsoft.com/office/powerpoint/2010/main" val="855124055"/>
       </p:ext>
     </p:extLst>
   </p:cSld>
@@ -1264,7 +1272,7 @@
     </p:spTree>
     <p:extLst>
       <p:ext uri="{BB962C8B-B14F-4D97-AF65-F5344CB8AC3E}">
-        <p14:creationId xmlns:p14="http://schemas.microsoft.com/office/powerpoint/2010/main" val="1870011772"/>
+        <p14:creationId xmlns:p14="http://schemas.microsoft.com/office/powerpoint/2010/main" val="842474672"/>
       </p:ext>
     </p:extLst>
   </p:cSld>
@@ -1373,7 +1381,7 @@
     </p:spTree>
     <p:extLst>
       <p:ext uri="{BB962C8B-B14F-4D97-AF65-F5344CB8AC3E}">
-        <p14:creationId xmlns:p14="http://schemas.microsoft.com/office/powerpoint/2010/main" val="3715218135"/>
+        <p14:creationId xmlns:p14="http://schemas.microsoft.com/office/powerpoint/2010/main" val="1870011772"/>
       </p:ext>
     </p:extLst>
   </p:cSld>
@@ -1475,14 +1483,18 @@
               </a:spcAft>
               <a:buNone/>
             </a:pPr>
-            <a:endParaRPr/>
+            <a:r>
+              <a:rPr lang="en-US" dirty="0"/>
+              <a:t>Kristen 17-23</a:t>
+            </a:r>
+            <a:endParaRPr dirty="0"/>
           </a:p>
         </p:txBody>
       </p:sp>
     </p:spTree>
     <p:extLst>
       <p:ext uri="{BB962C8B-B14F-4D97-AF65-F5344CB8AC3E}">
-        <p14:creationId xmlns:p14="http://schemas.microsoft.com/office/powerpoint/2010/main" val="1084793878"/>
+        <p14:creationId xmlns:p14="http://schemas.microsoft.com/office/powerpoint/2010/main" val="3715218135"/>
       </p:ext>
     </p:extLst>
   </p:cSld>
@@ -1591,6 +1603,115 @@
     </p:spTree>
     <p:extLst>
       <p:ext uri="{BB962C8B-B14F-4D97-AF65-F5344CB8AC3E}">
+        <p14:creationId xmlns:p14="http://schemas.microsoft.com/office/powerpoint/2010/main" val="1084793878"/>
+      </p:ext>
+    </p:extLst>
+  </p:cSld>
+  <p:clrMapOvr>
+    <a:masterClrMapping/>
+  </p:clrMapOvr>
+</p:notes>
+</file>
+
+<file path=ppt/notesSlides/notesSlide17.xml><?xml version="1.0" encoding="utf-8"?>
+<p:notes xmlns:a="http://schemas.openxmlformats.org/drawingml/2006/main" xmlns:r="http://schemas.openxmlformats.org/officeDocument/2006/relationships" xmlns:p="http://schemas.openxmlformats.org/presentationml/2006/main" showMasterSp="0" showMasterPhAnim="0">
+  <p:cSld>
+    <p:spTree>
+      <p:nvGrpSpPr>
+        <p:cNvPr id="1" name="Shape 137"/>
+        <p:cNvGrpSpPr/>
+        <p:nvPr/>
+      </p:nvGrpSpPr>
+      <p:grpSpPr>
+        <a:xfrm>
+          <a:off x="0" y="0"/>
+          <a:ext cx="0" cy="0"/>
+          <a:chOff x="0" y="0"/>
+          <a:chExt cx="0" cy="0"/>
+        </a:xfrm>
+      </p:grpSpPr>
+      <p:sp>
+        <p:nvSpPr>
+          <p:cNvPr id="138" name="Google Shape;138;g35ed75ccf_015:notes"/>
+          <p:cNvSpPr>
+            <a:spLocks noGrp="1" noRot="1" noChangeAspect="1"/>
+          </p:cNvSpPr>
+          <p:nvPr>
+            <p:ph type="sldImg" idx="2"/>
+          </p:nvPr>
+        </p:nvSpPr>
+        <p:spPr>
+          <a:xfrm>
+            <a:off x="381000" y="685800"/>
+            <a:ext cx="6096000" cy="3429000"/>
+          </a:xfrm>
+          <a:custGeom>
+            <a:avLst/>
+            <a:gdLst/>
+            <a:ahLst/>
+            <a:cxnLst/>
+            <a:rect l="l" t="t" r="r" b="b"/>
+            <a:pathLst>
+              <a:path w="120000" h="120000" extrusionOk="0">
+                <a:moveTo>
+                  <a:pt x="0" y="0"/>
+                </a:moveTo>
+                <a:lnTo>
+                  <a:pt x="120000" y="0"/>
+                </a:lnTo>
+                <a:lnTo>
+                  <a:pt x="120000" y="120000"/>
+                </a:lnTo>
+                <a:lnTo>
+                  <a:pt x="0" y="120000"/>
+                </a:lnTo>
+                <a:close/>
+              </a:path>
+            </a:pathLst>
+          </a:custGeom>
+        </p:spPr>
+      </p:sp>
+      <p:sp>
+        <p:nvSpPr>
+          <p:cNvPr id="139" name="Google Shape;139;g35ed75ccf_015:notes"/>
+          <p:cNvSpPr txBox="1">
+            <a:spLocks noGrp="1"/>
+          </p:cNvSpPr>
+          <p:nvPr>
+            <p:ph type="body" idx="1"/>
+          </p:nvPr>
+        </p:nvSpPr>
+        <p:spPr>
+          <a:xfrm>
+            <a:off x="685800" y="4343400"/>
+            <a:ext cx="5486400" cy="4114800"/>
+          </a:xfrm>
+          <a:prstGeom prst="rect">
+            <a:avLst/>
+          </a:prstGeom>
+        </p:spPr>
+        <p:txBody>
+          <a:bodyPr spcFirstLastPara="1" wrap="square" lIns="91425" tIns="91425" rIns="91425" bIns="91425" anchor="t" anchorCtr="0">
+            <a:noAutofit/>
+          </a:bodyPr>
+          <a:lstStyle/>
+          <a:p>
+            <a:pPr marL="0" lvl="0" indent="0" algn="l" rtl="0">
+              <a:spcBef>
+                <a:spcPts val="0"/>
+              </a:spcBef>
+              <a:spcAft>
+                <a:spcPts val="0"/>
+              </a:spcAft>
+              <a:buNone/>
+            </a:pPr>
+            <a:endParaRPr/>
+          </a:p>
+        </p:txBody>
+      </p:sp>
+    </p:spTree>
+    <p:extLst>
+      <p:ext uri="{BB962C8B-B14F-4D97-AF65-F5344CB8AC3E}">
         <p14:creationId xmlns:p14="http://schemas.microsoft.com/office/powerpoint/2010/main" val="292127333"/>
       </p:ext>
     </p:extLst>
@@ -1601,7 +1722,7 @@
 </p:notes>
 </file>
 
-<file path=ppt/notesSlides/notesSlide17.xml><?xml version="1.0" encoding="utf-8"?>
+<file path=ppt/notesSlides/notesSlide18.xml><?xml version="1.0" encoding="utf-8"?>
 <p:notes xmlns:a="http://schemas.openxmlformats.org/drawingml/2006/main" xmlns:r="http://schemas.openxmlformats.org/officeDocument/2006/relationships" xmlns:p="http://schemas.openxmlformats.org/presentationml/2006/main" showMasterSp="0" showMasterPhAnim="0">
   <p:cSld>
     <p:spTree>
@@ -1701,115 +1822,6 @@
     <p:extLst>
       <p:ext uri="{BB962C8B-B14F-4D97-AF65-F5344CB8AC3E}">
         <p14:creationId xmlns:p14="http://schemas.microsoft.com/office/powerpoint/2010/main" val="3964116109"/>
-      </p:ext>
-    </p:extLst>
-  </p:cSld>
-  <p:clrMapOvr>
-    <a:masterClrMapping/>
-  </p:clrMapOvr>
-</p:notes>
-</file>
-
-<file path=ppt/notesSlides/notesSlide18.xml><?xml version="1.0" encoding="utf-8"?>
-<p:notes xmlns:a="http://schemas.openxmlformats.org/drawingml/2006/main" xmlns:r="http://schemas.openxmlformats.org/officeDocument/2006/relationships" xmlns:p="http://schemas.openxmlformats.org/presentationml/2006/main" showMasterSp="0" showMasterPhAnim="0">
-  <p:cSld>
-    <p:spTree>
-      <p:nvGrpSpPr>
-        <p:cNvPr id="1" name="Shape 375"/>
-        <p:cNvGrpSpPr/>
-        <p:nvPr/>
-      </p:nvGrpSpPr>
-      <p:grpSpPr>
-        <a:xfrm>
-          <a:off x="0" y="0"/>
-          <a:ext cx="0" cy="0"/>
-          <a:chOff x="0" y="0"/>
-          <a:chExt cx="0" cy="0"/>
-        </a:xfrm>
-      </p:grpSpPr>
-      <p:sp>
-        <p:nvSpPr>
-          <p:cNvPr id="376" name="Google Shape;376;g35ed75ccf_0141:notes"/>
-          <p:cNvSpPr>
-            <a:spLocks noGrp="1" noRot="1" noChangeAspect="1"/>
-          </p:cNvSpPr>
-          <p:nvPr>
-            <p:ph type="sldImg" idx="2"/>
-          </p:nvPr>
-        </p:nvSpPr>
-        <p:spPr>
-          <a:xfrm>
-            <a:off x="381000" y="685800"/>
-            <a:ext cx="6096000" cy="3429000"/>
-          </a:xfrm>
-          <a:custGeom>
-            <a:avLst/>
-            <a:gdLst/>
-            <a:ahLst/>
-            <a:cxnLst/>
-            <a:rect l="l" t="t" r="r" b="b"/>
-            <a:pathLst>
-              <a:path w="120000" h="120000" extrusionOk="0">
-                <a:moveTo>
-                  <a:pt x="0" y="0"/>
-                </a:moveTo>
-                <a:lnTo>
-                  <a:pt x="120000" y="0"/>
-                </a:lnTo>
-                <a:lnTo>
-                  <a:pt x="120000" y="120000"/>
-                </a:lnTo>
-                <a:lnTo>
-                  <a:pt x="0" y="120000"/>
-                </a:lnTo>
-                <a:close/>
-              </a:path>
-            </a:pathLst>
-          </a:custGeom>
-        </p:spPr>
-      </p:sp>
-      <p:sp>
-        <p:nvSpPr>
-          <p:cNvPr id="377" name="Google Shape;377;g35ed75ccf_0141:notes"/>
-          <p:cNvSpPr txBox="1">
-            <a:spLocks noGrp="1"/>
-          </p:cNvSpPr>
-          <p:nvPr>
-            <p:ph type="body" idx="1"/>
-          </p:nvPr>
-        </p:nvSpPr>
-        <p:spPr>
-          <a:xfrm>
-            <a:off x="685800" y="4343400"/>
-            <a:ext cx="5486400" cy="4114800"/>
-          </a:xfrm>
-          <a:prstGeom prst="rect">
-            <a:avLst/>
-          </a:prstGeom>
-        </p:spPr>
-        <p:txBody>
-          <a:bodyPr spcFirstLastPara="1" wrap="square" lIns="91425" tIns="91425" rIns="91425" bIns="91425" anchor="t" anchorCtr="0">
-            <a:noAutofit/>
-          </a:bodyPr>
-          <a:lstStyle/>
-          <a:p>
-            <a:pPr marL="0" lvl="0" indent="0" algn="l" rtl="0">
-              <a:spcBef>
-                <a:spcPts val="0"/>
-              </a:spcBef>
-              <a:spcAft>
-                <a:spcPts val="0"/>
-              </a:spcAft>
-              <a:buNone/>
-            </a:pPr>
-            <a:endParaRPr/>
-          </a:p>
-        </p:txBody>
-      </p:sp>
-    </p:spTree>
-    <p:extLst>
-      <p:ext uri="{BB962C8B-B14F-4D97-AF65-F5344CB8AC3E}">
-        <p14:creationId xmlns:p14="http://schemas.microsoft.com/office/powerpoint/2010/main" val="3079609659"/>
       </p:ext>
     </p:extLst>
   </p:cSld>
@@ -1918,7 +1930,7 @@
     </p:spTree>
     <p:extLst>
       <p:ext uri="{BB962C8B-B14F-4D97-AF65-F5344CB8AC3E}">
-        <p14:creationId xmlns:p14="http://schemas.microsoft.com/office/powerpoint/2010/main" val="3309159883"/>
+        <p14:creationId xmlns:p14="http://schemas.microsoft.com/office/powerpoint/2010/main" val="3079609659"/>
       </p:ext>
     </p:extLst>
   </p:cSld>
@@ -1929,11 +1941,11 @@
 </file>
 
 <file path=ppt/notesSlides/notesSlide2.xml><?xml version="1.0" encoding="utf-8"?>
-<p:notes xmlns:a="http://schemas.openxmlformats.org/drawingml/2006/main" xmlns:r="http://schemas.openxmlformats.org/officeDocument/2006/relationships" xmlns:p="http://schemas.openxmlformats.org/presentationml/2006/main" showMasterSp="0" showMasterPhAnim="0">
+<p:notes xmlns:a="http://schemas.openxmlformats.org/drawingml/2006/main" xmlns:r="http://schemas.openxmlformats.org/officeDocument/2006/relationships" xmlns:p="http://schemas.openxmlformats.org/presentationml/2006/main">
   <p:cSld>
     <p:spTree>
       <p:nvGrpSpPr>
-        <p:cNvPr id="1" name="Shape 112"/>
+        <p:cNvPr id="1" name=""/>
         <p:cNvGrpSpPr/>
         <p:nvPr/>
       </p:nvGrpSpPr>
@@ -1947,12 +1959,12 @@
       </p:grpSpPr>
       <p:sp>
         <p:nvSpPr>
-          <p:cNvPr id="113" name="Google Shape;113;g35f391192_029:notes"/>
+          <p:cNvPr id="2" name="Slide Image Placeholder 1"/>
           <p:cNvSpPr>
             <a:spLocks noGrp="1" noRot="1" noChangeAspect="1"/>
           </p:cNvSpPr>
           <p:nvPr>
-            <p:ph type="sldImg" idx="2"/>
+            <p:ph type="sldImg"/>
           </p:nvPr>
         </p:nvSpPr>
         <p:spPr>
@@ -1960,74 +1972,34 @@
             <a:off x="381000" y="685800"/>
             <a:ext cx="6096000" cy="3429000"/>
           </a:xfrm>
-          <a:custGeom>
-            <a:avLst/>
-            <a:gdLst/>
-            <a:ahLst/>
-            <a:cxnLst/>
-            <a:rect l="l" t="t" r="r" b="b"/>
-            <a:pathLst>
-              <a:path w="120000" h="120000" extrusionOk="0">
-                <a:moveTo>
-                  <a:pt x="0" y="0"/>
-                </a:moveTo>
-                <a:lnTo>
-                  <a:pt x="120000" y="0"/>
-                </a:lnTo>
-                <a:lnTo>
-                  <a:pt x="120000" y="120000"/>
-                </a:lnTo>
-                <a:lnTo>
-                  <a:pt x="0" y="120000"/>
-                </a:lnTo>
-                <a:close/>
-              </a:path>
-            </a:pathLst>
-          </a:custGeom>
         </p:spPr>
       </p:sp>
       <p:sp>
         <p:nvSpPr>
-          <p:cNvPr id="114" name="Google Shape;114;g35f391192_029:notes"/>
-          <p:cNvSpPr txBox="1">
+          <p:cNvPr id="3" name="Notes Placeholder 2"/>
+          <p:cNvSpPr>
             <a:spLocks noGrp="1"/>
           </p:cNvSpPr>
           <p:nvPr>
             <p:ph type="body" idx="1"/>
           </p:nvPr>
         </p:nvSpPr>
-        <p:spPr>
-          <a:xfrm>
-            <a:off x="685800" y="4343400"/>
-            <a:ext cx="5486400" cy="4114800"/>
-          </a:xfrm>
-          <a:prstGeom prst="rect">
-            <a:avLst/>
-          </a:prstGeom>
-        </p:spPr>
+        <p:spPr/>
         <p:txBody>
-          <a:bodyPr spcFirstLastPara="1" wrap="square" lIns="91425" tIns="91425" rIns="91425" bIns="91425" anchor="t" anchorCtr="0">
-            <a:noAutofit/>
-          </a:bodyPr>
+          <a:bodyPr/>
           <a:lstStyle/>
           <a:p>
-            <a:pPr marL="0" lvl="0" indent="0" algn="l" rtl="0">
-              <a:spcBef>
-                <a:spcPts val="0"/>
-              </a:spcBef>
-              <a:spcAft>
-                <a:spcPts val="0"/>
-              </a:spcAft>
-              <a:buNone/>
-            </a:pPr>
-            <a:endParaRPr/>
+            <a:r>
+              <a:rPr lang="en-US" dirty="0"/>
+              <a:t>Eric 2-6</a:t>
+            </a:r>
           </a:p>
         </p:txBody>
       </p:sp>
     </p:spTree>
     <p:extLst>
       <p:ext uri="{BB962C8B-B14F-4D97-AF65-F5344CB8AC3E}">
-        <p14:creationId xmlns:p14="http://schemas.microsoft.com/office/powerpoint/2010/main" val="1907299817"/>
+        <p14:creationId xmlns:p14="http://schemas.microsoft.com/office/powerpoint/2010/main" val="1579451482"/>
       </p:ext>
     </p:extLst>
   </p:cSld>
@@ -2136,6 +2108,115 @@
     </p:spTree>
     <p:extLst>
       <p:ext uri="{BB962C8B-B14F-4D97-AF65-F5344CB8AC3E}">
+        <p14:creationId xmlns:p14="http://schemas.microsoft.com/office/powerpoint/2010/main" val="3309159883"/>
+      </p:ext>
+    </p:extLst>
+  </p:cSld>
+  <p:clrMapOvr>
+    <a:masterClrMapping/>
+  </p:clrMapOvr>
+</p:notes>
+</file>
+
+<file path=ppt/notesSlides/notesSlide21.xml><?xml version="1.0" encoding="utf-8"?>
+<p:notes xmlns:a="http://schemas.openxmlformats.org/drawingml/2006/main" xmlns:r="http://schemas.openxmlformats.org/officeDocument/2006/relationships" xmlns:p="http://schemas.openxmlformats.org/presentationml/2006/main" showMasterSp="0" showMasterPhAnim="0">
+  <p:cSld>
+    <p:spTree>
+      <p:nvGrpSpPr>
+        <p:cNvPr id="1" name="Shape 375"/>
+        <p:cNvGrpSpPr/>
+        <p:nvPr/>
+      </p:nvGrpSpPr>
+      <p:grpSpPr>
+        <a:xfrm>
+          <a:off x="0" y="0"/>
+          <a:ext cx="0" cy="0"/>
+          <a:chOff x="0" y="0"/>
+          <a:chExt cx="0" cy="0"/>
+        </a:xfrm>
+      </p:grpSpPr>
+      <p:sp>
+        <p:nvSpPr>
+          <p:cNvPr id="376" name="Google Shape;376;g35ed75ccf_0141:notes"/>
+          <p:cNvSpPr>
+            <a:spLocks noGrp="1" noRot="1" noChangeAspect="1"/>
+          </p:cNvSpPr>
+          <p:nvPr>
+            <p:ph type="sldImg" idx="2"/>
+          </p:nvPr>
+        </p:nvSpPr>
+        <p:spPr>
+          <a:xfrm>
+            <a:off x="381000" y="685800"/>
+            <a:ext cx="6096000" cy="3429000"/>
+          </a:xfrm>
+          <a:custGeom>
+            <a:avLst/>
+            <a:gdLst/>
+            <a:ahLst/>
+            <a:cxnLst/>
+            <a:rect l="l" t="t" r="r" b="b"/>
+            <a:pathLst>
+              <a:path w="120000" h="120000" extrusionOk="0">
+                <a:moveTo>
+                  <a:pt x="0" y="0"/>
+                </a:moveTo>
+                <a:lnTo>
+                  <a:pt x="120000" y="0"/>
+                </a:lnTo>
+                <a:lnTo>
+                  <a:pt x="120000" y="120000"/>
+                </a:lnTo>
+                <a:lnTo>
+                  <a:pt x="0" y="120000"/>
+                </a:lnTo>
+                <a:close/>
+              </a:path>
+            </a:pathLst>
+          </a:custGeom>
+        </p:spPr>
+      </p:sp>
+      <p:sp>
+        <p:nvSpPr>
+          <p:cNvPr id="377" name="Google Shape;377;g35ed75ccf_0141:notes"/>
+          <p:cNvSpPr txBox="1">
+            <a:spLocks noGrp="1"/>
+          </p:cNvSpPr>
+          <p:nvPr>
+            <p:ph type="body" idx="1"/>
+          </p:nvPr>
+        </p:nvSpPr>
+        <p:spPr>
+          <a:xfrm>
+            <a:off x="685800" y="4343400"/>
+            <a:ext cx="5486400" cy="4114800"/>
+          </a:xfrm>
+          <a:prstGeom prst="rect">
+            <a:avLst/>
+          </a:prstGeom>
+        </p:spPr>
+        <p:txBody>
+          <a:bodyPr spcFirstLastPara="1" wrap="square" lIns="91425" tIns="91425" rIns="91425" bIns="91425" anchor="t" anchorCtr="0">
+            <a:noAutofit/>
+          </a:bodyPr>
+          <a:lstStyle/>
+          <a:p>
+            <a:pPr marL="0" lvl="0" indent="0" algn="l" rtl="0">
+              <a:spcBef>
+                <a:spcPts val="0"/>
+              </a:spcBef>
+              <a:spcAft>
+                <a:spcPts val="0"/>
+              </a:spcAft>
+              <a:buNone/>
+            </a:pPr>
+            <a:endParaRPr/>
+          </a:p>
+        </p:txBody>
+      </p:sp>
+    </p:spTree>
+    <p:extLst>
+      <p:ext uri="{BB962C8B-B14F-4D97-AF65-F5344CB8AC3E}">
         <p14:creationId xmlns:p14="http://schemas.microsoft.com/office/powerpoint/2010/main" val="3939554260"/>
       </p:ext>
     </p:extLst>
@@ -2146,7 +2227,7 @@
 </p:notes>
 </file>
 
-<file path=ppt/notesSlides/notesSlide21.xml><?xml version="1.0" encoding="utf-8"?>
+<file path=ppt/notesSlides/notesSlide22.xml><?xml version="1.0" encoding="utf-8"?>
 <p:notes xmlns:a="http://schemas.openxmlformats.org/drawingml/2006/main" xmlns:r="http://schemas.openxmlformats.org/officeDocument/2006/relationships" xmlns:p="http://schemas.openxmlformats.org/presentationml/2006/main" showMasterSp="0" showMasterPhAnim="0">
   <p:cSld>
     <p:spTree>
@@ -2260,6 +2341,115 @@
   <p:cSld>
     <p:spTree>
       <p:nvGrpSpPr>
+        <p:cNvPr id="1" name="Shape 112"/>
+        <p:cNvGrpSpPr/>
+        <p:nvPr/>
+      </p:nvGrpSpPr>
+      <p:grpSpPr>
+        <a:xfrm>
+          <a:off x="0" y="0"/>
+          <a:ext cx="0" cy="0"/>
+          <a:chOff x="0" y="0"/>
+          <a:chExt cx="0" cy="0"/>
+        </a:xfrm>
+      </p:grpSpPr>
+      <p:sp>
+        <p:nvSpPr>
+          <p:cNvPr id="113" name="Google Shape;113;g35f391192_029:notes"/>
+          <p:cNvSpPr>
+            <a:spLocks noGrp="1" noRot="1" noChangeAspect="1"/>
+          </p:cNvSpPr>
+          <p:nvPr>
+            <p:ph type="sldImg" idx="2"/>
+          </p:nvPr>
+        </p:nvSpPr>
+        <p:spPr>
+          <a:xfrm>
+            <a:off x="381000" y="685800"/>
+            <a:ext cx="6096000" cy="3429000"/>
+          </a:xfrm>
+          <a:custGeom>
+            <a:avLst/>
+            <a:gdLst/>
+            <a:ahLst/>
+            <a:cxnLst/>
+            <a:rect l="l" t="t" r="r" b="b"/>
+            <a:pathLst>
+              <a:path w="120000" h="120000" extrusionOk="0">
+                <a:moveTo>
+                  <a:pt x="0" y="0"/>
+                </a:moveTo>
+                <a:lnTo>
+                  <a:pt x="120000" y="0"/>
+                </a:lnTo>
+                <a:lnTo>
+                  <a:pt x="120000" y="120000"/>
+                </a:lnTo>
+                <a:lnTo>
+                  <a:pt x="0" y="120000"/>
+                </a:lnTo>
+                <a:close/>
+              </a:path>
+            </a:pathLst>
+          </a:custGeom>
+        </p:spPr>
+      </p:sp>
+      <p:sp>
+        <p:nvSpPr>
+          <p:cNvPr id="114" name="Google Shape;114;g35f391192_029:notes"/>
+          <p:cNvSpPr txBox="1">
+            <a:spLocks noGrp="1"/>
+          </p:cNvSpPr>
+          <p:nvPr>
+            <p:ph type="body" idx="1"/>
+          </p:nvPr>
+        </p:nvSpPr>
+        <p:spPr>
+          <a:xfrm>
+            <a:off x="685800" y="4343400"/>
+            <a:ext cx="5486400" cy="4114800"/>
+          </a:xfrm>
+          <a:prstGeom prst="rect">
+            <a:avLst/>
+          </a:prstGeom>
+        </p:spPr>
+        <p:txBody>
+          <a:bodyPr spcFirstLastPara="1" wrap="square" lIns="91425" tIns="91425" rIns="91425" bIns="91425" anchor="t" anchorCtr="0">
+            <a:noAutofit/>
+          </a:bodyPr>
+          <a:lstStyle/>
+          <a:p>
+            <a:pPr marL="0" lvl="0" indent="0" algn="l" rtl="0">
+              <a:spcBef>
+                <a:spcPts val="0"/>
+              </a:spcBef>
+              <a:spcAft>
+                <a:spcPts val="0"/>
+              </a:spcAft>
+              <a:buNone/>
+            </a:pPr>
+            <a:endParaRPr/>
+          </a:p>
+        </p:txBody>
+      </p:sp>
+    </p:spTree>
+    <p:extLst>
+      <p:ext uri="{BB962C8B-B14F-4D97-AF65-F5344CB8AC3E}">
+        <p14:creationId xmlns:p14="http://schemas.microsoft.com/office/powerpoint/2010/main" val="1907299817"/>
+      </p:ext>
+    </p:extLst>
+  </p:cSld>
+  <p:clrMapOvr>
+    <a:masterClrMapping/>
+  </p:clrMapOvr>
+</p:notes>
+</file>
+
+<file path=ppt/notesSlides/notesSlide4.xml><?xml version="1.0" encoding="utf-8"?>
+<p:notes xmlns:a="http://schemas.openxmlformats.org/drawingml/2006/main" xmlns:r="http://schemas.openxmlformats.org/officeDocument/2006/relationships" xmlns:p="http://schemas.openxmlformats.org/presentationml/2006/main" showMasterSp="0" showMasterPhAnim="0">
+  <p:cSld>
+    <p:spTree>
+      <p:nvGrpSpPr>
         <p:cNvPr id="1" name="Shape 137"/>
         <p:cNvGrpSpPr/>
         <p:nvPr/>
@@ -2364,7 +2554,7 @@
 </p:notes>
 </file>
 
-<file path=ppt/notesSlides/notesSlide4.xml><?xml version="1.0" encoding="utf-8"?>
+<file path=ppt/notesSlides/notesSlide5.xml><?xml version="1.0" encoding="utf-8"?>
 <p:notes xmlns:a="http://schemas.openxmlformats.org/drawingml/2006/main" xmlns:r="http://schemas.openxmlformats.org/officeDocument/2006/relationships" xmlns:p="http://schemas.openxmlformats.org/presentationml/2006/main" showMasterSp="0" showMasterPhAnim="0">
   <p:cSld>
     <p:spTree>
@@ -2456,7 +2646,11 @@
               </a:spcAft>
               <a:buNone/>
             </a:pPr>
-            <a:endParaRPr/>
+            <a:r>
+              <a:rPr lang="en-US" dirty="0"/>
+              <a:t>Michelle 7-13</a:t>
+            </a:r>
+            <a:endParaRPr dirty="0"/>
           </a:p>
         </p:txBody>
       </p:sp>
@@ -2473,7 +2667,7 @@
 </p:notes>
 </file>
 
-<file path=ppt/notesSlides/notesSlide5.xml><?xml version="1.0" encoding="utf-8"?>
+<file path=ppt/notesSlides/notesSlide6.xml><?xml version="1.0" encoding="utf-8"?>
 <p:notes xmlns:a="http://schemas.openxmlformats.org/drawingml/2006/main" xmlns:r="http://schemas.openxmlformats.org/officeDocument/2006/relationships" xmlns:p="http://schemas.openxmlformats.org/presentationml/2006/main" showMasterSp="0" showMasterPhAnim="0">
   <p:cSld>
     <p:spTree>
@@ -2582,7 +2776,7 @@
 </p:notes>
 </file>
 
-<file path=ppt/notesSlides/notesSlide6.xml><?xml version="1.0" encoding="utf-8"?>
+<file path=ppt/notesSlides/notesSlide7.xml><?xml version="1.0" encoding="utf-8"?>
 <p:notes xmlns:a="http://schemas.openxmlformats.org/drawingml/2006/main" xmlns:r="http://schemas.openxmlformats.org/officeDocument/2006/relationships" xmlns:p="http://schemas.openxmlformats.org/presentationml/2006/main" showMasterSp="0" showMasterPhAnim="0">
   <p:cSld>
     <p:spTree>
@@ -2682,115 +2876,6 @@
     <p:extLst>
       <p:ext uri="{BB962C8B-B14F-4D97-AF65-F5344CB8AC3E}">
         <p14:creationId xmlns:p14="http://schemas.microsoft.com/office/powerpoint/2010/main" val="257767141"/>
-      </p:ext>
-    </p:extLst>
-  </p:cSld>
-  <p:clrMapOvr>
-    <a:masterClrMapping/>
-  </p:clrMapOvr>
-</p:notes>
-</file>
-
-<file path=ppt/notesSlides/notesSlide7.xml><?xml version="1.0" encoding="utf-8"?>
-<p:notes xmlns:a="http://schemas.openxmlformats.org/drawingml/2006/main" xmlns:r="http://schemas.openxmlformats.org/officeDocument/2006/relationships" xmlns:p="http://schemas.openxmlformats.org/presentationml/2006/main" showMasterSp="0" showMasterPhAnim="0">
-  <p:cSld>
-    <p:spTree>
-      <p:nvGrpSpPr>
-        <p:cNvPr id="1" name="Shape 137"/>
-        <p:cNvGrpSpPr/>
-        <p:nvPr/>
-      </p:nvGrpSpPr>
-      <p:grpSpPr>
-        <a:xfrm>
-          <a:off x="0" y="0"/>
-          <a:ext cx="0" cy="0"/>
-          <a:chOff x="0" y="0"/>
-          <a:chExt cx="0" cy="0"/>
-        </a:xfrm>
-      </p:grpSpPr>
-      <p:sp>
-        <p:nvSpPr>
-          <p:cNvPr id="138" name="Google Shape;138;g35ed75ccf_015:notes"/>
-          <p:cNvSpPr>
-            <a:spLocks noGrp="1" noRot="1" noChangeAspect="1"/>
-          </p:cNvSpPr>
-          <p:nvPr>
-            <p:ph type="sldImg" idx="2"/>
-          </p:nvPr>
-        </p:nvSpPr>
-        <p:spPr>
-          <a:xfrm>
-            <a:off x="381000" y="685800"/>
-            <a:ext cx="6096000" cy="3429000"/>
-          </a:xfrm>
-          <a:custGeom>
-            <a:avLst/>
-            <a:gdLst/>
-            <a:ahLst/>
-            <a:cxnLst/>
-            <a:rect l="l" t="t" r="r" b="b"/>
-            <a:pathLst>
-              <a:path w="120000" h="120000" extrusionOk="0">
-                <a:moveTo>
-                  <a:pt x="0" y="0"/>
-                </a:moveTo>
-                <a:lnTo>
-                  <a:pt x="120000" y="0"/>
-                </a:lnTo>
-                <a:lnTo>
-                  <a:pt x="120000" y="120000"/>
-                </a:lnTo>
-                <a:lnTo>
-                  <a:pt x="0" y="120000"/>
-                </a:lnTo>
-                <a:close/>
-              </a:path>
-            </a:pathLst>
-          </a:custGeom>
-        </p:spPr>
-      </p:sp>
-      <p:sp>
-        <p:nvSpPr>
-          <p:cNvPr id="139" name="Google Shape;139;g35ed75ccf_015:notes"/>
-          <p:cNvSpPr txBox="1">
-            <a:spLocks noGrp="1"/>
-          </p:cNvSpPr>
-          <p:nvPr>
-            <p:ph type="body" idx="1"/>
-          </p:nvPr>
-        </p:nvSpPr>
-        <p:spPr>
-          <a:xfrm>
-            <a:off x="685800" y="4343400"/>
-            <a:ext cx="5486400" cy="4114800"/>
-          </a:xfrm>
-          <a:prstGeom prst="rect">
-            <a:avLst/>
-          </a:prstGeom>
-        </p:spPr>
-        <p:txBody>
-          <a:bodyPr spcFirstLastPara="1" wrap="square" lIns="91425" tIns="91425" rIns="91425" bIns="91425" anchor="t" anchorCtr="0">
-            <a:noAutofit/>
-          </a:bodyPr>
-          <a:lstStyle/>
-          <a:p>
-            <a:pPr marL="0" lvl="0" indent="0" algn="l" rtl="0">
-              <a:spcBef>
-                <a:spcPts val="0"/>
-              </a:spcBef>
-              <a:spcAft>
-                <a:spcPts val="0"/>
-              </a:spcAft>
-              <a:buNone/>
-            </a:pPr>
-            <a:endParaRPr/>
-          </a:p>
-        </p:txBody>
-      </p:sp>
-    </p:spTree>
-    <p:extLst>
-      <p:ext uri="{BB962C8B-B14F-4D97-AF65-F5344CB8AC3E}">
-        <p14:creationId xmlns:p14="http://schemas.microsoft.com/office/powerpoint/2010/main" val="522968524"/>
       </p:ext>
     </p:extLst>
   </p:cSld>
@@ -2899,7 +2984,7 @@
     </p:spTree>
     <p:extLst>
       <p:ext uri="{BB962C8B-B14F-4D97-AF65-F5344CB8AC3E}">
-        <p14:creationId xmlns:p14="http://schemas.microsoft.com/office/powerpoint/2010/main" val="2366204605"/>
+        <p14:creationId xmlns:p14="http://schemas.microsoft.com/office/powerpoint/2010/main" val="522968524"/>
       </p:ext>
     </p:extLst>
   </p:cSld>
@@ -3008,7 +3093,7 @@
     </p:spTree>
     <p:extLst>
       <p:ext uri="{BB962C8B-B14F-4D97-AF65-F5344CB8AC3E}">
-        <p14:creationId xmlns:p14="http://schemas.microsoft.com/office/powerpoint/2010/main" val="3530046667"/>
+        <p14:creationId xmlns:p14="http://schemas.microsoft.com/office/powerpoint/2010/main" val="2366204605"/>
       </p:ext>
     </p:extLst>
   </p:cSld>
